--- a/docs/chart.pptx
+++ b/docs/chart.pptx
@@ -6,6 +6,7 @@
   </p:sldMasterIdLst>
   <p:sldIdLst>
     <p:sldId id="256" r:id="rId2"/>
+    <p:sldId id="257" r:id="rId3"/>
   </p:sldIdLst>
   <p:sldSz cx="12192000" cy="6858000"/>
   <p:notesSz cx="6858000" cy="9144000"/>
@@ -104,6 +105,11 @@
       </a:defRPr>
     </a:lvl9pPr>
   </p:defaultTextStyle>
+  <p:extLst>
+    <p:ext uri="{EFAFB233-063F-42B5-8137-9DF3F51BA10A}">
+      <p15:sldGuideLst xmlns:p15="http://schemas.microsoft.com/office/powerpoint/2012/main"/>
+    </p:ext>
+  </p:extLst>
 </p:presentation>
 </file>
 
@@ -254,7 +260,7 @@
           <a:p>
             <a:fld id="{23FCA02A-BFAF-4B71-9783-6B3BBB321A04}" type="datetimeFigureOut">
               <a:rPr lang="zh-CN" altLang="en-US" smtClean="0"/>
-              <a:t>2023/5/18</a:t>
+              <a:t>2023/5/22</a:t>
             </a:fld>
             <a:endParaRPr lang="zh-CN" altLang="en-US"/>
           </a:p>
@@ -452,7 +458,7 @@
           <a:p>
             <a:fld id="{23FCA02A-BFAF-4B71-9783-6B3BBB321A04}" type="datetimeFigureOut">
               <a:rPr lang="zh-CN" altLang="en-US" smtClean="0"/>
-              <a:t>2023/5/18</a:t>
+              <a:t>2023/5/22</a:t>
             </a:fld>
             <a:endParaRPr lang="zh-CN" altLang="en-US"/>
           </a:p>
@@ -660,7 +666,7 @@
           <a:p>
             <a:fld id="{23FCA02A-BFAF-4B71-9783-6B3BBB321A04}" type="datetimeFigureOut">
               <a:rPr lang="zh-CN" altLang="en-US" smtClean="0"/>
-              <a:t>2023/5/18</a:t>
+              <a:t>2023/5/22</a:t>
             </a:fld>
             <a:endParaRPr lang="zh-CN" altLang="en-US"/>
           </a:p>
@@ -858,7 +864,7 @@
           <a:p>
             <a:fld id="{23FCA02A-BFAF-4B71-9783-6B3BBB321A04}" type="datetimeFigureOut">
               <a:rPr lang="zh-CN" altLang="en-US" smtClean="0"/>
-              <a:t>2023/5/18</a:t>
+              <a:t>2023/5/22</a:t>
             </a:fld>
             <a:endParaRPr lang="zh-CN" altLang="en-US"/>
           </a:p>
@@ -1133,7 +1139,7 @@
           <a:p>
             <a:fld id="{23FCA02A-BFAF-4B71-9783-6B3BBB321A04}" type="datetimeFigureOut">
               <a:rPr lang="zh-CN" altLang="en-US" smtClean="0"/>
-              <a:t>2023/5/18</a:t>
+              <a:t>2023/5/22</a:t>
             </a:fld>
             <a:endParaRPr lang="zh-CN" altLang="en-US"/>
           </a:p>
@@ -1398,7 +1404,7 @@
           <a:p>
             <a:fld id="{23FCA02A-BFAF-4B71-9783-6B3BBB321A04}" type="datetimeFigureOut">
               <a:rPr lang="zh-CN" altLang="en-US" smtClean="0"/>
-              <a:t>2023/5/18</a:t>
+              <a:t>2023/5/22</a:t>
             </a:fld>
             <a:endParaRPr lang="zh-CN" altLang="en-US"/>
           </a:p>
@@ -1810,7 +1816,7 @@
           <a:p>
             <a:fld id="{23FCA02A-BFAF-4B71-9783-6B3BBB321A04}" type="datetimeFigureOut">
               <a:rPr lang="zh-CN" altLang="en-US" smtClean="0"/>
-              <a:t>2023/5/18</a:t>
+              <a:t>2023/5/22</a:t>
             </a:fld>
             <a:endParaRPr lang="zh-CN" altLang="en-US"/>
           </a:p>
@@ -1951,7 +1957,7 @@
           <a:p>
             <a:fld id="{23FCA02A-BFAF-4B71-9783-6B3BBB321A04}" type="datetimeFigureOut">
               <a:rPr lang="zh-CN" altLang="en-US" smtClean="0"/>
-              <a:t>2023/5/18</a:t>
+              <a:t>2023/5/22</a:t>
             </a:fld>
             <a:endParaRPr lang="zh-CN" altLang="en-US"/>
           </a:p>
@@ -2064,7 +2070,7 @@
           <a:p>
             <a:fld id="{23FCA02A-BFAF-4B71-9783-6B3BBB321A04}" type="datetimeFigureOut">
               <a:rPr lang="zh-CN" altLang="en-US" smtClean="0"/>
-              <a:t>2023/5/18</a:t>
+              <a:t>2023/5/22</a:t>
             </a:fld>
             <a:endParaRPr lang="zh-CN" altLang="en-US"/>
           </a:p>
@@ -2375,7 +2381,7 @@
           <a:p>
             <a:fld id="{23FCA02A-BFAF-4B71-9783-6B3BBB321A04}" type="datetimeFigureOut">
               <a:rPr lang="zh-CN" altLang="en-US" smtClean="0"/>
-              <a:t>2023/5/18</a:t>
+              <a:t>2023/5/22</a:t>
             </a:fld>
             <a:endParaRPr lang="zh-CN" altLang="en-US"/>
           </a:p>
@@ -2663,7 +2669,7 @@
           <a:p>
             <a:fld id="{23FCA02A-BFAF-4B71-9783-6B3BBB321A04}" type="datetimeFigureOut">
               <a:rPr lang="zh-CN" altLang="en-US" smtClean="0"/>
-              <a:t>2023/5/18</a:t>
+              <a:t>2023/5/22</a:t>
             </a:fld>
             <a:endParaRPr lang="zh-CN" altLang="en-US"/>
           </a:p>
@@ -2904,7 +2910,7 @@
           <a:p>
             <a:fld id="{23FCA02A-BFAF-4B71-9783-6B3BBB321A04}" type="datetimeFigureOut">
               <a:rPr lang="zh-CN" altLang="en-US" smtClean="0"/>
-              <a:t>2023/5/18</a:t>
+              <a:t>2023/5/22</a:t>
             </a:fld>
             <a:endParaRPr lang="zh-CN" altLang="en-US"/>
           </a:p>
@@ -3341,6 +3347,14 @@
           <a:prstGeom prst="rect">
             <a:avLst/>
           </a:prstGeom>
+          <a:solidFill>
+            <a:schemeClr val="bg1"/>
+          </a:solidFill>
+          <a:ln>
+            <a:solidFill>
+              <a:schemeClr val="tx1"/>
+            </a:solidFill>
+          </a:ln>
         </p:spPr>
         <p:style>
           <a:lnRef idx="2">
@@ -3364,10 +3378,13 @@
           <a:p>
             <a:pPr algn="ctr"/>
             <a:r>
-              <a:rPr lang="en-US" altLang="zh-CN" dirty="0" err="1"/>
+              <a:rPr lang="en-US" altLang="zh-CN" dirty="0">
+                <a:solidFill>
+                  <a:schemeClr val="tx1"/>
+                </a:solidFill>
+              </a:rPr>
               <a:t>ios</a:t>
             </a:r>
-            <a:endParaRPr lang="en-US" altLang="zh-CN" dirty="0"/>
           </a:p>
         </p:txBody>
       </p:sp>
@@ -3385,12 +3402,20 @@
         </p:nvSpPr>
         <p:spPr>
           <a:xfrm>
-            <a:off x="5120640" y="548640"/>
+            <a:off x="5120640" y="563880"/>
             <a:ext cx="1226820" cy="327660"/>
           </a:xfrm>
           <a:prstGeom prst="rect">
             <a:avLst/>
           </a:prstGeom>
+          <a:solidFill>
+            <a:schemeClr val="bg1"/>
+          </a:solidFill>
+          <a:ln>
+            <a:solidFill>
+              <a:schemeClr val="tx1"/>
+            </a:solidFill>
+          </a:ln>
         </p:spPr>
         <p:style>
           <a:lnRef idx="2">
@@ -3414,10 +3439,18 @@
           <a:p>
             <a:pPr algn="ctr"/>
             <a:r>
-              <a:rPr lang="en-US" altLang="zh-CN" dirty="0" err="1"/>
+              <a:rPr lang="en-US" altLang="zh-CN" dirty="0">
+                <a:solidFill>
+                  <a:schemeClr val="tx1"/>
+                </a:solidFill>
+              </a:rPr>
               <a:t>streambuf</a:t>
             </a:r>
-            <a:endParaRPr lang="zh-CN" altLang="en-US" dirty="0"/>
+            <a:endParaRPr lang="zh-CN" altLang="en-US" dirty="0">
+              <a:solidFill>
+                <a:schemeClr val="tx1"/>
+              </a:solidFill>
+            </a:endParaRPr>
           </a:p>
         </p:txBody>
       </p:sp>
@@ -3441,6 +3474,14 @@
           <a:prstGeom prst="rect">
             <a:avLst/>
           </a:prstGeom>
+          <a:solidFill>
+            <a:schemeClr val="bg1"/>
+          </a:solidFill>
+          <a:ln>
+            <a:solidFill>
+              <a:schemeClr val="tx1"/>
+            </a:solidFill>
+          </a:ln>
         </p:spPr>
         <p:style>
           <a:lnRef idx="2">
@@ -3464,10 +3505,18 @@
           <a:p>
             <a:pPr algn="ctr"/>
             <a:r>
-              <a:rPr lang="en-US" altLang="zh-CN" dirty="0" err="1"/>
+              <a:rPr lang="en-US" altLang="zh-CN" dirty="0">
+                <a:solidFill>
+                  <a:schemeClr val="tx1"/>
+                </a:solidFill>
+              </a:rPr>
               <a:t>istream</a:t>
             </a:r>
-            <a:endParaRPr lang="zh-CN" altLang="en-US" dirty="0"/>
+            <a:endParaRPr lang="zh-CN" altLang="en-US" dirty="0">
+              <a:solidFill>
+                <a:schemeClr val="tx1"/>
+              </a:solidFill>
+            </a:endParaRPr>
           </a:p>
         </p:txBody>
       </p:sp>
@@ -3491,6 +3540,14 @@
           <a:prstGeom prst="rect">
             <a:avLst/>
           </a:prstGeom>
+          <a:solidFill>
+            <a:schemeClr val="bg1"/>
+          </a:solidFill>
+          <a:ln>
+            <a:solidFill>
+              <a:schemeClr val="tx1"/>
+            </a:solidFill>
+          </a:ln>
         </p:spPr>
         <p:style>
           <a:lnRef idx="2">
@@ -3514,10 +3571,18 @@
           <a:p>
             <a:pPr algn="ctr"/>
             <a:r>
-              <a:rPr lang="en-US" altLang="zh-CN" dirty="0" err="1"/>
+              <a:rPr lang="en-US" altLang="zh-CN" dirty="0">
+                <a:solidFill>
+                  <a:schemeClr val="tx1"/>
+                </a:solidFill>
+              </a:rPr>
               <a:t>ostream</a:t>
             </a:r>
-            <a:endParaRPr lang="zh-CN" altLang="en-US" dirty="0"/>
+            <a:endParaRPr lang="zh-CN" altLang="en-US" dirty="0">
+              <a:solidFill>
+                <a:schemeClr val="tx1"/>
+              </a:solidFill>
+            </a:endParaRPr>
           </a:p>
         </p:txBody>
       </p:sp>
@@ -3535,12 +3600,20 @@
         </p:nvSpPr>
         <p:spPr>
           <a:xfrm>
-            <a:off x="5120640" y="1245870"/>
+            <a:off x="5120640" y="1261110"/>
             <a:ext cx="1226820" cy="327660"/>
           </a:xfrm>
           <a:prstGeom prst="rect">
             <a:avLst/>
           </a:prstGeom>
+          <a:solidFill>
+            <a:schemeClr val="bg1"/>
+          </a:solidFill>
+          <a:ln>
+            <a:solidFill>
+              <a:schemeClr val="tx1"/>
+            </a:solidFill>
+          </a:ln>
         </p:spPr>
         <p:style>
           <a:lnRef idx="2">
@@ -3564,10 +3637,18 @@
           <a:p>
             <a:pPr algn="ctr"/>
             <a:r>
-              <a:rPr lang="en-US" altLang="zh-CN" dirty="0" err="1"/>
+              <a:rPr lang="en-US" altLang="zh-CN" dirty="0">
+                <a:solidFill>
+                  <a:schemeClr val="tx1"/>
+                </a:solidFill>
+              </a:rPr>
               <a:t>filebuf</a:t>
             </a:r>
-            <a:endParaRPr lang="zh-CN" altLang="en-US" dirty="0"/>
+            <a:endParaRPr lang="zh-CN" altLang="en-US" dirty="0">
+              <a:solidFill>
+                <a:schemeClr val="tx1"/>
+              </a:solidFill>
+            </a:endParaRPr>
           </a:p>
         </p:txBody>
       </p:sp>
@@ -3591,6 +3672,14 @@
           <a:prstGeom prst="rect">
             <a:avLst/>
           </a:prstGeom>
+          <a:solidFill>
+            <a:schemeClr val="bg1"/>
+          </a:solidFill>
+          <a:ln>
+            <a:solidFill>
+              <a:schemeClr val="tx1"/>
+            </a:solidFill>
+          </a:ln>
         </p:spPr>
         <p:style>
           <a:lnRef idx="2">
@@ -3614,10 +3703,18 @@
           <a:p>
             <a:pPr algn="ctr"/>
             <a:r>
-              <a:rPr lang="en-US" altLang="zh-CN" dirty="0"/>
+              <a:rPr lang="en-US" altLang="zh-CN" dirty="0">
+                <a:solidFill>
+                  <a:schemeClr val="tx1"/>
+                </a:solidFill>
+              </a:rPr>
               <a:t>iostream</a:t>
             </a:r>
-            <a:endParaRPr lang="zh-CN" altLang="en-US" dirty="0"/>
+            <a:endParaRPr lang="zh-CN" altLang="en-US" dirty="0">
+              <a:solidFill>
+                <a:schemeClr val="tx1"/>
+              </a:solidFill>
+            </a:endParaRPr>
           </a:p>
         </p:txBody>
       </p:sp>
@@ -3641,6 +3738,14 @@
           <a:prstGeom prst="rect">
             <a:avLst/>
           </a:prstGeom>
+          <a:solidFill>
+            <a:schemeClr val="bg1"/>
+          </a:solidFill>
+          <a:ln>
+            <a:solidFill>
+              <a:schemeClr val="tx1"/>
+            </a:solidFill>
+          </a:ln>
         </p:spPr>
         <p:style>
           <a:lnRef idx="2">
@@ -3664,10 +3769,18 @@
           <a:p>
             <a:pPr algn="ctr"/>
             <a:r>
-              <a:rPr lang="en-US" altLang="zh-CN" dirty="0" err="1"/>
+              <a:rPr lang="en-US" altLang="zh-CN" dirty="0">
+                <a:solidFill>
+                  <a:schemeClr val="tx1"/>
+                </a:solidFill>
+              </a:rPr>
               <a:t>ifstream</a:t>
             </a:r>
-            <a:endParaRPr lang="zh-CN" altLang="en-US" dirty="0"/>
+            <a:endParaRPr lang="zh-CN" altLang="en-US" dirty="0">
+              <a:solidFill>
+                <a:schemeClr val="tx1"/>
+              </a:solidFill>
+            </a:endParaRPr>
           </a:p>
         </p:txBody>
       </p:sp>
@@ -3691,6 +3804,14 @@
           <a:prstGeom prst="rect">
             <a:avLst/>
           </a:prstGeom>
+          <a:solidFill>
+            <a:schemeClr val="bg1"/>
+          </a:solidFill>
+          <a:ln>
+            <a:solidFill>
+              <a:schemeClr val="tx1"/>
+            </a:solidFill>
+          </a:ln>
         </p:spPr>
         <p:style>
           <a:lnRef idx="2">
@@ -3714,10 +3835,18 @@
           <a:p>
             <a:pPr algn="ctr"/>
             <a:r>
-              <a:rPr lang="en-US" altLang="zh-CN" dirty="0" err="1"/>
+              <a:rPr lang="en-US" altLang="zh-CN" dirty="0">
+                <a:solidFill>
+                  <a:schemeClr val="tx1"/>
+                </a:solidFill>
+              </a:rPr>
               <a:t>fstream</a:t>
             </a:r>
-            <a:endParaRPr lang="zh-CN" altLang="en-US" dirty="0"/>
+            <a:endParaRPr lang="zh-CN" altLang="en-US" dirty="0">
+              <a:solidFill>
+                <a:schemeClr val="tx1"/>
+              </a:solidFill>
+            </a:endParaRPr>
           </a:p>
         </p:txBody>
       </p:sp>
@@ -3741,6 +3870,14 @@
           <a:prstGeom prst="rect">
             <a:avLst/>
           </a:prstGeom>
+          <a:solidFill>
+            <a:schemeClr val="bg1"/>
+          </a:solidFill>
+          <a:ln>
+            <a:solidFill>
+              <a:schemeClr val="tx1"/>
+            </a:solidFill>
+          </a:ln>
         </p:spPr>
         <p:style>
           <a:lnRef idx="2">
@@ -3764,17 +3901,3456 @@
           <a:p>
             <a:pPr algn="ctr"/>
             <a:r>
-              <a:rPr lang="en-US" altLang="zh-CN" dirty="0" err="1"/>
+              <a:rPr lang="en-US" altLang="zh-CN" dirty="0">
+                <a:solidFill>
+                  <a:schemeClr val="tx1"/>
+                </a:solidFill>
+              </a:rPr>
               <a:t>ofstream</a:t>
             </a:r>
-            <a:endParaRPr lang="zh-CN" altLang="en-US" dirty="0"/>
-          </a:p>
-        </p:txBody>
-      </p:sp>
+            <a:endParaRPr lang="zh-CN" altLang="en-US" dirty="0">
+              <a:solidFill>
+                <a:schemeClr val="tx1"/>
+              </a:solidFill>
+            </a:endParaRPr>
+          </a:p>
+        </p:txBody>
+      </p:sp>
+      <p:cxnSp>
+        <p:nvCxnSpPr>
+          <p:cNvPr id="3" name="直接箭头连接符 2">
+            <a:extLst>
+              <a:ext uri="{FF2B5EF4-FFF2-40B4-BE49-F238E27FC236}">
+                <a16:creationId xmlns:a16="http://schemas.microsoft.com/office/drawing/2014/main" id="{D107EF32-2CE3-3D12-DC50-C7961542250C}"/>
+              </a:ext>
+            </a:extLst>
+          </p:cNvPr>
+          <p:cNvCxnSpPr>
+            <a:stCxn id="6" idx="0"/>
+          </p:cNvCxnSpPr>
+          <p:nvPr/>
+        </p:nvCxnSpPr>
+        <p:spPr>
+          <a:xfrm flipV="1">
+            <a:off x="2350770" y="876300"/>
+            <a:ext cx="0" cy="369570"/>
+          </a:xfrm>
+          <a:prstGeom prst="straightConnector1">
+            <a:avLst/>
+          </a:prstGeom>
+          <a:ln>
+            <a:solidFill>
+              <a:schemeClr val="tx1"/>
+            </a:solidFill>
+            <a:tailEnd type="triangle"/>
+          </a:ln>
+        </p:spPr>
+        <p:style>
+          <a:lnRef idx="1">
+            <a:schemeClr val="accent1"/>
+          </a:lnRef>
+          <a:fillRef idx="0">
+            <a:schemeClr val="accent1"/>
+          </a:fillRef>
+          <a:effectRef idx="0">
+            <a:schemeClr val="accent1"/>
+          </a:effectRef>
+          <a:fontRef idx="minor">
+            <a:schemeClr val="tx1"/>
+          </a:fontRef>
+        </p:style>
+      </p:cxnSp>
+      <p:cxnSp>
+        <p:nvCxnSpPr>
+          <p:cNvPr id="14" name="直接箭头连接符 13">
+            <a:extLst>
+              <a:ext uri="{FF2B5EF4-FFF2-40B4-BE49-F238E27FC236}">
+                <a16:creationId xmlns:a16="http://schemas.microsoft.com/office/drawing/2014/main" id="{97AD471E-1505-DF6A-0EB7-909DA2599D03}"/>
+              </a:ext>
+            </a:extLst>
+          </p:cNvPr>
+          <p:cNvCxnSpPr>
+            <a:cxnSpLocks/>
+            <a:stCxn id="7" idx="0"/>
+          </p:cNvCxnSpPr>
+          <p:nvPr/>
+        </p:nvCxnSpPr>
+        <p:spPr>
+          <a:xfrm flipV="1">
+            <a:off x="4080510" y="876300"/>
+            <a:ext cx="0" cy="369570"/>
+          </a:xfrm>
+          <a:prstGeom prst="straightConnector1">
+            <a:avLst/>
+          </a:prstGeom>
+          <a:ln>
+            <a:solidFill>
+              <a:schemeClr val="tx1"/>
+            </a:solidFill>
+            <a:tailEnd type="triangle"/>
+          </a:ln>
+        </p:spPr>
+        <p:style>
+          <a:lnRef idx="1">
+            <a:schemeClr val="accent1"/>
+          </a:lnRef>
+          <a:fillRef idx="0">
+            <a:schemeClr val="accent1"/>
+          </a:fillRef>
+          <a:effectRef idx="0">
+            <a:schemeClr val="accent1"/>
+          </a:effectRef>
+          <a:fontRef idx="minor">
+            <a:schemeClr val="tx1"/>
+          </a:fontRef>
+        </p:style>
+      </p:cxnSp>
+      <p:cxnSp>
+        <p:nvCxnSpPr>
+          <p:cNvPr id="16" name="直接箭头连接符 15">
+            <a:extLst>
+              <a:ext uri="{FF2B5EF4-FFF2-40B4-BE49-F238E27FC236}">
+                <a16:creationId xmlns:a16="http://schemas.microsoft.com/office/drawing/2014/main" id="{907D6160-459D-9BE9-3E3E-A94D536C87E8}"/>
+              </a:ext>
+            </a:extLst>
+          </p:cNvPr>
+          <p:cNvCxnSpPr>
+            <a:cxnSpLocks/>
+          </p:cNvCxnSpPr>
+          <p:nvPr/>
+        </p:nvCxnSpPr>
+        <p:spPr>
+          <a:xfrm flipV="1">
+            <a:off x="2697480" y="1573530"/>
+            <a:ext cx="0" cy="432435"/>
+          </a:xfrm>
+          <a:prstGeom prst="straightConnector1">
+            <a:avLst/>
+          </a:prstGeom>
+          <a:ln>
+            <a:solidFill>
+              <a:schemeClr val="tx1"/>
+            </a:solidFill>
+            <a:tailEnd type="triangle"/>
+          </a:ln>
+        </p:spPr>
+        <p:style>
+          <a:lnRef idx="1">
+            <a:schemeClr val="accent1"/>
+          </a:lnRef>
+          <a:fillRef idx="0">
+            <a:schemeClr val="accent1"/>
+          </a:fillRef>
+          <a:effectRef idx="0">
+            <a:schemeClr val="accent1"/>
+          </a:effectRef>
+          <a:fontRef idx="minor">
+            <a:schemeClr val="tx1"/>
+          </a:fontRef>
+        </p:style>
+      </p:cxnSp>
+      <p:cxnSp>
+        <p:nvCxnSpPr>
+          <p:cNvPr id="20" name="直接箭头连接符 19">
+            <a:extLst>
+              <a:ext uri="{FF2B5EF4-FFF2-40B4-BE49-F238E27FC236}">
+                <a16:creationId xmlns:a16="http://schemas.microsoft.com/office/drawing/2014/main" id="{8243A7C0-9902-905E-2FB2-AC8D8FC5006E}"/>
+              </a:ext>
+            </a:extLst>
+          </p:cNvPr>
+          <p:cNvCxnSpPr>
+            <a:cxnSpLocks/>
+          </p:cNvCxnSpPr>
+          <p:nvPr/>
+        </p:nvCxnSpPr>
+        <p:spPr>
+          <a:xfrm flipV="1">
+            <a:off x="3710940" y="1573530"/>
+            <a:ext cx="0" cy="432435"/>
+          </a:xfrm>
+          <a:prstGeom prst="straightConnector1">
+            <a:avLst/>
+          </a:prstGeom>
+          <a:ln>
+            <a:solidFill>
+              <a:schemeClr val="tx1"/>
+            </a:solidFill>
+            <a:tailEnd type="triangle"/>
+          </a:ln>
+        </p:spPr>
+        <p:style>
+          <a:lnRef idx="1">
+            <a:schemeClr val="accent1"/>
+          </a:lnRef>
+          <a:fillRef idx="0">
+            <a:schemeClr val="accent1"/>
+          </a:fillRef>
+          <a:effectRef idx="0">
+            <a:schemeClr val="accent1"/>
+          </a:effectRef>
+          <a:fontRef idx="minor">
+            <a:schemeClr val="tx1"/>
+          </a:fontRef>
+        </p:style>
+      </p:cxnSp>
+      <p:cxnSp>
+        <p:nvCxnSpPr>
+          <p:cNvPr id="22" name="直接箭头连接符 21">
+            <a:extLst>
+              <a:ext uri="{FF2B5EF4-FFF2-40B4-BE49-F238E27FC236}">
+                <a16:creationId xmlns:a16="http://schemas.microsoft.com/office/drawing/2014/main" id="{0704F2B0-064C-DD2E-4588-88AAA2B2F340}"/>
+              </a:ext>
+            </a:extLst>
+          </p:cNvPr>
+          <p:cNvCxnSpPr>
+            <a:cxnSpLocks/>
+          </p:cNvCxnSpPr>
+          <p:nvPr/>
+        </p:nvCxnSpPr>
+        <p:spPr>
+          <a:xfrm flipV="1">
+            <a:off x="2011680" y="1573530"/>
+            <a:ext cx="0" cy="1118235"/>
+          </a:xfrm>
+          <a:prstGeom prst="straightConnector1">
+            <a:avLst/>
+          </a:prstGeom>
+          <a:ln>
+            <a:solidFill>
+              <a:schemeClr val="tx1"/>
+            </a:solidFill>
+            <a:tailEnd type="triangle"/>
+          </a:ln>
+        </p:spPr>
+        <p:style>
+          <a:lnRef idx="1">
+            <a:schemeClr val="accent1"/>
+          </a:lnRef>
+          <a:fillRef idx="0">
+            <a:schemeClr val="accent1"/>
+          </a:fillRef>
+          <a:effectRef idx="0">
+            <a:schemeClr val="accent1"/>
+          </a:effectRef>
+          <a:fontRef idx="minor">
+            <a:schemeClr val="tx1"/>
+          </a:fontRef>
+        </p:style>
+      </p:cxnSp>
+      <p:cxnSp>
+        <p:nvCxnSpPr>
+          <p:cNvPr id="23" name="直接箭头连接符 22">
+            <a:extLst>
+              <a:ext uri="{FF2B5EF4-FFF2-40B4-BE49-F238E27FC236}">
+                <a16:creationId xmlns:a16="http://schemas.microsoft.com/office/drawing/2014/main" id="{B8674BC6-FB07-BF62-89A0-26BFB9C5FA03}"/>
+              </a:ext>
+            </a:extLst>
+          </p:cNvPr>
+          <p:cNvCxnSpPr>
+            <a:cxnSpLocks/>
+          </p:cNvCxnSpPr>
+          <p:nvPr/>
+        </p:nvCxnSpPr>
+        <p:spPr>
+          <a:xfrm flipV="1">
+            <a:off x="4488180" y="1575435"/>
+            <a:ext cx="0" cy="1118235"/>
+          </a:xfrm>
+          <a:prstGeom prst="straightConnector1">
+            <a:avLst/>
+          </a:prstGeom>
+          <a:ln>
+            <a:solidFill>
+              <a:schemeClr val="tx1"/>
+            </a:solidFill>
+            <a:tailEnd type="triangle"/>
+          </a:ln>
+        </p:spPr>
+        <p:style>
+          <a:lnRef idx="1">
+            <a:schemeClr val="accent1"/>
+          </a:lnRef>
+          <a:fillRef idx="0">
+            <a:schemeClr val="accent1"/>
+          </a:fillRef>
+          <a:effectRef idx="0">
+            <a:schemeClr val="accent1"/>
+          </a:effectRef>
+          <a:fontRef idx="minor">
+            <a:schemeClr val="tx1"/>
+          </a:fontRef>
+        </p:style>
+      </p:cxnSp>
+      <p:cxnSp>
+        <p:nvCxnSpPr>
+          <p:cNvPr id="25" name="直接箭头连接符 24">
+            <a:extLst>
+              <a:ext uri="{FF2B5EF4-FFF2-40B4-BE49-F238E27FC236}">
+                <a16:creationId xmlns:a16="http://schemas.microsoft.com/office/drawing/2014/main" id="{686CD57A-3040-7889-1A73-421ED959B2AD}"/>
+              </a:ext>
+            </a:extLst>
+          </p:cNvPr>
+          <p:cNvCxnSpPr>
+            <a:cxnSpLocks/>
+            <a:stCxn id="4" idx="3"/>
+            <a:endCxn id="5" idx="1"/>
+          </p:cNvCxnSpPr>
+          <p:nvPr/>
+        </p:nvCxnSpPr>
+        <p:spPr>
+          <a:xfrm>
+            <a:off x="4693920" y="723900"/>
+            <a:ext cx="426720" cy="3810"/>
+          </a:xfrm>
+          <a:prstGeom prst="straightConnector1">
+            <a:avLst/>
+          </a:prstGeom>
+          <a:ln>
+            <a:solidFill>
+              <a:schemeClr val="tx1"/>
+            </a:solidFill>
+            <a:tailEnd type="triangle"/>
+          </a:ln>
+        </p:spPr>
+        <p:style>
+          <a:lnRef idx="1">
+            <a:schemeClr val="accent1"/>
+          </a:lnRef>
+          <a:fillRef idx="0">
+            <a:schemeClr val="accent1"/>
+          </a:fillRef>
+          <a:effectRef idx="0">
+            <a:schemeClr val="accent1"/>
+          </a:effectRef>
+          <a:fontRef idx="minor">
+            <a:schemeClr val="tx1"/>
+          </a:fontRef>
+        </p:style>
+      </p:cxnSp>
+      <p:cxnSp>
+        <p:nvCxnSpPr>
+          <p:cNvPr id="27" name="直接箭头连接符 26">
+            <a:extLst>
+              <a:ext uri="{FF2B5EF4-FFF2-40B4-BE49-F238E27FC236}">
+                <a16:creationId xmlns:a16="http://schemas.microsoft.com/office/drawing/2014/main" id="{AF8C3B3C-CAC5-C8FB-7C19-523CF01FC29E}"/>
+              </a:ext>
+            </a:extLst>
+          </p:cNvPr>
+          <p:cNvCxnSpPr>
+            <a:stCxn id="8" idx="0"/>
+            <a:endCxn id="5" idx="2"/>
+          </p:cNvCxnSpPr>
+          <p:nvPr/>
+        </p:nvCxnSpPr>
+        <p:spPr>
+          <a:xfrm flipV="1">
+            <a:off x="5734050" y="891540"/>
+            <a:ext cx="0" cy="369570"/>
+          </a:xfrm>
+          <a:prstGeom prst="straightConnector1">
+            <a:avLst/>
+          </a:prstGeom>
+          <a:ln>
+            <a:solidFill>
+              <a:schemeClr val="tx1"/>
+            </a:solidFill>
+            <a:tailEnd type="triangle"/>
+          </a:ln>
+        </p:spPr>
+        <p:style>
+          <a:lnRef idx="1">
+            <a:schemeClr val="accent1"/>
+          </a:lnRef>
+          <a:fillRef idx="0">
+            <a:schemeClr val="accent1"/>
+          </a:fillRef>
+          <a:effectRef idx="0">
+            <a:schemeClr val="accent1"/>
+          </a:effectRef>
+          <a:fontRef idx="minor">
+            <a:schemeClr val="tx1"/>
+          </a:fontRef>
+        </p:style>
+      </p:cxnSp>
+      <p:cxnSp>
+        <p:nvCxnSpPr>
+          <p:cNvPr id="30" name="直接箭头连接符 29">
+            <a:extLst>
+              <a:ext uri="{FF2B5EF4-FFF2-40B4-BE49-F238E27FC236}">
+                <a16:creationId xmlns:a16="http://schemas.microsoft.com/office/drawing/2014/main" id="{564B9B08-58E2-460F-B8D9-98EE7390E35B}"/>
+              </a:ext>
+            </a:extLst>
+          </p:cNvPr>
+          <p:cNvCxnSpPr>
+            <a:cxnSpLocks/>
+            <a:stCxn id="12" idx="0"/>
+            <a:endCxn id="9" idx="2"/>
+          </p:cNvCxnSpPr>
+          <p:nvPr/>
+        </p:nvCxnSpPr>
+        <p:spPr>
+          <a:xfrm flipV="1">
+            <a:off x="3219450" y="2333625"/>
+            <a:ext cx="0" cy="358140"/>
+          </a:xfrm>
+          <a:prstGeom prst="straightConnector1">
+            <a:avLst/>
+          </a:prstGeom>
+          <a:ln>
+            <a:solidFill>
+              <a:schemeClr val="tx1"/>
+            </a:solidFill>
+            <a:tailEnd type="triangle"/>
+          </a:ln>
+        </p:spPr>
+        <p:style>
+          <a:lnRef idx="1">
+            <a:schemeClr val="accent1"/>
+          </a:lnRef>
+          <a:fillRef idx="0">
+            <a:schemeClr val="accent1"/>
+          </a:fillRef>
+          <a:effectRef idx="0">
+            <a:schemeClr val="accent1"/>
+          </a:effectRef>
+          <a:fontRef idx="minor">
+            <a:schemeClr val="tx1"/>
+          </a:fontRef>
+        </p:style>
+      </p:cxnSp>
     </p:spTree>
     <p:extLst>
       <p:ext uri="{BB962C8B-B14F-4D97-AF65-F5344CB8AC3E}">
         <p14:creationId xmlns:p14="http://schemas.microsoft.com/office/powerpoint/2010/main" val="4183425064"/>
+      </p:ext>
+    </p:extLst>
+  </p:cSld>
+  <p:clrMapOvr>
+    <a:masterClrMapping/>
+  </p:clrMapOvr>
+</p:sld>
+</file>
+
+<file path=ppt/slides/slide2.xml><?xml version="1.0" encoding="utf-8"?>
+<p:sld xmlns:a="http://schemas.openxmlformats.org/drawingml/2006/main" xmlns:r="http://schemas.openxmlformats.org/officeDocument/2006/relationships" xmlns:p="http://schemas.openxmlformats.org/presentationml/2006/main">
+  <p:cSld>
+    <p:spTree>
+      <p:nvGrpSpPr>
+        <p:cNvPr id="1" name=""/>
+        <p:cNvGrpSpPr/>
+        <p:nvPr/>
+      </p:nvGrpSpPr>
+      <p:grpSpPr>
+        <a:xfrm>
+          <a:off x="0" y="0"/>
+          <a:ext cx="0" cy="0"/>
+          <a:chOff x="0" y="0"/>
+          <a:chExt cx="0" cy="0"/>
+        </a:xfrm>
+      </p:grpSpPr>
+      <p:sp>
+        <p:nvSpPr>
+          <p:cNvPr id="4" name="矩形 3">
+            <a:extLst>
+              <a:ext uri="{FF2B5EF4-FFF2-40B4-BE49-F238E27FC236}">
+                <a16:creationId xmlns:a16="http://schemas.microsoft.com/office/drawing/2014/main" id="{2A0AE847-9B1A-1253-EE8F-CC18830EEB0A}"/>
+              </a:ext>
+            </a:extLst>
+          </p:cNvPr>
+          <p:cNvSpPr/>
+          <p:nvPr/>
+        </p:nvSpPr>
+        <p:spPr>
+          <a:xfrm>
+            <a:off x="1254243" y="779821"/>
+            <a:ext cx="183963" cy="285230"/>
+          </a:xfrm>
+          <a:prstGeom prst="rect">
+            <a:avLst/>
+          </a:prstGeom>
+          <a:solidFill>
+            <a:schemeClr val="bg1"/>
+          </a:solidFill>
+          <a:ln>
+            <a:solidFill>
+              <a:schemeClr val="tx1"/>
+            </a:solidFill>
+          </a:ln>
+        </p:spPr>
+        <p:style>
+          <a:lnRef idx="2">
+            <a:schemeClr val="accent1">
+              <a:shade val="50000"/>
+            </a:schemeClr>
+          </a:lnRef>
+          <a:fillRef idx="1">
+            <a:schemeClr val="accent1"/>
+          </a:fillRef>
+          <a:effectRef idx="0">
+            <a:schemeClr val="accent1"/>
+          </a:effectRef>
+          <a:fontRef idx="minor">
+            <a:schemeClr val="lt1"/>
+          </a:fontRef>
+        </p:style>
+        <p:txBody>
+          <a:bodyPr rtlCol="0" anchor="ctr"/>
+          <a:lstStyle/>
+          <a:p>
+            <a:pPr algn="ctr"/>
+            <a:endParaRPr lang="zh-CN" altLang="en-US"/>
+          </a:p>
+        </p:txBody>
+      </p:sp>
+      <p:sp>
+        <p:nvSpPr>
+          <p:cNvPr id="5" name="矩形 4">
+            <a:extLst>
+              <a:ext uri="{FF2B5EF4-FFF2-40B4-BE49-F238E27FC236}">
+                <a16:creationId xmlns:a16="http://schemas.microsoft.com/office/drawing/2014/main" id="{94A48FE8-F282-319A-56DE-AF06EA0BB952}"/>
+              </a:ext>
+            </a:extLst>
+          </p:cNvPr>
+          <p:cNvSpPr/>
+          <p:nvPr/>
+        </p:nvSpPr>
+        <p:spPr>
+          <a:xfrm>
+            <a:off x="1438206" y="779821"/>
+            <a:ext cx="183963" cy="285230"/>
+          </a:xfrm>
+          <a:prstGeom prst="rect">
+            <a:avLst/>
+          </a:prstGeom>
+          <a:solidFill>
+            <a:schemeClr val="bg1"/>
+          </a:solidFill>
+          <a:ln>
+            <a:solidFill>
+              <a:schemeClr val="tx1"/>
+            </a:solidFill>
+          </a:ln>
+        </p:spPr>
+        <p:style>
+          <a:lnRef idx="2">
+            <a:schemeClr val="accent1">
+              <a:shade val="50000"/>
+            </a:schemeClr>
+          </a:lnRef>
+          <a:fillRef idx="1">
+            <a:schemeClr val="accent1"/>
+          </a:fillRef>
+          <a:effectRef idx="0">
+            <a:schemeClr val="accent1"/>
+          </a:effectRef>
+          <a:fontRef idx="minor">
+            <a:schemeClr val="lt1"/>
+          </a:fontRef>
+        </p:style>
+        <p:txBody>
+          <a:bodyPr rtlCol="0" anchor="ctr"/>
+          <a:lstStyle/>
+          <a:p>
+            <a:pPr algn="ctr"/>
+            <a:endParaRPr lang="zh-CN" altLang="en-US"/>
+          </a:p>
+        </p:txBody>
+      </p:sp>
+      <p:sp>
+        <p:nvSpPr>
+          <p:cNvPr id="6" name="矩形 5">
+            <a:extLst>
+              <a:ext uri="{FF2B5EF4-FFF2-40B4-BE49-F238E27FC236}">
+                <a16:creationId xmlns:a16="http://schemas.microsoft.com/office/drawing/2014/main" id="{BCE2AA6F-9864-4C61-E108-5A29D461B3D0}"/>
+              </a:ext>
+            </a:extLst>
+          </p:cNvPr>
+          <p:cNvSpPr/>
+          <p:nvPr/>
+        </p:nvSpPr>
+        <p:spPr>
+          <a:xfrm>
+            <a:off x="1622169" y="779821"/>
+            <a:ext cx="183963" cy="285230"/>
+          </a:xfrm>
+          <a:prstGeom prst="rect">
+            <a:avLst/>
+          </a:prstGeom>
+          <a:solidFill>
+            <a:schemeClr val="bg1"/>
+          </a:solidFill>
+          <a:ln>
+            <a:solidFill>
+              <a:schemeClr val="tx1"/>
+            </a:solidFill>
+          </a:ln>
+        </p:spPr>
+        <p:style>
+          <a:lnRef idx="2">
+            <a:schemeClr val="accent1">
+              <a:shade val="50000"/>
+            </a:schemeClr>
+          </a:lnRef>
+          <a:fillRef idx="1">
+            <a:schemeClr val="accent1"/>
+          </a:fillRef>
+          <a:effectRef idx="0">
+            <a:schemeClr val="accent1"/>
+          </a:effectRef>
+          <a:fontRef idx="minor">
+            <a:schemeClr val="lt1"/>
+          </a:fontRef>
+        </p:style>
+        <p:txBody>
+          <a:bodyPr rtlCol="0" anchor="ctr"/>
+          <a:lstStyle/>
+          <a:p>
+            <a:pPr algn="ctr"/>
+            <a:endParaRPr lang="zh-CN" altLang="en-US"/>
+          </a:p>
+        </p:txBody>
+      </p:sp>
+      <p:sp>
+        <p:nvSpPr>
+          <p:cNvPr id="7" name="矩形 6">
+            <a:extLst>
+              <a:ext uri="{FF2B5EF4-FFF2-40B4-BE49-F238E27FC236}">
+                <a16:creationId xmlns:a16="http://schemas.microsoft.com/office/drawing/2014/main" id="{C9C1A7C8-BD78-6B26-2A36-1346B1668390}"/>
+              </a:ext>
+            </a:extLst>
+          </p:cNvPr>
+          <p:cNvSpPr/>
+          <p:nvPr/>
+        </p:nvSpPr>
+        <p:spPr>
+          <a:xfrm>
+            <a:off x="1806132" y="779821"/>
+            <a:ext cx="183963" cy="285230"/>
+          </a:xfrm>
+          <a:prstGeom prst="rect">
+            <a:avLst/>
+          </a:prstGeom>
+          <a:solidFill>
+            <a:schemeClr val="bg1"/>
+          </a:solidFill>
+          <a:ln>
+            <a:solidFill>
+              <a:schemeClr val="tx1"/>
+            </a:solidFill>
+          </a:ln>
+        </p:spPr>
+        <p:style>
+          <a:lnRef idx="2">
+            <a:schemeClr val="accent1">
+              <a:shade val="50000"/>
+            </a:schemeClr>
+          </a:lnRef>
+          <a:fillRef idx="1">
+            <a:schemeClr val="accent1"/>
+          </a:fillRef>
+          <a:effectRef idx="0">
+            <a:schemeClr val="accent1"/>
+          </a:effectRef>
+          <a:fontRef idx="minor">
+            <a:schemeClr val="lt1"/>
+          </a:fontRef>
+        </p:style>
+        <p:txBody>
+          <a:bodyPr rtlCol="0" anchor="ctr"/>
+          <a:lstStyle/>
+          <a:p>
+            <a:pPr algn="ctr"/>
+            <a:endParaRPr lang="zh-CN" altLang="en-US"/>
+          </a:p>
+        </p:txBody>
+      </p:sp>
+      <p:sp>
+        <p:nvSpPr>
+          <p:cNvPr id="8" name="矩形 7">
+            <a:extLst>
+              <a:ext uri="{FF2B5EF4-FFF2-40B4-BE49-F238E27FC236}">
+                <a16:creationId xmlns:a16="http://schemas.microsoft.com/office/drawing/2014/main" id="{9AC7F95D-AB17-4A86-051C-A26655A06E5B}"/>
+              </a:ext>
+            </a:extLst>
+          </p:cNvPr>
+          <p:cNvSpPr/>
+          <p:nvPr/>
+        </p:nvSpPr>
+        <p:spPr>
+          <a:xfrm>
+            <a:off x="1990095" y="779821"/>
+            <a:ext cx="183963" cy="285230"/>
+          </a:xfrm>
+          <a:prstGeom prst="rect">
+            <a:avLst/>
+          </a:prstGeom>
+          <a:solidFill>
+            <a:schemeClr val="bg1"/>
+          </a:solidFill>
+          <a:ln>
+            <a:solidFill>
+              <a:schemeClr val="tx1"/>
+            </a:solidFill>
+          </a:ln>
+        </p:spPr>
+        <p:style>
+          <a:lnRef idx="2">
+            <a:schemeClr val="accent1">
+              <a:shade val="50000"/>
+            </a:schemeClr>
+          </a:lnRef>
+          <a:fillRef idx="1">
+            <a:schemeClr val="accent1"/>
+          </a:fillRef>
+          <a:effectRef idx="0">
+            <a:schemeClr val="accent1"/>
+          </a:effectRef>
+          <a:fontRef idx="minor">
+            <a:schemeClr val="lt1"/>
+          </a:fontRef>
+        </p:style>
+        <p:txBody>
+          <a:bodyPr rtlCol="0" anchor="ctr"/>
+          <a:lstStyle/>
+          <a:p>
+            <a:pPr algn="ctr"/>
+            <a:endParaRPr lang="zh-CN" altLang="en-US"/>
+          </a:p>
+        </p:txBody>
+      </p:sp>
+      <p:sp>
+        <p:nvSpPr>
+          <p:cNvPr id="9" name="矩形 8">
+            <a:extLst>
+              <a:ext uri="{FF2B5EF4-FFF2-40B4-BE49-F238E27FC236}">
+                <a16:creationId xmlns:a16="http://schemas.microsoft.com/office/drawing/2014/main" id="{6DEC44FC-E665-AD00-09F5-4124C3800B50}"/>
+              </a:ext>
+            </a:extLst>
+          </p:cNvPr>
+          <p:cNvSpPr/>
+          <p:nvPr/>
+        </p:nvSpPr>
+        <p:spPr>
+          <a:xfrm>
+            <a:off x="2174058" y="779821"/>
+            <a:ext cx="183963" cy="285230"/>
+          </a:xfrm>
+          <a:prstGeom prst="rect">
+            <a:avLst/>
+          </a:prstGeom>
+          <a:solidFill>
+            <a:schemeClr val="bg1"/>
+          </a:solidFill>
+          <a:ln>
+            <a:solidFill>
+              <a:schemeClr val="tx1"/>
+            </a:solidFill>
+          </a:ln>
+        </p:spPr>
+        <p:style>
+          <a:lnRef idx="2">
+            <a:schemeClr val="accent1">
+              <a:shade val="50000"/>
+            </a:schemeClr>
+          </a:lnRef>
+          <a:fillRef idx="1">
+            <a:schemeClr val="accent1"/>
+          </a:fillRef>
+          <a:effectRef idx="0">
+            <a:schemeClr val="accent1"/>
+          </a:effectRef>
+          <a:fontRef idx="minor">
+            <a:schemeClr val="lt1"/>
+          </a:fontRef>
+        </p:style>
+        <p:txBody>
+          <a:bodyPr rtlCol="0" anchor="ctr"/>
+          <a:lstStyle/>
+          <a:p>
+            <a:pPr algn="ctr"/>
+            <a:endParaRPr lang="zh-CN" altLang="en-US"/>
+          </a:p>
+        </p:txBody>
+      </p:sp>
+      <p:sp>
+        <p:nvSpPr>
+          <p:cNvPr id="10" name="矩形 9">
+            <a:extLst>
+              <a:ext uri="{FF2B5EF4-FFF2-40B4-BE49-F238E27FC236}">
+                <a16:creationId xmlns:a16="http://schemas.microsoft.com/office/drawing/2014/main" id="{7E304C1C-D4EA-EF96-B7B5-67E0E6D72BE7}"/>
+              </a:ext>
+            </a:extLst>
+          </p:cNvPr>
+          <p:cNvSpPr/>
+          <p:nvPr/>
+        </p:nvSpPr>
+        <p:spPr>
+          <a:xfrm>
+            <a:off x="2358021" y="779821"/>
+            <a:ext cx="183963" cy="285230"/>
+          </a:xfrm>
+          <a:prstGeom prst="rect">
+            <a:avLst/>
+          </a:prstGeom>
+          <a:solidFill>
+            <a:schemeClr val="bg1"/>
+          </a:solidFill>
+          <a:ln>
+            <a:solidFill>
+              <a:schemeClr val="tx1"/>
+            </a:solidFill>
+          </a:ln>
+        </p:spPr>
+        <p:style>
+          <a:lnRef idx="2">
+            <a:schemeClr val="accent1">
+              <a:shade val="50000"/>
+            </a:schemeClr>
+          </a:lnRef>
+          <a:fillRef idx="1">
+            <a:schemeClr val="accent1"/>
+          </a:fillRef>
+          <a:effectRef idx="0">
+            <a:schemeClr val="accent1"/>
+          </a:effectRef>
+          <a:fontRef idx="minor">
+            <a:schemeClr val="lt1"/>
+          </a:fontRef>
+        </p:style>
+        <p:txBody>
+          <a:bodyPr rtlCol="0" anchor="ctr"/>
+          <a:lstStyle/>
+          <a:p>
+            <a:pPr algn="ctr"/>
+            <a:endParaRPr lang="zh-CN" altLang="en-US"/>
+          </a:p>
+        </p:txBody>
+      </p:sp>
+      <p:sp>
+        <p:nvSpPr>
+          <p:cNvPr id="11" name="矩形 10">
+            <a:extLst>
+              <a:ext uri="{FF2B5EF4-FFF2-40B4-BE49-F238E27FC236}">
+                <a16:creationId xmlns:a16="http://schemas.microsoft.com/office/drawing/2014/main" id="{0D2BE336-74D5-4FE7-7942-97C5C7933281}"/>
+              </a:ext>
+            </a:extLst>
+          </p:cNvPr>
+          <p:cNvSpPr/>
+          <p:nvPr/>
+        </p:nvSpPr>
+        <p:spPr>
+          <a:xfrm>
+            <a:off x="2541984" y="779821"/>
+            <a:ext cx="183963" cy="285230"/>
+          </a:xfrm>
+          <a:prstGeom prst="rect">
+            <a:avLst/>
+          </a:prstGeom>
+          <a:solidFill>
+            <a:schemeClr val="bg1"/>
+          </a:solidFill>
+          <a:ln>
+            <a:solidFill>
+              <a:schemeClr val="tx1"/>
+            </a:solidFill>
+          </a:ln>
+        </p:spPr>
+        <p:style>
+          <a:lnRef idx="2">
+            <a:schemeClr val="accent1">
+              <a:shade val="50000"/>
+            </a:schemeClr>
+          </a:lnRef>
+          <a:fillRef idx="1">
+            <a:schemeClr val="accent1"/>
+          </a:fillRef>
+          <a:effectRef idx="0">
+            <a:schemeClr val="accent1"/>
+          </a:effectRef>
+          <a:fontRef idx="minor">
+            <a:schemeClr val="lt1"/>
+          </a:fontRef>
+        </p:style>
+        <p:txBody>
+          <a:bodyPr rtlCol="0" anchor="ctr"/>
+          <a:lstStyle/>
+          <a:p>
+            <a:pPr algn="ctr"/>
+            <a:endParaRPr lang="zh-CN" altLang="en-US"/>
+          </a:p>
+        </p:txBody>
+      </p:sp>
+      <p:sp>
+        <p:nvSpPr>
+          <p:cNvPr id="12" name="矩形 11">
+            <a:extLst>
+              <a:ext uri="{FF2B5EF4-FFF2-40B4-BE49-F238E27FC236}">
+                <a16:creationId xmlns:a16="http://schemas.microsoft.com/office/drawing/2014/main" id="{81CC9328-7D8F-76E8-DA05-8400D8FF201D}"/>
+              </a:ext>
+            </a:extLst>
+          </p:cNvPr>
+          <p:cNvSpPr/>
+          <p:nvPr/>
+        </p:nvSpPr>
+        <p:spPr>
+          <a:xfrm>
+            <a:off x="2725947" y="779821"/>
+            <a:ext cx="183963" cy="285230"/>
+          </a:xfrm>
+          <a:prstGeom prst="rect">
+            <a:avLst/>
+          </a:prstGeom>
+          <a:solidFill>
+            <a:schemeClr val="bg1"/>
+          </a:solidFill>
+          <a:ln>
+            <a:solidFill>
+              <a:schemeClr val="tx1"/>
+            </a:solidFill>
+          </a:ln>
+        </p:spPr>
+        <p:style>
+          <a:lnRef idx="2">
+            <a:schemeClr val="accent1">
+              <a:shade val="50000"/>
+            </a:schemeClr>
+          </a:lnRef>
+          <a:fillRef idx="1">
+            <a:schemeClr val="accent1"/>
+          </a:fillRef>
+          <a:effectRef idx="0">
+            <a:schemeClr val="accent1"/>
+          </a:effectRef>
+          <a:fontRef idx="minor">
+            <a:schemeClr val="lt1"/>
+          </a:fontRef>
+        </p:style>
+        <p:txBody>
+          <a:bodyPr rtlCol="0" anchor="ctr"/>
+          <a:lstStyle/>
+          <a:p>
+            <a:pPr algn="ctr"/>
+            <a:endParaRPr lang="zh-CN" altLang="en-US"/>
+          </a:p>
+        </p:txBody>
+      </p:sp>
+      <p:sp>
+        <p:nvSpPr>
+          <p:cNvPr id="13" name="矩形 12">
+            <a:extLst>
+              <a:ext uri="{FF2B5EF4-FFF2-40B4-BE49-F238E27FC236}">
+                <a16:creationId xmlns:a16="http://schemas.microsoft.com/office/drawing/2014/main" id="{976443A7-81A0-C891-3FD3-231220435475}"/>
+              </a:ext>
+            </a:extLst>
+          </p:cNvPr>
+          <p:cNvSpPr/>
+          <p:nvPr/>
+        </p:nvSpPr>
+        <p:spPr>
+          <a:xfrm>
+            <a:off x="2909910" y="779821"/>
+            <a:ext cx="183963" cy="285230"/>
+          </a:xfrm>
+          <a:prstGeom prst="rect">
+            <a:avLst/>
+          </a:prstGeom>
+          <a:solidFill>
+            <a:schemeClr val="bg1"/>
+          </a:solidFill>
+          <a:ln>
+            <a:solidFill>
+              <a:schemeClr val="tx1"/>
+            </a:solidFill>
+          </a:ln>
+        </p:spPr>
+        <p:style>
+          <a:lnRef idx="2">
+            <a:schemeClr val="accent1">
+              <a:shade val="50000"/>
+            </a:schemeClr>
+          </a:lnRef>
+          <a:fillRef idx="1">
+            <a:schemeClr val="accent1"/>
+          </a:fillRef>
+          <a:effectRef idx="0">
+            <a:schemeClr val="accent1"/>
+          </a:effectRef>
+          <a:fontRef idx="minor">
+            <a:schemeClr val="lt1"/>
+          </a:fontRef>
+        </p:style>
+        <p:txBody>
+          <a:bodyPr rtlCol="0" anchor="ctr"/>
+          <a:lstStyle/>
+          <a:p>
+            <a:pPr algn="ctr"/>
+            <a:endParaRPr lang="zh-CN" altLang="en-US"/>
+          </a:p>
+        </p:txBody>
+      </p:sp>
+      <p:sp>
+        <p:nvSpPr>
+          <p:cNvPr id="14" name="矩形 13">
+            <a:extLst>
+              <a:ext uri="{FF2B5EF4-FFF2-40B4-BE49-F238E27FC236}">
+                <a16:creationId xmlns:a16="http://schemas.microsoft.com/office/drawing/2014/main" id="{24828EA6-EC88-C951-3E20-0CBB90A5A4AC}"/>
+              </a:ext>
+            </a:extLst>
+          </p:cNvPr>
+          <p:cNvSpPr/>
+          <p:nvPr/>
+        </p:nvSpPr>
+        <p:spPr>
+          <a:xfrm>
+            <a:off x="3093873" y="779821"/>
+            <a:ext cx="183963" cy="285230"/>
+          </a:xfrm>
+          <a:prstGeom prst="rect">
+            <a:avLst/>
+          </a:prstGeom>
+          <a:solidFill>
+            <a:schemeClr val="bg1"/>
+          </a:solidFill>
+          <a:ln>
+            <a:solidFill>
+              <a:schemeClr val="tx1"/>
+            </a:solidFill>
+          </a:ln>
+        </p:spPr>
+        <p:style>
+          <a:lnRef idx="2">
+            <a:schemeClr val="accent1">
+              <a:shade val="50000"/>
+            </a:schemeClr>
+          </a:lnRef>
+          <a:fillRef idx="1">
+            <a:schemeClr val="accent1"/>
+          </a:fillRef>
+          <a:effectRef idx="0">
+            <a:schemeClr val="accent1"/>
+          </a:effectRef>
+          <a:fontRef idx="minor">
+            <a:schemeClr val="lt1"/>
+          </a:fontRef>
+        </p:style>
+        <p:txBody>
+          <a:bodyPr rtlCol="0" anchor="ctr"/>
+          <a:lstStyle/>
+          <a:p>
+            <a:pPr algn="ctr"/>
+            <a:endParaRPr lang="zh-CN" altLang="en-US"/>
+          </a:p>
+        </p:txBody>
+      </p:sp>
+      <p:sp>
+        <p:nvSpPr>
+          <p:cNvPr id="15" name="矩形 14">
+            <a:extLst>
+              <a:ext uri="{FF2B5EF4-FFF2-40B4-BE49-F238E27FC236}">
+                <a16:creationId xmlns:a16="http://schemas.microsoft.com/office/drawing/2014/main" id="{009D736E-8A94-8E86-DE93-4C648BC76B05}"/>
+              </a:ext>
+            </a:extLst>
+          </p:cNvPr>
+          <p:cNvSpPr/>
+          <p:nvPr/>
+        </p:nvSpPr>
+        <p:spPr>
+          <a:xfrm>
+            <a:off x="3277836" y="779821"/>
+            <a:ext cx="183963" cy="285230"/>
+          </a:xfrm>
+          <a:prstGeom prst="rect">
+            <a:avLst/>
+          </a:prstGeom>
+          <a:solidFill>
+            <a:schemeClr val="bg1"/>
+          </a:solidFill>
+          <a:ln>
+            <a:solidFill>
+              <a:schemeClr val="tx1"/>
+            </a:solidFill>
+          </a:ln>
+        </p:spPr>
+        <p:style>
+          <a:lnRef idx="2">
+            <a:schemeClr val="accent1">
+              <a:shade val="50000"/>
+            </a:schemeClr>
+          </a:lnRef>
+          <a:fillRef idx="1">
+            <a:schemeClr val="accent1"/>
+          </a:fillRef>
+          <a:effectRef idx="0">
+            <a:schemeClr val="accent1"/>
+          </a:effectRef>
+          <a:fontRef idx="minor">
+            <a:schemeClr val="lt1"/>
+          </a:fontRef>
+        </p:style>
+        <p:txBody>
+          <a:bodyPr rtlCol="0" anchor="ctr"/>
+          <a:lstStyle/>
+          <a:p>
+            <a:pPr algn="ctr"/>
+            <a:endParaRPr lang="zh-CN" altLang="en-US"/>
+          </a:p>
+        </p:txBody>
+      </p:sp>
+      <p:sp>
+        <p:nvSpPr>
+          <p:cNvPr id="16" name="矩形 15">
+            <a:extLst>
+              <a:ext uri="{FF2B5EF4-FFF2-40B4-BE49-F238E27FC236}">
+                <a16:creationId xmlns:a16="http://schemas.microsoft.com/office/drawing/2014/main" id="{E8A8ACF9-AF30-66B7-DD2B-2C0DBAF4915F}"/>
+              </a:ext>
+            </a:extLst>
+          </p:cNvPr>
+          <p:cNvSpPr/>
+          <p:nvPr/>
+        </p:nvSpPr>
+        <p:spPr>
+          <a:xfrm>
+            <a:off x="3461799" y="779821"/>
+            <a:ext cx="183963" cy="285230"/>
+          </a:xfrm>
+          <a:prstGeom prst="rect">
+            <a:avLst/>
+          </a:prstGeom>
+          <a:solidFill>
+            <a:schemeClr val="bg1"/>
+          </a:solidFill>
+          <a:ln>
+            <a:solidFill>
+              <a:schemeClr val="tx1"/>
+            </a:solidFill>
+          </a:ln>
+        </p:spPr>
+        <p:style>
+          <a:lnRef idx="2">
+            <a:schemeClr val="accent1">
+              <a:shade val="50000"/>
+            </a:schemeClr>
+          </a:lnRef>
+          <a:fillRef idx="1">
+            <a:schemeClr val="accent1"/>
+          </a:fillRef>
+          <a:effectRef idx="0">
+            <a:schemeClr val="accent1"/>
+          </a:effectRef>
+          <a:fontRef idx="minor">
+            <a:schemeClr val="lt1"/>
+          </a:fontRef>
+        </p:style>
+        <p:txBody>
+          <a:bodyPr rtlCol="0" anchor="ctr"/>
+          <a:lstStyle/>
+          <a:p>
+            <a:pPr algn="ctr"/>
+            <a:endParaRPr lang="zh-CN" altLang="en-US"/>
+          </a:p>
+        </p:txBody>
+      </p:sp>
+      <p:sp>
+        <p:nvSpPr>
+          <p:cNvPr id="17" name="矩形 16">
+            <a:extLst>
+              <a:ext uri="{FF2B5EF4-FFF2-40B4-BE49-F238E27FC236}">
+                <a16:creationId xmlns:a16="http://schemas.microsoft.com/office/drawing/2014/main" id="{0C84665A-CC07-064E-1ADB-8FC6A219B6DF}"/>
+              </a:ext>
+            </a:extLst>
+          </p:cNvPr>
+          <p:cNvSpPr/>
+          <p:nvPr/>
+        </p:nvSpPr>
+        <p:spPr>
+          <a:xfrm>
+            <a:off x="3645762" y="779821"/>
+            <a:ext cx="183963" cy="285230"/>
+          </a:xfrm>
+          <a:prstGeom prst="rect">
+            <a:avLst/>
+          </a:prstGeom>
+          <a:solidFill>
+            <a:schemeClr val="bg1"/>
+          </a:solidFill>
+          <a:ln>
+            <a:solidFill>
+              <a:schemeClr val="tx1"/>
+            </a:solidFill>
+          </a:ln>
+        </p:spPr>
+        <p:style>
+          <a:lnRef idx="2">
+            <a:schemeClr val="accent1">
+              <a:shade val="50000"/>
+            </a:schemeClr>
+          </a:lnRef>
+          <a:fillRef idx="1">
+            <a:schemeClr val="accent1"/>
+          </a:fillRef>
+          <a:effectRef idx="0">
+            <a:schemeClr val="accent1"/>
+          </a:effectRef>
+          <a:fontRef idx="minor">
+            <a:schemeClr val="lt1"/>
+          </a:fontRef>
+        </p:style>
+        <p:txBody>
+          <a:bodyPr rtlCol="0" anchor="ctr"/>
+          <a:lstStyle/>
+          <a:p>
+            <a:pPr algn="ctr"/>
+            <a:endParaRPr lang="zh-CN" altLang="en-US"/>
+          </a:p>
+        </p:txBody>
+      </p:sp>
+      <p:sp>
+        <p:nvSpPr>
+          <p:cNvPr id="18" name="矩形 17">
+            <a:extLst>
+              <a:ext uri="{FF2B5EF4-FFF2-40B4-BE49-F238E27FC236}">
+                <a16:creationId xmlns:a16="http://schemas.microsoft.com/office/drawing/2014/main" id="{7E9F5BCB-1148-FFD6-5224-7E2B58E6AA37}"/>
+              </a:ext>
+            </a:extLst>
+          </p:cNvPr>
+          <p:cNvSpPr/>
+          <p:nvPr/>
+        </p:nvSpPr>
+        <p:spPr>
+          <a:xfrm>
+            <a:off x="7857181" y="779418"/>
+            <a:ext cx="183963" cy="285230"/>
+          </a:xfrm>
+          <a:prstGeom prst="rect">
+            <a:avLst/>
+          </a:prstGeom>
+          <a:solidFill>
+            <a:schemeClr val="bg1"/>
+          </a:solidFill>
+          <a:ln>
+            <a:solidFill>
+              <a:schemeClr val="tx1"/>
+            </a:solidFill>
+          </a:ln>
+        </p:spPr>
+        <p:style>
+          <a:lnRef idx="2">
+            <a:schemeClr val="accent1">
+              <a:shade val="50000"/>
+            </a:schemeClr>
+          </a:lnRef>
+          <a:fillRef idx="1">
+            <a:schemeClr val="accent1"/>
+          </a:fillRef>
+          <a:effectRef idx="0">
+            <a:schemeClr val="accent1"/>
+          </a:effectRef>
+          <a:fontRef idx="minor">
+            <a:schemeClr val="lt1"/>
+          </a:fontRef>
+        </p:style>
+        <p:txBody>
+          <a:bodyPr rtlCol="0" anchor="ctr"/>
+          <a:lstStyle/>
+          <a:p>
+            <a:pPr algn="ctr"/>
+            <a:endParaRPr lang="zh-CN" altLang="en-US"/>
+          </a:p>
+        </p:txBody>
+      </p:sp>
+      <p:sp>
+        <p:nvSpPr>
+          <p:cNvPr id="19" name="矩形 18">
+            <a:extLst>
+              <a:ext uri="{FF2B5EF4-FFF2-40B4-BE49-F238E27FC236}">
+                <a16:creationId xmlns:a16="http://schemas.microsoft.com/office/drawing/2014/main" id="{75F53FCE-B73C-67DB-2267-F10C2B61C24C}"/>
+              </a:ext>
+            </a:extLst>
+          </p:cNvPr>
+          <p:cNvSpPr/>
+          <p:nvPr/>
+        </p:nvSpPr>
+        <p:spPr>
+          <a:xfrm>
+            <a:off x="8041144" y="779418"/>
+            <a:ext cx="183963" cy="285230"/>
+          </a:xfrm>
+          <a:prstGeom prst="rect">
+            <a:avLst/>
+          </a:prstGeom>
+          <a:solidFill>
+            <a:schemeClr val="bg1"/>
+          </a:solidFill>
+          <a:ln>
+            <a:solidFill>
+              <a:schemeClr val="tx1"/>
+            </a:solidFill>
+          </a:ln>
+        </p:spPr>
+        <p:style>
+          <a:lnRef idx="2">
+            <a:schemeClr val="accent1">
+              <a:shade val="50000"/>
+            </a:schemeClr>
+          </a:lnRef>
+          <a:fillRef idx="1">
+            <a:schemeClr val="accent1"/>
+          </a:fillRef>
+          <a:effectRef idx="0">
+            <a:schemeClr val="accent1"/>
+          </a:effectRef>
+          <a:fontRef idx="minor">
+            <a:schemeClr val="lt1"/>
+          </a:fontRef>
+        </p:style>
+        <p:txBody>
+          <a:bodyPr rtlCol="0" anchor="ctr"/>
+          <a:lstStyle/>
+          <a:p>
+            <a:pPr algn="ctr"/>
+            <a:r>
+              <a:rPr lang="zh-CN" altLang="en-US" dirty="0">
+                <a:solidFill>
+                  <a:schemeClr val="tx1"/>
+                </a:solidFill>
+                <a:sym typeface="Wingdings" panose="05000000000000000000" pitchFamily="2" charset="2"/>
+              </a:rPr>
+              <a:t></a:t>
+            </a:r>
+            <a:endParaRPr lang="zh-CN" altLang="en-US" dirty="0">
+              <a:solidFill>
+                <a:schemeClr val="tx1"/>
+              </a:solidFill>
+            </a:endParaRPr>
+          </a:p>
+        </p:txBody>
+      </p:sp>
+      <p:sp>
+        <p:nvSpPr>
+          <p:cNvPr id="20" name="文本框 19">
+            <a:extLst>
+              <a:ext uri="{FF2B5EF4-FFF2-40B4-BE49-F238E27FC236}">
+                <a16:creationId xmlns:a16="http://schemas.microsoft.com/office/drawing/2014/main" id="{A0D44021-040D-6745-DE3F-9225B636DE2F}"/>
+              </a:ext>
+            </a:extLst>
+          </p:cNvPr>
+          <p:cNvSpPr txBox="1"/>
+          <p:nvPr/>
+        </p:nvSpPr>
+        <p:spPr>
+          <a:xfrm>
+            <a:off x="1209606" y="424971"/>
+            <a:ext cx="306494" cy="369332"/>
+          </a:xfrm>
+          <a:prstGeom prst="rect">
+            <a:avLst/>
+          </a:prstGeom>
+          <a:noFill/>
+        </p:spPr>
+        <p:txBody>
+          <a:bodyPr wrap="none" rtlCol="0">
+            <a:spAutoFit/>
+          </a:bodyPr>
+          <a:lstStyle/>
+          <a:p>
+            <a:r>
+              <a:rPr lang="en-US" altLang="zh-CN" dirty="0"/>
+              <a:t>0</a:t>
+            </a:r>
+            <a:endParaRPr lang="zh-CN" altLang="en-US" dirty="0"/>
+          </a:p>
+        </p:txBody>
+      </p:sp>
+      <p:sp>
+        <p:nvSpPr>
+          <p:cNvPr id="21" name="文本框 20">
+            <a:extLst>
+              <a:ext uri="{FF2B5EF4-FFF2-40B4-BE49-F238E27FC236}">
+                <a16:creationId xmlns:a16="http://schemas.microsoft.com/office/drawing/2014/main" id="{EF3F2E56-30F0-D9DA-C6F5-F96B7C512A5B}"/>
+              </a:ext>
+            </a:extLst>
+          </p:cNvPr>
+          <p:cNvSpPr txBox="1"/>
+          <p:nvPr/>
+        </p:nvSpPr>
+        <p:spPr>
+          <a:xfrm>
+            <a:off x="1376941" y="424971"/>
+            <a:ext cx="306494" cy="369332"/>
+          </a:xfrm>
+          <a:prstGeom prst="rect">
+            <a:avLst/>
+          </a:prstGeom>
+          <a:noFill/>
+        </p:spPr>
+        <p:txBody>
+          <a:bodyPr wrap="none" rtlCol="0">
+            <a:spAutoFit/>
+          </a:bodyPr>
+          <a:lstStyle/>
+          <a:p>
+            <a:r>
+              <a:rPr lang="en-US" altLang="zh-CN" dirty="0"/>
+              <a:t>1</a:t>
+            </a:r>
+            <a:endParaRPr lang="zh-CN" altLang="en-US" dirty="0"/>
+          </a:p>
+        </p:txBody>
+      </p:sp>
+      <p:sp>
+        <p:nvSpPr>
+          <p:cNvPr id="22" name="文本框 21">
+            <a:extLst>
+              <a:ext uri="{FF2B5EF4-FFF2-40B4-BE49-F238E27FC236}">
+                <a16:creationId xmlns:a16="http://schemas.microsoft.com/office/drawing/2014/main" id="{DBADAD4C-DBEA-9EA0-E31B-DA93AF0CAEF3}"/>
+              </a:ext>
+            </a:extLst>
+          </p:cNvPr>
+          <p:cNvSpPr txBox="1"/>
+          <p:nvPr/>
+        </p:nvSpPr>
+        <p:spPr>
+          <a:xfrm>
+            <a:off x="1560737" y="417730"/>
+            <a:ext cx="306494" cy="369332"/>
+          </a:xfrm>
+          <a:prstGeom prst="rect">
+            <a:avLst/>
+          </a:prstGeom>
+          <a:noFill/>
+        </p:spPr>
+        <p:txBody>
+          <a:bodyPr wrap="none" rtlCol="0">
+            <a:spAutoFit/>
+          </a:bodyPr>
+          <a:lstStyle/>
+          <a:p>
+            <a:r>
+              <a:rPr lang="en-US" altLang="zh-CN" dirty="0"/>
+              <a:t>2</a:t>
+            </a:r>
+            <a:endParaRPr lang="zh-CN" altLang="en-US" dirty="0"/>
+          </a:p>
+        </p:txBody>
+      </p:sp>
+      <p:sp>
+        <p:nvSpPr>
+          <p:cNvPr id="23" name="文本框 22">
+            <a:extLst>
+              <a:ext uri="{FF2B5EF4-FFF2-40B4-BE49-F238E27FC236}">
+                <a16:creationId xmlns:a16="http://schemas.microsoft.com/office/drawing/2014/main" id="{B02056A5-8B07-FD7F-FE1E-DCE7472F0123}"/>
+              </a:ext>
+            </a:extLst>
+          </p:cNvPr>
+          <p:cNvSpPr txBox="1"/>
+          <p:nvPr/>
+        </p:nvSpPr>
+        <p:spPr>
+          <a:xfrm>
+            <a:off x="1744866" y="424270"/>
+            <a:ext cx="306494" cy="369332"/>
+          </a:xfrm>
+          <a:prstGeom prst="rect">
+            <a:avLst/>
+          </a:prstGeom>
+          <a:noFill/>
+        </p:spPr>
+        <p:txBody>
+          <a:bodyPr wrap="none" rtlCol="0">
+            <a:spAutoFit/>
+          </a:bodyPr>
+          <a:lstStyle/>
+          <a:p>
+            <a:r>
+              <a:rPr lang="en-US" altLang="zh-CN" dirty="0"/>
+              <a:t>3</a:t>
+            </a:r>
+            <a:endParaRPr lang="zh-CN" altLang="en-US" dirty="0"/>
+          </a:p>
+        </p:txBody>
+      </p:sp>
+      <p:sp>
+        <p:nvSpPr>
+          <p:cNvPr id="24" name="文本框 23">
+            <a:extLst>
+              <a:ext uri="{FF2B5EF4-FFF2-40B4-BE49-F238E27FC236}">
+                <a16:creationId xmlns:a16="http://schemas.microsoft.com/office/drawing/2014/main" id="{A3FEBCB8-3D77-226A-2E89-C62A432B9169}"/>
+              </a:ext>
+            </a:extLst>
+          </p:cNvPr>
+          <p:cNvSpPr txBox="1"/>
+          <p:nvPr/>
+        </p:nvSpPr>
+        <p:spPr>
+          <a:xfrm>
+            <a:off x="1920961" y="419190"/>
+            <a:ext cx="306494" cy="369332"/>
+          </a:xfrm>
+          <a:prstGeom prst="rect">
+            <a:avLst/>
+          </a:prstGeom>
+          <a:noFill/>
+        </p:spPr>
+        <p:txBody>
+          <a:bodyPr wrap="none" rtlCol="0">
+            <a:spAutoFit/>
+          </a:bodyPr>
+          <a:lstStyle/>
+          <a:p>
+            <a:r>
+              <a:rPr lang="en-US" altLang="zh-CN" dirty="0"/>
+              <a:t>4</a:t>
+            </a:r>
+            <a:endParaRPr lang="zh-CN" altLang="en-US" dirty="0"/>
+          </a:p>
+        </p:txBody>
+      </p:sp>
+      <p:sp>
+        <p:nvSpPr>
+          <p:cNvPr id="25" name="文本框 24">
+            <a:extLst>
+              <a:ext uri="{FF2B5EF4-FFF2-40B4-BE49-F238E27FC236}">
+                <a16:creationId xmlns:a16="http://schemas.microsoft.com/office/drawing/2014/main" id="{E7A28192-48E2-B193-C9AB-77BCD701880E}"/>
+              </a:ext>
+            </a:extLst>
+          </p:cNvPr>
+          <p:cNvSpPr txBox="1"/>
+          <p:nvPr/>
+        </p:nvSpPr>
+        <p:spPr>
+          <a:xfrm>
+            <a:off x="7644150" y="279889"/>
+            <a:ext cx="622004" cy="369332"/>
+          </a:xfrm>
+          <a:prstGeom prst="rect">
+            <a:avLst/>
+          </a:prstGeom>
+          <a:noFill/>
+        </p:spPr>
+        <p:txBody>
+          <a:bodyPr wrap="square" rtlCol="0">
+            <a:spAutoFit/>
+          </a:bodyPr>
+          <a:lstStyle/>
+          <a:p>
+            <a:r>
+              <a:rPr lang="en-US" altLang="zh-CN" dirty="0"/>
+              <a:t>n-1</a:t>
+            </a:r>
+            <a:endParaRPr lang="zh-CN" altLang="en-US" dirty="0"/>
+          </a:p>
+        </p:txBody>
+      </p:sp>
+      <p:cxnSp>
+        <p:nvCxnSpPr>
+          <p:cNvPr id="27" name="直接箭头连接符 26">
+            <a:extLst>
+              <a:ext uri="{FF2B5EF4-FFF2-40B4-BE49-F238E27FC236}">
+                <a16:creationId xmlns:a16="http://schemas.microsoft.com/office/drawing/2014/main" id="{FC5A235A-1B26-473B-877B-73516DB00758}"/>
+              </a:ext>
+            </a:extLst>
+          </p:cNvPr>
+          <p:cNvCxnSpPr/>
+          <p:nvPr/>
+        </p:nvCxnSpPr>
+        <p:spPr>
+          <a:xfrm>
+            <a:off x="7949162" y="579895"/>
+            <a:ext cx="0" cy="177800"/>
+          </a:xfrm>
+          <a:prstGeom prst="straightConnector1">
+            <a:avLst/>
+          </a:prstGeom>
+          <a:ln>
+            <a:solidFill>
+              <a:schemeClr val="tx1"/>
+            </a:solidFill>
+            <a:tailEnd type="triangle"/>
+          </a:ln>
+        </p:spPr>
+        <p:style>
+          <a:lnRef idx="1">
+            <a:schemeClr val="accent1"/>
+          </a:lnRef>
+          <a:fillRef idx="0">
+            <a:schemeClr val="accent1"/>
+          </a:fillRef>
+          <a:effectRef idx="0">
+            <a:schemeClr val="accent1"/>
+          </a:effectRef>
+          <a:fontRef idx="minor">
+            <a:schemeClr val="tx1"/>
+          </a:fontRef>
+        </p:style>
+      </p:cxnSp>
+      <p:sp>
+        <p:nvSpPr>
+          <p:cNvPr id="28" name="椭圆 27">
+            <a:extLst>
+              <a:ext uri="{FF2B5EF4-FFF2-40B4-BE49-F238E27FC236}">
+                <a16:creationId xmlns:a16="http://schemas.microsoft.com/office/drawing/2014/main" id="{E4AE53BD-7B5E-8E18-528F-B1237D745A9C}"/>
+              </a:ext>
+            </a:extLst>
+          </p:cNvPr>
+          <p:cNvSpPr/>
+          <p:nvPr/>
+        </p:nvSpPr>
+        <p:spPr>
+          <a:xfrm>
+            <a:off x="1382022" y="2234361"/>
+            <a:ext cx="1885066" cy="396064"/>
+          </a:xfrm>
+          <a:prstGeom prst="ellipse">
+            <a:avLst/>
+          </a:prstGeom>
+          <a:solidFill>
+            <a:schemeClr val="bg1"/>
+          </a:solidFill>
+          <a:ln>
+            <a:solidFill>
+              <a:schemeClr val="tx1"/>
+            </a:solidFill>
+          </a:ln>
+        </p:spPr>
+        <p:style>
+          <a:lnRef idx="2">
+            <a:schemeClr val="accent1">
+              <a:shade val="50000"/>
+            </a:schemeClr>
+          </a:lnRef>
+          <a:fillRef idx="1">
+            <a:schemeClr val="accent1"/>
+          </a:fillRef>
+          <a:effectRef idx="0">
+            <a:schemeClr val="accent1"/>
+          </a:effectRef>
+          <a:fontRef idx="minor">
+            <a:schemeClr val="lt1"/>
+          </a:fontRef>
+        </p:style>
+        <p:txBody>
+          <a:bodyPr rtlCol="0" anchor="ctr"/>
+          <a:lstStyle/>
+          <a:p>
+            <a:pPr algn="ctr"/>
+            <a:r>
+              <a:rPr lang="en-US" altLang="zh-CN" dirty="0">
+                <a:solidFill>
+                  <a:schemeClr val="tx1"/>
+                </a:solidFill>
+              </a:rPr>
+              <a:t>ifstream fin</a:t>
+            </a:r>
+            <a:endParaRPr lang="zh-CN" altLang="en-US" dirty="0">
+              <a:solidFill>
+                <a:schemeClr val="tx1"/>
+              </a:solidFill>
+            </a:endParaRPr>
+          </a:p>
+        </p:txBody>
+      </p:sp>
+      <p:sp>
+        <p:nvSpPr>
+          <p:cNvPr id="29" name="椭圆 28">
+            <a:extLst>
+              <a:ext uri="{FF2B5EF4-FFF2-40B4-BE49-F238E27FC236}">
+                <a16:creationId xmlns:a16="http://schemas.microsoft.com/office/drawing/2014/main" id="{E35F9343-A8FF-1ACF-AC25-C424B339B291}"/>
+              </a:ext>
+            </a:extLst>
+          </p:cNvPr>
+          <p:cNvSpPr/>
+          <p:nvPr/>
+        </p:nvSpPr>
+        <p:spPr>
+          <a:xfrm>
+            <a:off x="3418455" y="2199640"/>
+            <a:ext cx="2299538" cy="465506"/>
+          </a:xfrm>
+          <a:prstGeom prst="ellipse">
+            <a:avLst/>
+          </a:prstGeom>
+          <a:solidFill>
+            <a:schemeClr val="bg1"/>
+          </a:solidFill>
+          <a:ln>
+            <a:solidFill>
+              <a:schemeClr val="tx1"/>
+            </a:solidFill>
+          </a:ln>
+        </p:spPr>
+        <p:style>
+          <a:lnRef idx="2">
+            <a:schemeClr val="accent1">
+              <a:shade val="50000"/>
+            </a:schemeClr>
+          </a:lnRef>
+          <a:fillRef idx="1">
+            <a:schemeClr val="accent1"/>
+          </a:fillRef>
+          <a:effectRef idx="0">
+            <a:schemeClr val="accent1"/>
+          </a:effectRef>
+          <a:fontRef idx="minor">
+            <a:schemeClr val="lt1"/>
+          </a:fontRef>
+        </p:style>
+        <p:txBody>
+          <a:bodyPr rtlCol="0" anchor="ctr"/>
+          <a:lstStyle/>
+          <a:p>
+            <a:pPr algn="ctr"/>
+            <a:r>
+              <a:rPr lang="en-US" altLang="zh-CN" dirty="0">
+                <a:solidFill>
+                  <a:schemeClr val="tx1"/>
+                </a:solidFill>
+              </a:rPr>
+              <a:t>fstream finout</a:t>
+            </a:r>
+            <a:endParaRPr lang="zh-CN" altLang="en-US" dirty="0">
+              <a:solidFill>
+                <a:schemeClr val="tx1"/>
+              </a:solidFill>
+            </a:endParaRPr>
+          </a:p>
+        </p:txBody>
+      </p:sp>
+      <p:sp>
+        <p:nvSpPr>
+          <p:cNvPr id="30" name="椭圆 29">
+            <a:extLst>
+              <a:ext uri="{FF2B5EF4-FFF2-40B4-BE49-F238E27FC236}">
+                <a16:creationId xmlns:a16="http://schemas.microsoft.com/office/drawing/2014/main" id="{0F4B46AA-33BA-E6D1-EA51-07E2184C2441}"/>
+              </a:ext>
+            </a:extLst>
+          </p:cNvPr>
+          <p:cNvSpPr/>
+          <p:nvPr/>
+        </p:nvSpPr>
+        <p:spPr>
+          <a:xfrm>
+            <a:off x="5982170" y="2223097"/>
+            <a:ext cx="2236650" cy="418592"/>
+          </a:xfrm>
+          <a:prstGeom prst="ellipse">
+            <a:avLst/>
+          </a:prstGeom>
+          <a:solidFill>
+            <a:schemeClr val="bg1"/>
+          </a:solidFill>
+          <a:ln>
+            <a:solidFill>
+              <a:schemeClr val="tx1"/>
+            </a:solidFill>
+          </a:ln>
+        </p:spPr>
+        <p:style>
+          <a:lnRef idx="2">
+            <a:schemeClr val="accent1">
+              <a:shade val="50000"/>
+            </a:schemeClr>
+          </a:lnRef>
+          <a:fillRef idx="1">
+            <a:schemeClr val="accent1"/>
+          </a:fillRef>
+          <a:effectRef idx="0">
+            <a:schemeClr val="accent1"/>
+          </a:effectRef>
+          <a:fontRef idx="minor">
+            <a:schemeClr val="lt1"/>
+          </a:fontRef>
+        </p:style>
+        <p:txBody>
+          <a:bodyPr rtlCol="0" anchor="ctr"/>
+          <a:lstStyle/>
+          <a:p>
+            <a:pPr algn="ctr"/>
+            <a:r>
+              <a:rPr lang="en-US" altLang="zh-CN" dirty="0">
+                <a:solidFill>
+                  <a:schemeClr val="tx1"/>
+                </a:solidFill>
+              </a:rPr>
+              <a:t>ofstream fout</a:t>
+            </a:r>
+            <a:endParaRPr lang="zh-CN" altLang="en-US" dirty="0">
+              <a:solidFill>
+                <a:schemeClr val="tx1"/>
+              </a:solidFill>
+            </a:endParaRPr>
+          </a:p>
+        </p:txBody>
+      </p:sp>
+      <p:sp>
+        <p:nvSpPr>
+          <p:cNvPr id="31" name="矩形 30">
+            <a:extLst>
+              <a:ext uri="{FF2B5EF4-FFF2-40B4-BE49-F238E27FC236}">
+                <a16:creationId xmlns:a16="http://schemas.microsoft.com/office/drawing/2014/main" id="{CBFF0B3A-19A8-2590-337C-F86205E1BF84}"/>
+              </a:ext>
+            </a:extLst>
+          </p:cNvPr>
+          <p:cNvSpPr/>
+          <p:nvPr/>
+        </p:nvSpPr>
+        <p:spPr>
+          <a:xfrm>
+            <a:off x="3825653" y="779821"/>
+            <a:ext cx="183963" cy="285230"/>
+          </a:xfrm>
+          <a:prstGeom prst="rect">
+            <a:avLst/>
+          </a:prstGeom>
+          <a:solidFill>
+            <a:schemeClr val="bg1"/>
+          </a:solidFill>
+          <a:ln>
+            <a:solidFill>
+              <a:schemeClr val="tx1"/>
+            </a:solidFill>
+          </a:ln>
+        </p:spPr>
+        <p:style>
+          <a:lnRef idx="2">
+            <a:schemeClr val="accent1">
+              <a:shade val="50000"/>
+            </a:schemeClr>
+          </a:lnRef>
+          <a:fillRef idx="1">
+            <a:schemeClr val="accent1"/>
+          </a:fillRef>
+          <a:effectRef idx="0">
+            <a:schemeClr val="accent1"/>
+          </a:effectRef>
+          <a:fontRef idx="minor">
+            <a:schemeClr val="lt1"/>
+          </a:fontRef>
+        </p:style>
+        <p:txBody>
+          <a:bodyPr rtlCol="0" anchor="ctr"/>
+          <a:lstStyle/>
+          <a:p>
+            <a:pPr algn="ctr"/>
+            <a:endParaRPr lang="zh-CN" altLang="en-US"/>
+          </a:p>
+        </p:txBody>
+      </p:sp>
+      <p:sp>
+        <p:nvSpPr>
+          <p:cNvPr id="32" name="矩形 31">
+            <a:extLst>
+              <a:ext uri="{FF2B5EF4-FFF2-40B4-BE49-F238E27FC236}">
+                <a16:creationId xmlns:a16="http://schemas.microsoft.com/office/drawing/2014/main" id="{4C616740-64F6-3FB4-FF58-1D8B6377C17F}"/>
+              </a:ext>
+            </a:extLst>
+          </p:cNvPr>
+          <p:cNvSpPr/>
+          <p:nvPr/>
+        </p:nvSpPr>
+        <p:spPr>
+          <a:xfrm>
+            <a:off x="4009616" y="779821"/>
+            <a:ext cx="183963" cy="285230"/>
+          </a:xfrm>
+          <a:prstGeom prst="rect">
+            <a:avLst/>
+          </a:prstGeom>
+          <a:solidFill>
+            <a:schemeClr val="bg1"/>
+          </a:solidFill>
+          <a:ln>
+            <a:solidFill>
+              <a:schemeClr val="tx1"/>
+            </a:solidFill>
+          </a:ln>
+        </p:spPr>
+        <p:style>
+          <a:lnRef idx="2">
+            <a:schemeClr val="accent1">
+              <a:shade val="50000"/>
+            </a:schemeClr>
+          </a:lnRef>
+          <a:fillRef idx="1">
+            <a:schemeClr val="accent1"/>
+          </a:fillRef>
+          <a:effectRef idx="0">
+            <a:schemeClr val="accent1"/>
+          </a:effectRef>
+          <a:fontRef idx="minor">
+            <a:schemeClr val="lt1"/>
+          </a:fontRef>
+        </p:style>
+        <p:txBody>
+          <a:bodyPr rtlCol="0" anchor="ctr"/>
+          <a:lstStyle/>
+          <a:p>
+            <a:pPr algn="ctr"/>
+            <a:endParaRPr lang="zh-CN" altLang="en-US"/>
+          </a:p>
+        </p:txBody>
+      </p:sp>
+      <p:sp>
+        <p:nvSpPr>
+          <p:cNvPr id="33" name="矩形 32">
+            <a:extLst>
+              <a:ext uri="{FF2B5EF4-FFF2-40B4-BE49-F238E27FC236}">
+                <a16:creationId xmlns:a16="http://schemas.microsoft.com/office/drawing/2014/main" id="{4910BEFC-BF5E-FE2F-9149-8C13A8431CA9}"/>
+              </a:ext>
+            </a:extLst>
+          </p:cNvPr>
+          <p:cNvSpPr/>
+          <p:nvPr/>
+        </p:nvSpPr>
+        <p:spPr>
+          <a:xfrm>
+            <a:off x="4193579" y="779821"/>
+            <a:ext cx="183963" cy="285230"/>
+          </a:xfrm>
+          <a:prstGeom prst="rect">
+            <a:avLst/>
+          </a:prstGeom>
+          <a:solidFill>
+            <a:schemeClr val="bg1"/>
+          </a:solidFill>
+          <a:ln>
+            <a:solidFill>
+              <a:schemeClr val="tx1"/>
+            </a:solidFill>
+          </a:ln>
+        </p:spPr>
+        <p:style>
+          <a:lnRef idx="2">
+            <a:schemeClr val="accent1">
+              <a:shade val="50000"/>
+            </a:schemeClr>
+          </a:lnRef>
+          <a:fillRef idx="1">
+            <a:schemeClr val="accent1"/>
+          </a:fillRef>
+          <a:effectRef idx="0">
+            <a:schemeClr val="accent1"/>
+          </a:effectRef>
+          <a:fontRef idx="minor">
+            <a:schemeClr val="lt1"/>
+          </a:fontRef>
+        </p:style>
+        <p:txBody>
+          <a:bodyPr rtlCol="0" anchor="ctr"/>
+          <a:lstStyle/>
+          <a:p>
+            <a:pPr algn="ctr"/>
+            <a:endParaRPr lang="zh-CN" altLang="en-US"/>
+          </a:p>
+        </p:txBody>
+      </p:sp>
+      <p:sp>
+        <p:nvSpPr>
+          <p:cNvPr id="34" name="矩形 33">
+            <a:extLst>
+              <a:ext uri="{FF2B5EF4-FFF2-40B4-BE49-F238E27FC236}">
+                <a16:creationId xmlns:a16="http://schemas.microsoft.com/office/drawing/2014/main" id="{355C7B95-F808-ABA3-C790-B23E2C1FBCD2}"/>
+              </a:ext>
+            </a:extLst>
+          </p:cNvPr>
+          <p:cNvSpPr/>
+          <p:nvPr/>
+        </p:nvSpPr>
+        <p:spPr>
+          <a:xfrm>
+            <a:off x="4377542" y="779821"/>
+            <a:ext cx="183963" cy="285230"/>
+          </a:xfrm>
+          <a:prstGeom prst="rect">
+            <a:avLst/>
+          </a:prstGeom>
+          <a:solidFill>
+            <a:schemeClr val="bg1"/>
+          </a:solidFill>
+          <a:ln>
+            <a:solidFill>
+              <a:schemeClr val="tx1"/>
+            </a:solidFill>
+          </a:ln>
+        </p:spPr>
+        <p:style>
+          <a:lnRef idx="2">
+            <a:schemeClr val="accent1">
+              <a:shade val="50000"/>
+            </a:schemeClr>
+          </a:lnRef>
+          <a:fillRef idx="1">
+            <a:schemeClr val="accent1"/>
+          </a:fillRef>
+          <a:effectRef idx="0">
+            <a:schemeClr val="accent1"/>
+          </a:effectRef>
+          <a:fontRef idx="minor">
+            <a:schemeClr val="lt1"/>
+          </a:fontRef>
+        </p:style>
+        <p:txBody>
+          <a:bodyPr rtlCol="0" anchor="ctr"/>
+          <a:lstStyle/>
+          <a:p>
+            <a:pPr algn="ctr"/>
+            <a:endParaRPr lang="zh-CN" altLang="en-US"/>
+          </a:p>
+        </p:txBody>
+      </p:sp>
+      <p:sp>
+        <p:nvSpPr>
+          <p:cNvPr id="35" name="矩形 34">
+            <a:extLst>
+              <a:ext uri="{FF2B5EF4-FFF2-40B4-BE49-F238E27FC236}">
+                <a16:creationId xmlns:a16="http://schemas.microsoft.com/office/drawing/2014/main" id="{C046AE1E-EDBA-4963-0F52-6209CA4116BE}"/>
+              </a:ext>
+            </a:extLst>
+          </p:cNvPr>
+          <p:cNvSpPr/>
+          <p:nvPr/>
+        </p:nvSpPr>
+        <p:spPr>
+          <a:xfrm>
+            <a:off x="4561505" y="779821"/>
+            <a:ext cx="183963" cy="285230"/>
+          </a:xfrm>
+          <a:prstGeom prst="rect">
+            <a:avLst/>
+          </a:prstGeom>
+          <a:solidFill>
+            <a:schemeClr val="bg1"/>
+          </a:solidFill>
+          <a:ln>
+            <a:solidFill>
+              <a:schemeClr val="tx1"/>
+            </a:solidFill>
+          </a:ln>
+        </p:spPr>
+        <p:style>
+          <a:lnRef idx="2">
+            <a:schemeClr val="accent1">
+              <a:shade val="50000"/>
+            </a:schemeClr>
+          </a:lnRef>
+          <a:fillRef idx="1">
+            <a:schemeClr val="accent1"/>
+          </a:fillRef>
+          <a:effectRef idx="0">
+            <a:schemeClr val="accent1"/>
+          </a:effectRef>
+          <a:fontRef idx="minor">
+            <a:schemeClr val="lt1"/>
+          </a:fontRef>
+        </p:style>
+        <p:txBody>
+          <a:bodyPr rtlCol="0" anchor="ctr"/>
+          <a:lstStyle/>
+          <a:p>
+            <a:pPr algn="ctr"/>
+            <a:endParaRPr lang="zh-CN" altLang="en-US"/>
+          </a:p>
+        </p:txBody>
+      </p:sp>
+      <p:sp>
+        <p:nvSpPr>
+          <p:cNvPr id="36" name="矩形 35">
+            <a:extLst>
+              <a:ext uri="{FF2B5EF4-FFF2-40B4-BE49-F238E27FC236}">
+                <a16:creationId xmlns:a16="http://schemas.microsoft.com/office/drawing/2014/main" id="{8682AAB3-9FF8-DA72-495B-D2E3263843CA}"/>
+              </a:ext>
+            </a:extLst>
+          </p:cNvPr>
+          <p:cNvSpPr/>
+          <p:nvPr/>
+        </p:nvSpPr>
+        <p:spPr>
+          <a:xfrm>
+            <a:off x="4745468" y="779821"/>
+            <a:ext cx="183963" cy="285230"/>
+          </a:xfrm>
+          <a:prstGeom prst="rect">
+            <a:avLst/>
+          </a:prstGeom>
+          <a:solidFill>
+            <a:schemeClr val="bg1"/>
+          </a:solidFill>
+          <a:ln>
+            <a:solidFill>
+              <a:schemeClr val="tx1"/>
+            </a:solidFill>
+          </a:ln>
+        </p:spPr>
+        <p:style>
+          <a:lnRef idx="2">
+            <a:schemeClr val="accent1">
+              <a:shade val="50000"/>
+            </a:schemeClr>
+          </a:lnRef>
+          <a:fillRef idx="1">
+            <a:schemeClr val="accent1"/>
+          </a:fillRef>
+          <a:effectRef idx="0">
+            <a:schemeClr val="accent1"/>
+          </a:effectRef>
+          <a:fontRef idx="minor">
+            <a:schemeClr val="lt1"/>
+          </a:fontRef>
+        </p:style>
+        <p:txBody>
+          <a:bodyPr rtlCol="0" anchor="ctr"/>
+          <a:lstStyle/>
+          <a:p>
+            <a:pPr algn="ctr"/>
+            <a:endParaRPr lang="zh-CN" altLang="en-US"/>
+          </a:p>
+        </p:txBody>
+      </p:sp>
+      <p:sp>
+        <p:nvSpPr>
+          <p:cNvPr id="37" name="矩形 36">
+            <a:extLst>
+              <a:ext uri="{FF2B5EF4-FFF2-40B4-BE49-F238E27FC236}">
+                <a16:creationId xmlns:a16="http://schemas.microsoft.com/office/drawing/2014/main" id="{D9443FAC-7364-F70D-CE0B-C5A8BB3B3930}"/>
+              </a:ext>
+            </a:extLst>
+          </p:cNvPr>
+          <p:cNvSpPr/>
+          <p:nvPr/>
+        </p:nvSpPr>
+        <p:spPr>
+          <a:xfrm>
+            <a:off x="4924833" y="779821"/>
+            <a:ext cx="183963" cy="285230"/>
+          </a:xfrm>
+          <a:prstGeom prst="rect">
+            <a:avLst/>
+          </a:prstGeom>
+          <a:solidFill>
+            <a:schemeClr val="bg1"/>
+          </a:solidFill>
+          <a:ln>
+            <a:solidFill>
+              <a:schemeClr val="tx1"/>
+            </a:solidFill>
+          </a:ln>
+        </p:spPr>
+        <p:style>
+          <a:lnRef idx="2">
+            <a:schemeClr val="accent1">
+              <a:shade val="50000"/>
+            </a:schemeClr>
+          </a:lnRef>
+          <a:fillRef idx="1">
+            <a:schemeClr val="accent1"/>
+          </a:fillRef>
+          <a:effectRef idx="0">
+            <a:schemeClr val="accent1"/>
+          </a:effectRef>
+          <a:fontRef idx="minor">
+            <a:schemeClr val="lt1"/>
+          </a:fontRef>
+        </p:style>
+        <p:txBody>
+          <a:bodyPr rtlCol="0" anchor="ctr"/>
+          <a:lstStyle/>
+          <a:p>
+            <a:pPr algn="ctr"/>
+            <a:endParaRPr lang="zh-CN" altLang="en-US"/>
+          </a:p>
+        </p:txBody>
+      </p:sp>
+      <p:sp>
+        <p:nvSpPr>
+          <p:cNvPr id="38" name="矩形 37">
+            <a:extLst>
+              <a:ext uri="{FF2B5EF4-FFF2-40B4-BE49-F238E27FC236}">
+                <a16:creationId xmlns:a16="http://schemas.microsoft.com/office/drawing/2014/main" id="{36D257A7-AD7A-212C-7BD6-95D0E91B61F6}"/>
+              </a:ext>
+            </a:extLst>
+          </p:cNvPr>
+          <p:cNvSpPr/>
+          <p:nvPr/>
+        </p:nvSpPr>
+        <p:spPr>
+          <a:xfrm>
+            <a:off x="5108796" y="779821"/>
+            <a:ext cx="183963" cy="285230"/>
+          </a:xfrm>
+          <a:prstGeom prst="rect">
+            <a:avLst/>
+          </a:prstGeom>
+          <a:solidFill>
+            <a:schemeClr val="bg1"/>
+          </a:solidFill>
+          <a:ln>
+            <a:solidFill>
+              <a:schemeClr val="tx1"/>
+            </a:solidFill>
+          </a:ln>
+        </p:spPr>
+        <p:style>
+          <a:lnRef idx="2">
+            <a:schemeClr val="accent1">
+              <a:shade val="50000"/>
+            </a:schemeClr>
+          </a:lnRef>
+          <a:fillRef idx="1">
+            <a:schemeClr val="accent1"/>
+          </a:fillRef>
+          <a:effectRef idx="0">
+            <a:schemeClr val="accent1"/>
+          </a:effectRef>
+          <a:fontRef idx="minor">
+            <a:schemeClr val="lt1"/>
+          </a:fontRef>
+        </p:style>
+        <p:txBody>
+          <a:bodyPr rtlCol="0" anchor="ctr"/>
+          <a:lstStyle/>
+          <a:p>
+            <a:pPr algn="ctr"/>
+            <a:endParaRPr lang="zh-CN" altLang="en-US"/>
+          </a:p>
+        </p:txBody>
+      </p:sp>
+      <p:sp>
+        <p:nvSpPr>
+          <p:cNvPr id="39" name="矩形 38">
+            <a:extLst>
+              <a:ext uri="{FF2B5EF4-FFF2-40B4-BE49-F238E27FC236}">
+                <a16:creationId xmlns:a16="http://schemas.microsoft.com/office/drawing/2014/main" id="{800D551D-6B78-F5DC-64C8-D2025BD5F8A6}"/>
+              </a:ext>
+            </a:extLst>
+          </p:cNvPr>
+          <p:cNvSpPr/>
+          <p:nvPr/>
+        </p:nvSpPr>
+        <p:spPr>
+          <a:xfrm>
+            <a:off x="5292759" y="779821"/>
+            <a:ext cx="183963" cy="285230"/>
+          </a:xfrm>
+          <a:prstGeom prst="rect">
+            <a:avLst/>
+          </a:prstGeom>
+          <a:solidFill>
+            <a:schemeClr val="bg1"/>
+          </a:solidFill>
+          <a:ln>
+            <a:solidFill>
+              <a:schemeClr val="tx1"/>
+            </a:solidFill>
+          </a:ln>
+        </p:spPr>
+        <p:style>
+          <a:lnRef idx="2">
+            <a:schemeClr val="accent1">
+              <a:shade val="50000"/>
+            </a:schemeClr>
+          </a:lnRef>
+          <a:fillRef idx="1">
+            <a:schemeClr val="accent1"/>
+          </a:fillRef>
+          <a:effectRef idx="0">
+            <a:schemeClr val="accent1"/>
+          </a:effectRef>
+          <a:fontRef idx="minor">
+            <a:schemeClr val="lt1"/>
+          </a:fontRef>
+        </p:style>
+        <p:txBody>
+          <a:bodyPr rtlCol="0" anchor="ctr"/>
+          <a:lstStyle/>
+          <a:p>
+            <a:pPr algn="ctr"/>
+            <a:endParaRPr lang="zh-CN" altLang="en-US"/>
+          </a:p>
+        </p:txBody>
+      </p:sp>
+      <p:sp>
+        <p:nvSpPr>
+          <p:cNvPr id="40" name="矩形 39">
+            <a:extLst>
+              <a:ext uri="{FF2B5EF4-FFF2-40B4-BE49-F238E27FC236}">
+                <a16:creationId xmlns:a16="http://schemas.microsoft.com/office/drawing/2014/main" id="{0B62270E-E8D8-0892-E152-378B428F95CA}"/>
+              </a:ext>
+            </a:extLst>
+          </p:cNvPr>
+          <p:cNvSpPr/>
+          <p:nvPr/>
+        </p:nvSpPr>
+        <p:spPr>
+          <a:xfrm>
+            <a:off x="5476722" y="779821"/>
+            <a:ext cx="183963" cy="285230"/>
+          </a:xfrm>
+          <a:prstGeom prst="rect">
+            <a:avLst/>
+          </a:prstGeom>
+          <a:solidFill>
+            <a:schemeClr val="bg1"/>
+          </a:solidFill>
+          <a:ln>
+            <a:solidFill>
+              <a:schemeClr val="tx1"/>
+            </a:solidFill>
+          </a:ln>
+        </p:spPr>
+        <p:style>
+          <a:lnRef idx="2">
+            <a:schemeClr val="accent1">
+              <a:shade val="50000"/>
+            </a:schemeClr>
+          </a:lnRef>
+          <a:fillRef idx="1">
+            <a:schemeClr val="accent1"/>
+          </a:fillRef>
+          <a:effectRef idx="0">
+            <a:schemeClr val="accent1"/>
+          </a:effectRef>
+          <a:fontRef idx="minor">
+            <a:schemeClr val="lt1"/>
+          </a:fontRef>
+        </p:style>
+        <p:txBody>
+          <a:bodyPr rtlCol="0" anchor="ctr"/>
+          <a:lstStyle/>
+          <a:p>
+            <a:pPr algn="ctr"/>
+            <a:endParaRPr lang="zh-CN" altLang="en-US"/>
+          </a:p>
+        </p:txBody>
+      </p:sp>
+      <p:sp>
+        <p:nvSpPr>
+          <p:cNvPr id="41" name="矩形 40">
+            <a:extLst>
+              <a:ext uri="{FF2B5EF4-FFF2-40B4-BE49-F238E27FC236}">
+                <a16:creationId xmlns:a16="http://schemas.microsoft.com/office/drawing/2014/main" id="{C9892A23-0D07-4A97-9660-62FC1F00B84B}"/>
+              </a:ext>
+            </a:extLst>
+          </p:cNvPr>
+          <p:cNvSpPr/>
+          <p:nvPr/>
+        </p:nvSpPr>
+        <p:spPr>
+          <a:xfrm>
+            <a:off x="5660685" y="779821"/>
+            <a:ext cx="183963" cy="285230"/>
+          </a:xfrm>
+          <a:prstGeom prst="rect">
+            <a:avLst/>
+          </a:prstGeom>
+          <a:solidFill>
+            <a:schemeClr val="bg1"/>
+          </a:solidFill>
+          <a:ln>
+            <a:solidFill>
+              <a:schemeClr val="tx1"/>
+            </a:solidFill>
+          </a:ln>
+        </p:spPr>
+        <p:style>
+          <a:lnRef idx="2">
+            <a:schemeClr val="accent1">
+              <a:shade val="50000"/>
+            </a:schemeClr>
+          </a:lnRef>
+          <a:fillRef idx="1">
+            <a:schemeClr val="accent1"/>
+          </a:fillRef>
+          <a:effectRef idx="0">
+            <a:schemeClr val="accent1"/>
+          </a:effectRef>
+          <a:fontRef idx="minor">
+            <a:schemeClr val="lt1"/>
+          </a:fontRef>
+        </p:style>
+        <p:txBody>
+          <a:bodyPr rtlCol="0" anchor="ctr"/>
+          <a:lstStyle/>
+          <a:p>
+            <a:pPr algn="ctr"/>
+            <a:endParaRPr lang="zh-CN" altLang="en-US"/>
+          </a:p>
+        </p:txBody>
+      </p:sp>
+      <p:sp>
+        <p:nvSpPr>
+          <p:cNvPr id="42" name="矩形 41">
+            <a:extLst>
+              <a:ext uri="{FF2B5EF4-FFF2-40B4-BE49-F238E27FC236}">
+                <a16:creationId xmlns:a16="http://schemas.microsoft.com/office/drawing/2014/main" id="{0C2A086F-BA60-0D5C-F290-AFFE59813A78}"/>
+              </a:ext>
+            </a:extLst>
+          </p:cNvPr>
+          <p:cNvSpPr/>
+          <p:nvPr/>
+        </p:nvSpPr>
+        <p:spPr>
+          <a:xfrm>
+            <a:off x="5844648" y="779821"/>
+            <a:ext cx="183963" cy="285230"/>
+          </a:xfrm>
+          <a:prstGeom prst="rect">
+            <a:avLst/>
+          </a:prstGeom>
+          <a:solidFill>
+            <a:schemeClr val="bg1"/>
+          </a:solidFill>
+          <a:ln>
+            <a:solidFill>
+              <a:schemeClr val="tx1"/>
+            </a:solidFill>
+          </a:ln>
+        </p:spPr>
+        <p:style>
+          <a:lnRef idx="2">
+            <a:schemeClr val="accent1">
+              <a:shade val="50000"/>
+            </a:schemeClr>
+          </a:lnRef>
+          <a:fillRef idx="1">
+            <a:schemeClr val="accent1"/>
+          </a:fillRef>
+          <a:effectRef idx="0">
+            <a:schemeClr val="accent1"/>
+          </a:effectRef>
+          <a:fontRef idx="minor">
+            <a:schemeClr val="lt1"/>
+          </a:fontRef>
+        </p:style>
+        <p:txBody>
+          <a:bodyPr rtlCol="0" anchor="ctr"/>
+          <a:lstStyle/>
+          <a:p>
+            <a:pPr algn="ctr"/>
+            <a:endParaRPr lang="zh-CN" altLang="en-US"/>
+          </a:p>
+        </p:txBody>
+      </p:sp>
+      <p:sp>
+        <p:nvSpPr>
+          <p:cNvPr id="43" name="矩形 42">
+            <a:extLst>
+              <a:ext uri="{FF2B5EF4-FFF2-40B4-BE49-F238E27FC236}">
+                <a16:creationId xmlns:a16="http://schemas.microsoft.com/office/drawing/2014/main" id="{68FF5FF7-744E-DDEF-D3BA-2399854E606E}"/>
+              </a:ext>
+            </a:extLst>
+          </p:cNvPr>
+          <p:cNvSpPr/>
+          <p:nvPr/>
+        </p:nvSpPr>
+        <p:spPr>
+          <a:xfrm>
+            <a:off x="6027519" y="779821"/>
+            <a:ext cx="183963" cy="285230"/>
+          </a:xfrm>
+          <a:prstGeom prst="rect">
+            <a:avLst/>
+          </a:prstGeom>
+          <a:solidFill>
+            <a:schemeClr val="bg1"/>
+          </a:solidFill>
+          <a:ln>
+            <a:solidFill>
+              <a:schemeClr val="tx1"/>
+            </a:solidFill>
+          </a:ln>
+        </p:spPr>
+        <p:style>
+          <a:lnRef idx="2">
+            <a:schemeClr val="accent1">
+              <a:shade val="50000"/>
+            </a:schemeClr>
+          </a:lnRef>
+          <a:fillRef idx="1">
+            <a:schemeClr val="accent1"/>
+          </a:fillRef>
+          <a:effectRef idx="0">
+            <a:schemeClr val="accent1"/>
+          </a:effectRef>
+          <a:fontRef idx="minor">
+            <a:schemeClr val="lt1"/>
+          </a:fontRef>
+        </p:style>
+        <p:txBody>
+          <a:bodyPr rtlCol="0" anchor="ctr"/>
+          <a:lstStyle/>
+          <a:p>
+            <a:pPr algn="ctr"/>
+            <a:endParaRPr lang="zh-CN" altLang="en-US"/>
+          </a:p>
+        </p:txBody>
+      </p:sp>
+      <p:sp>
+        <p:nvSpPr>
+          <p:cNvPr id="44" name="矩形 43">
+            <a:extLst>
+              <a:ext uri="{FF2B5EF4-FFF2-40B4-BE49-F238E27FC236}">
+                <a16:creationId xmlns:a16="http://schemas.microsoft.com/office/drawing/2014/main" id="{91353C5D-9AF5-4AFB-EE99-B01D8A50AAA6}"/>
+              </a:ext>
+            </a:extLst>
+          </p:cNvPr>
+          <p:cNvSpPr/>
+          <p:nvPr/>
+        </p:nvSpPr>
+        <p:spPr>
+          <a:xfrm>
+            <a:off x="6211482" y="779821"/>
+            <a:ext cx="183963" cy="285230"/>
+          </a:xfrm>
+          <a:prstGeom prst="rect">
+            <a:avLst/>
+          </a:prstGeom>
+          <a:solidFill>
+            <a:schemeClr val="bg1"/>
+          </a:solidFill>
+          <a:ln>
+            <a:solidFill>
+              <a:schemeClr val="tx1"/>
+            </a:solidFill>
+          </a:ln>
+        </p:spPr>
+        <p:style>
+          <a:lnRef idx="2">
+            <a:schemeClr val="accent1">
+              <a:shade val="50000"/>
+            </a:schemeClr>
+          </a:lnRef>
+          <a:fillRef idx="1">
+            <a:schemeClr val="accent1"/>
+          </a:fillRef>
+          <a:effectRef idx="0">
+            <a:schemeClr val="accent1"/>
+          </a:effectRef>
+          <a:fontRef idx="minor">
+            <a:schemeClr val="lt1"/>
+          </a:fontRef>
+        </p:style>
+        <p:txBody>
+          <a:bodyPr rtlCol="0" anchor="ctr"/>
+          <a:lstStyle/>
+          <a:p>
+            <a:pPr algn="ctr"/>
+            <a:endParaRPr lang="zh-CN" altLang="en-US"/>
+          </a:p>
+        </p:txBody>
+      </p:sp>
+      <p:sp>
+        <p:nvSpPr>
+          <p:cNvPr id="45" name="矩形 44">
+            <a:extLst>
+              <a:ext uri="{FF2B5EF4-FFF2-40B4-BE49-F238E27FC236}">
+                <a16:creationId xmlns:a16="http://schemas.microsoft.com/office/drawing/2014/main" id="{714A2910-5A54-016A-E4EE-B8B162FE67D8}"/>
+              </a:ext>
+            </a:extLst>
+          </p:cNvPr>
+          <p:cNvSpPr/>
+          <p:nvPr/>
+        </p:nvSpPr>
+        <p:spPr>
+          <a:xfrm>
+            <a:off x="6395445" y="779821"/>
+            <a:ext cx="183963" cy="285230"/>
+          </a:xfrm>
+          <a:prstGeom prst="rect">
+            <a:avLst/>
+          </a:prstGeom>
+          <a:solidFill>
+            <a:schemeClr val="bg1"/>
+          </a:solidFill>
+          <a:ln>
+            <a:solidFill>
+              <a:schemeClr val="tx1"/>
+            </a:solidFill>
+          </a:ln>
+        </p:spPr>
+        <p:style>
+          <a:lnRef idx="2">
+            <a:schemeClr val="accent1">
+              <a:shade val="50000"/>
+            </a:schemeClr>
+          </a:lnRef>
+          <a:fillRef idx="1">
+            <a:schemeClr val="accent1"/>
+          </a:fillRef>
+          <a:effectRef idx="0">
+            <a:schemeClr val="accent1"/>
+          </a:effectRef>
+          <a:fontRef idx="minor">
+            <a:schemeClr val="lt1"/>
+          </a:fontRef>
+        </p:style>
+        <p:txBody>
+          <a:bodyPr rtlCol="0" anchor="ctr"/>
+          <a:lstStyle/>
+          <a:p>
+            <a:pPr algn="ctr"/>
+            <a:endParaRPr lang="zh-CN" altLang="en-US"/>
+          </a:p>
+        </p:txBody>
+      </p:sp>
+      <p:sp>
+        <p:nvSpPr>
+          <p:cNvPr id="46" name="矩形 45">
+            <a:extLst>
+              <a:ext uri="{FF2B5EF4-FFF2-40B4-BE49-F238E27FC236}">
+                <a16:creationId xmlns:a16="http://schemas.microsoft.com/office/drawing/2014/main" id="{1B4E0C13-2FDB-54E7-E910-9478A6A0504E}"/>
+              </a:ext>
+            </a:extLst>
+          </p:cNvPr>
+          <p:cNvSpPr/>
+          <p:nvPr/>
+        </p:nvSpPr>
+        <p:spPr>
+          <a:xfrm>
+            <a:off x="6579408" y="779821"/>
+            <a:ext cx="183963" cy="285230"/>
+          </a:xfrm>
+          <a:prstGeom prst="rect">
+            <a:avLst/>
+          </a:prstGeom>
+          <a:solidFill>
+            <a:schemeClr val="bg1"/>
+          </a:solidFill>
+          <a:ln>
+            <a:solidFill>
+              <a:schemeClr val="tx1"/>
+            </a:solidFill>
+          </a:ln>
+        </p:spPr>
+        <p:style>
+          <a:lnRef idx="2">
+            <a:schemeClr val="accent1">
+              <a:shade val="50000"/>
+            </a:schemeClr>
+          </a:lnRef>
+          <a:fillRef idx="1">
+            <a:schemeClr val="accent1"/>
+          </a:fillRef>
+          <a:effectRef idx="0">
+            <a:schemeClr val="accent1"/>
+          </a:effectRef>
+          <a:fontRef idx="minor">
+            <a:schemeClr val="lt1"/>
+          </a:fontRef>
+        </p:style>
+        <p:txBody>
+          <a:bodyPr rtlCol="0" anchor="ctr"/>
+          <a:lstStyle/>
+          <a:p>
+            <a:pPr algn="ctr"/>
+            <a:endParaRPr lang="zh-CN" altLang="en-US"/>
+          </a:p>
+        </p:txBody>
+      </p:sp>
+      <p:sp>
+        <p:nvSpPr>
+          <p:cNvPr id="47" name="矩形 46">
+            <a:extLst>
+              <a:ext uri="{FF2B5EF4-FFF2-40B4-BE49-F238E27FC236}">
+                <a16:creationId xmlns:a16="http://schemas.microsoft.com/office/drawing/2014/main" id="{E94E7A16-9FBE-CBA6-935D-D259D05882AE}"/>
+              </a:ext>
+            </a:extLst>
+          </p:cNvPr>
+          <p:cNvSpPr/>
+          <p:nvPr/>
+        </p:nvSpPr>
+        <p:spPr>
+          <a:xfrm>
+            <a:off x="6763371" y="779821"/>
+            <a:ext cx="183963" cy="285230"/>
+          </a:xfrm>
+          <a:prstGeom prst="rect">
+            <a:avLst/>
+          </a:prstGeom>
+          <a:solidFill>
+            <a:schemeClr val="bg1"/>
+          </a:solidFill>
+          <a:ln>
+            <a:solidFill>
+              <a:schemeClr val="tx1"/>
+            </a:solidFill>
+          </a:ln>
+        </p:spPr>
+        <p:style>
+          <a:lnRef idx="2">
+            <a:schemeClr val="accent1">
+              <a:shade val="50000"/>
+            </a:schemeClr>
+          </a:lnRef>
+          <a:fillRef idx="1">
+            <a:schemeClr val="accent1"/>
+          </a:fillRef>
+          <a:effectRef idx="0">
+            <a:schemeClr val="accent1"/>
+          </a:effectRef>
+          <a:fontRef idx="minor">
+            <a:schemeClr val="lt1"/>
+          </a:fontRef>
+        </p:style>
+        <p:txBody>
+          <a:bodyPr rtlCol="0" anchor="ctr"/>
+          <a:lstStyle/>
+          <a:p>
+            <a:pPr algn="ctr"/>
+            <a:endParaRPr lang="zh-CN" altLang="en-US"/>
+          </a:p>
+        </p:txBody>
+      </p:sp>
+      <p:sp>
+        <p:nvSpPr>
+          <p:cNvPr id="48" name="矩形 47">
+            <a:extLst>
+              <a:ext uri="{FF2B5EF4-FFF2-40B4-BE49-F238E27FC236}">
+                <a16:creationId xmlns:a16="http://schemas.microsoft.com/office/drawing/2014/main" id="{18CE88EB-8C98-BDC4-02DE-D0CC6A515601}"/>
+              </a:ext>
+            </a:extLst>
+          </p:cNvPr>
+          <p:cNvSpPr/>
+          <p:nvPr/>
+        </p:nvSpPr>
+        <p:spPr>
+          <a:xfrm>
+            <a:off x="6947334" y="779821"/>
+            <a:ext cx="183963" cy="285230"/>
+          </a:xfrm>
+          <a:prstGeom prst="rect">
+            <a:avLst/>
+          </a:prstGeom>
+          <a:solidFill>
+            <a:schemeClr val="bg1"/>
+          </a:solidFill>
+          <a:ln>
+            <a:solidFill>
+              <a:schemeClr val="tx1"/>
+            </a:solidFill>
+          </a:ln>
+        </p:spPr>
+        <p:style>
+          <a:lnRef idx="2">
+            <a:schemeClr val="accent1">
+              <a:shade val="50000"/>
+            </a:schemeClr>
+          </a:lnRef>
+          <a:fillRef idx="1">
+            <a:schemeClr val="accent1"/>
+          </a:fillRef>
+          <a:effectRef idx="0">
+            <a:schemeClr val="accent1"/>
+          </a:effectRef>
+          <a:fontRef idx="minor">
+            <a:schemeClr val="lt1"/>
+          </a:fontRef>
+        </p:style>
+        <p:txBody>
+          <a:bodyPr rtlCol="0" anchor="ctr"/>
+          <a:lstStyle/>
+          <a:p>
+            <a:pPr algn="ctr"/>
+            <a:endParaRPr lang="zh-CN" altLang="en-US"/>
+          </a:p>
+        </p:txBody>
+      </p:sp>
+      <p:sp>
+        <p:nvSpPr>
+          <p:cNvPr id="49" name="矩形 48">
+            <a:extLst>
+              <a:ext uri="{FF2B5EF4-FFF2-40B4-BE49-F238E27FC236}">
+                <a16:creationId xmlns:a16="http://schemas.microsoft.com/office/drawing/2014/main" id="{77E0EF0E-7CBA-C2D9-4ACE-1C817D6BA9E6}"/>
+              </a:ext>
+            </a:extLst>
+          </p:cNvPr>
+          <p:cNvSpPr/>
+          <p:nvPr/>
+        </p:nvSpPr>
+        <p:spPr>
+          <a:xfrm>
+            <a:off x="7126525" y="779821"/>
+            <a:ext cx="183963" cy="285230"/>
+          </a:xfrm>
+          <a:prstGeom prst="rect">
+            <a:avLst/>
+          </a:prstGeom>
+          <a:solidFill>
+            <a:schemeClr val="bg1"/>
+          </a:solidFill>
+          <a:ln>
+            <a:solidFill>
+              <a:schemeClr val="tx1"/>
+            </a:solidFill>
+          </a:ln>
+        </p:spPr>
+        <p:style>
+          <a:lnRef idx="2">
+            <a:schemeClr val="accent1">
+              <a:shade val="50000"/>
+            </a:schemeClr>
+          </a:lnRef>
+          <a:fillRef idx="1">
+            <a:schemeClr val="accent1"/>
+          </a:fillRef>
+          <a:effectRef idx="0">
+            <a:schemeClr val="accent1"/>
+          </a:effectRef>
+          <a:fontRef idx="minor">
+            <a:schemeClr val="lt1"/>
+          </a:fontRef>
+        </p:style>
+        <p:txBody>
+          <a:bodyPr rtlCol="0" anchor="ctr"/>
+          <a:lstStyle/>
+          <a:p>
+            <a:pPr algn="ctr"/>
+            <a:endParaRPr lang="zh-CN" altLang="en-US"/>
+          </a:p>
+        </p:txBody>
+      </p:sp>
+      <p:sp>
+        <p:nvSpPr>
+          <p:cNvPr id="50" name="矩形 49">
+            <a:extLst>
+              <a:ext uri="{FF2B5EF4-FFF2-40B4-BE49-F238E27FC236}">
+                <a16:creationId xmlns:a16="http://schemas.microsoft.com/office/drawing/2014/main" id="{AF9EBC2D-62C7-339C-E66A-BDC446BF8651}"/>
+              </a:ext>
+            </a:extLst>
+          </p:cNvPr>
+          <p:cNvSpPr/>
+          <p:nvPr/>
+        </p:nvSpPr>
+        <p:spPr>
+          <a:xfrm>
+            <a:off x="7310488" y="779821"/>
+            <a:ext cx="183963" cy="285230"/>
+          </a:xfrm>
+          <a:prstGeom prst="rect">
+            <a:avLst/>
+          </a:prstGeom>
+          <a:solidFill>
+            <a:schemeClr val="bg1"/>
+          </a:solidFill>
+          <a:ln>
+            <a:solidFill>
+              <a:schemeClr val="tx1"/>
+            </a:solidFill>
+          </a:ln>
+        </p:spPr>
+        <p:style>
+          <a:lnRef idx="2">
+            <a:schemeClr val="accent1">
+              <a:shade val="50000"/>
+            </a:schemeClr>
+          </a:lnRef>
+          <a:fillRef idx="1">
+            <a:schemeClr val="accent1"/>
+          </a:fillRef>
+          <a:effectRef idx="0">
+            <a:schemeClr val="accent1"/>
+          </a:effectRef>
+          <a:fontRef idx="minor">
+            <a:schemeClr val="lt1"/>
+          </a:fontRef>
+        </p:style>
+        <p:txBody>
+          <a:bodyPr rtlCol="0" anchor="ctr"/>
+          <a:lstStyle/>
+          <a:p>
+            <a:pPr algn="ctr"/>
+            <a:endParaRPr lang="zh-CN" altLang="en-US"/>
+          </a:p>
+        </p:txBody>
+      </p:sp>
+      <p:sp>
+        <p:nvSpPr>
+          <p:cNvPr id="51" name="矩形 50">
+            <a:extLst>
+              <a:ext uri="{FF2B5EF4-FFF2-40B4-BE49-F238E27FC236}">
+                <a16:creationId xmlns:a16="http://schemas.microsoft.com/office/drawing/2014/main" id="{0EB08357-2A0B-6428-682D-30CFCC77656D}"/>
+              </a:ext>
+            </a:extLst>
+          </p:cNvPr>
+          <p:cNvSpPr/>
+          <p:nvPr/>
+        </p:nvSpPr>
+        <p:spPr>
+          <a:xfrm>
+            <a:off x="7494451" y="779821"/>
+            <a:ext cx="183963" cy="285230"/>
+          </a:xfrm>
+          <a:prstGeom prst="rect">
+            <a:avLst/>
+          </a:prstGeom>
+          <a:solidFill>
+            <a:schemeClr val="bg1"/>
+          </a:solidFill>
+          <a:ln>
+            <a:solidFill>
+              <a:schemeClr val="tx1"/>
+            </a:solidFill>
+          </a:ln>
+        </p:spPr>
+        <p:style>
+          <a:lnRef idx="2">
+            <a:schemeClr val="accent1">
+              <a:shade val="50000"/>
+            </a:schemeClr>
+          </a:lnRef>
+          <a:fillRef idx="1">
+            <a:schemeClr val="accent1"/>
+          </a:fillRef>
+          <a:effectRef idx="0">
+            <a:schemeClr val="accent1"/>
+          </a:effectRef>
+          <a:fontRef idx="minor">
+            <a:schemeClr val="lt1"/>
+          </a:fontRef>
+        </p:style>
+        <p:txBody>
+          <a:bodyPr rtlCol="0" anchor="ctr"/>
+          <a:lstStyle/>
+          <a:p>
+            <a:pPr algn="ctr"/>
+            <a:endParaRPr lang="zh-CN" altLang="en-US"/>
+          </a:p>
+        </p:txBody>
+      </p:sp>
+      <p:sp>
+        <p:nvSpPr>
+          <p:cNvPr id="52" name="矩形 51">
+            <a:extLst>
+              <a:ext uri="{FF2B5EF4-FFF2-40B4-BE49-F238E27FC236}">
+                <a16:creationId xmlns:a16="http://schemas.microsoft.com/office/drawing/2014/main" id="{95BB8924-516F-CF86-0617-B2F841FC4ACF}"/>
+              </a:ext>
+            </a:extLst>
+          </p:cNvPr>
+          <p:cNvSpPr/>
+          <p:nvPr/>
+        </p:nvSpPr>
+        <p:spPr>
+          <a:xfrm>
+            <a:off x="7675547" y="779831"/>
+            <a:ext cx="183963" cy="285230"/>
+          </a:xfrm>
+          <a:prstGeom prst="rect">
+            <a:avLst/>
+          </a:prstGeom>
+          <a:solidFill>
+            <a:schemeClr val="bg1"/>
+          </a:solidFill>
+          <a:ln>
+            <a:solidFill>
+              <a:schemeClr val="tx1"/>
+            </a:solidFill>
+          </a:ln>
+        </p:spPr>
+        <p:style>
+          <a:lnRef idx="2">
+            <a:schemeClr val="accent1">
+              <a:shade val="50000"/>
+            </a:schemeClr>
+          </a:lnRef>
+          <a:fillRef idx="1">
+            <a:schemeClr val="accent1"/>
+          </a:fillRef>
+          <a:effectRef idx="0">
+            <a:schemeClr val="accent1"/>
+          </a:effectRef>
+          <a:fontRef idx="minor">
+            <a:schemeClr val="lt1"/>
+          </a:fontRef>
+        </p:style>
+        <p:txBody>
+          <a:bodyPr rtlCol="0" anchor="ctr"/>
+          <a:lstStyle/>
+          <a:p>
+            <a:pPr algn="ctr"/>
+            <a:endParaRPr lang="zh-CN" altLang="en-US"/>
+          </a:p>
+        </p:txBody>
+      </p:sp>
+      <p:sp>
+        <p:nvSpPr>
+          <p:cNvPr id="53" name="波形 52">
+            <a:extLst>
+              <a:ext uri="{FF2B5EF4-FFF2-40B4-BE49-F238E27FC236}">
+                <a16:creationId xmlns:a16="http://schemas.microsoft.com/office/drawing/2014/main" id="{68D547CA-D953-5204-38A0-3DCF341C4ECD}"/>
+              </a:ext>
+            </a:extLst>
+          </p:cNvPr>
+          <p:cNvSpPr/>
+          <p:nvPr/>
+        </p:nvSpPr>
+        <p:spPr>
+          <a:xfrm>
+            <a:off x="4096736" y="4031772"/>
+            <a:ext cx="920078" cy="847277"/>
+          </a:xfrm>
+          <a:prstGeom prst="wave">
+            <a:avLst>
+              <a:gd name="adj1" fmla="val 6219"/>
+              <a:gd name="adj2" fmla="val 0"/>
+            </a:avLst>
+          </a:prstGeom>
+          <a:solidFill>
+            <a:schemeClr val="bg1"/>
+          </a:solidFill>
+          <a:ln>
+            <a:solidFill>
+              <a:schemeClr val="tx1"/>
+            </a:solidFill>
+          </a:ln>
+        </p:spPr>
+        <p:style>
+          <a:lnRef idx="2">
+            <a:schemeClr val="accent1">
+              <a:shade val="50000"/>
+            </a:schemeClr>
+          </a:lnRef>
+          <a:fillRef idx="1">
+            <a:schemeClr val="accent1"/>
+          </a:fillRef>
+          <a:effectRef idx="0">
+            <a:schemeClr val="accent1"/>
+          </a:effectRef>
+          <a:fontRef idx="minor">
+            <a:schemeClr val="lt1"/>
+          </a:fontRef>
+        </p:style>
+        <p:txBody>
+          <a:bodyPr rtlCol="0" anchor="ctr"/>
+          <a:lstStyle/>
+          <a:p>
+            <a:pPr algn="ctr"/>
+            <a:r>
+              <a:rPr lang="zh-CN" altLang="en-US" dirty="0">
+                <a:solidFill>
+                  <a:schemeClr val="tx1"/>
+                </a:solidFill>
+              </a:rPr>
+              <a:t>内存</a:t>
+            </a:r>
+          </a:p>
+        </p:txBody>
+      </p:sp>
+      <p:cxnSp>
+        <p:nvCxnSpPr>
+          <p:cNvPr id="55" name="直接箭头连接符 54">
+            <a:extLst>
+              <a:ext uri="{FF2B5EF4-FFF2-40B4-BE49-F238E27FC236}">
+                <a16:creationId xmlns:a16="http://schemas.microsoft.com/office/drawing/2014/main" id="{F102EDFE-0316-35B8-558C-96D7B50A039B}"/>
+              </a:ext>
+            </a:extLst>
+          </p:cNvPr>
+          <p:cNvCxnSpPr>
+            <a:endCxn id="28" idx="0"/>
+          </p:cNvCxnSpPr>
+          <p:nvPr/>
+        </p:nvCxnSpPr>
+        <p:spPr>
+          <a:xfrm flipH="1">
+            <a:off x="2324555" y="1211580"/>
+            <a:ext cx="1045262" cy="1022781"/>
+          </a:xfrm>
+          <a:prstGeom prst="straightConnector1">
+            <a:avLst/>
+          </a:prstGeom>
+          <a:ln w="12700">
+            <a:solidFill>
+              <a:schemeClr val="tx1"/>
+            </a:solidFill>
+            <a:tailEnd type="triangle"/>
+          </a:ln>
+        </p:spPr>
+        <p:style>
+          <a:lnRef idx="1">
+            <a:schemeClr val="accent1"/>
+          </a:lnRef>
+          <a:fillRef idx="0">
+            <a:schemeClr val="accent1"/>
+          </a:fillRef>
+          <a:effectRef idx="0">
+            <a:schemeClr val="accent1"/>
+          </a:effectRef>
+          <a:fontRef idx="minor">
+            <a:schemeClr val="tx1"/>
+          </a:fontRef>
+        </p:style>
+      </p:cxnSp>
+      <p:cxnSp>
+        <p:nvCxnSpPr>
+          <p:cNvPr id="57" name="直接箭头连接符 56">
+            <a:extLst>
+              <a:ext uri="{FF2B5EF4-FFF2-40B4-BE49-F238E27FC236}">
+                <a16:creationId xmlns:a16="http://schemas.microsoft.com/office/drawing/2014/main" id="{8883CE02-1BFF-28C7-DBE2-76FFBEC04A89}"/>
+              </a:ext>
+            </a:extLst>
+          </p:cNvPr>
+          <p:cNvCxnSpPr>
+            <a:stCxn id="28" idx="4"/>
+            <a:endCxn id="53" idx="1"/>
+          </p:cNvCxnSpPr>
+          <p:nvPr/>
+        </p:nvCxnSpPr>
+        <p:spPr>
+          <a:xfrm>
+            <a:off x="2324555" y="2630425"/>
+            <a:ext cx="1772181" cy="1824986"/>
+          </a:xfrm>
+          <a:prstGeom prst="straightConnector1">
+            <a:avLst/>
+          </a:prstGeom>
+          <a:ln w="12700">
+            <a:solidFill>
+              <a:schemeClr val="tx1"/>
+            </a:solidFill>
+            <a:tailEnd type="triangle"/>
+          </a:ln>
+        </p:spPr>
+        <p:style>
+          <a:lnRef idx="1">
+            <a:schemeClr val="accent1"/>
+          </a:lnRef>
+          <a:fillRef idx="0">
+            <a:schemeClr val="accent1"/>
+          </a:fillRef>
+          <a:effectRef idx="0">
+            <a:schemeClr val="accent1"/>
+          </a:effectRef>
+          <a:fontRef idx="minor">
+            <a:schemeClr val="tx1"/>
+          </a:fontRef>
+        </p:style>
+      </p:cxnSp>
+      <p:cxnSp>
+        <p:nvCxnSpPr>
+          <p:cNvPr id="59" name="直接箭头连接符 58">
+            <a:extLst>
+              <a:ext uri="{FF2B5EF4-FFF2-40B4-BE49-F238E27FC236}">
+                <a16:creationId xmlns:a16="http://schemas.microsoft.com/office/drawing/2014/main" id="{280590A2-5707-245B-45E1-F79AA1C49E8C}"/>
+              </a:ext>
+            </a:extLst>
+          </p:cNvPr>
+          <p:cNvCxnSpPr>
+            <a:stCxn id="53" idx="0"/>
+            <a:endCxn id="29" idx="4"/>
+          </p:cNvCxnSpPr>
+          <p:nvPr/>
+        </p:nvCxnSpPr>
+        <p:spPr>
+          <a:xfrm flipV="1">
+            <a:off x="4556775" y="2665146"/>
+            <a:ext cx="11449" cy="1419318"/>
+          </a:xfrm>
+          <a:prstGeom prst="straightConnector1">
+            <a:avLst/>
+          </a:prstGeom>
+          <a:ln w="12700">
+            <a:solidFill>
+              <a:schemeClr val="tx1"/>
+            </a:solidFill>
+            <a:headEnd type="triangle" w="med" len="med"/>
+            <a:tailEnd type="triangle" w="med" len="med"/>
+          </a:ln>
+        </p:spPr>
+        <p:style>
+          <a:lnRef idx="1">
+            <a:schemeClr val="accent1"/>
+          </a:lnRef>
+          <a:fillRef idx="0">
+            <a:schemeClr val="accent1"/>
+          </a:fillRef>
+          <a:effectRef idx="0">
+            <a:schemeClr val="accent1"/>
+          </a:effectRef>
+          <a:fontRef idx="minor">
+            <a:schemeClr val="tx1"/>
+          </a:fontRef>
+        </p:style>
+      </p:cxnSp>
+      <p:cxnSp>
+        <p:nvCxnSpPr>
+          <p:cNvPr id="61" name="直接箭头连接符 60">
+            <a:extLst>
+              <a:ext uri="{FF2B5EF4-FFF2-40B4-BE49-F238E27FC236}">
+                <a16:creationId xmlns:a16="http://schemas.microsoft.com/office/drawing/2014/main" id="{DF426114-2DF5-9824-7F0A-161758026192}"/>
+              </a:ext>
+            </a:extLst>
+          </p:cNvPr>
+          <p:cNvCxnSpPr>
+            <a:stCxn id="29" idx="0"/>
+          </p:cNvCxnSpPr>
+          <p:nvPr/>
+        </p:nvCxnSpPr>
+        <p:spPr>
+          <a:xfrm flipV="1">
+            <a:off x="4568224" y="1211580"/>
+            <a:ext cx="0" cy="988060"/>
+          </a:xfrm>
+          <a:prstGeom prst="straightConnector1">
+            <a:avLst/>
+          </a:prstGeom>
+          <a:ln w="12700">
+            <a:solidFill>
+              <a:schemeClr val="tx1"/>
+            </a:solidFill>
+            <a:headEnd type="triangle" w="med" len="med"/>
+            <a:tailEnd type="triangle" w="med" len="med"/>
+          </a:ln>
+        </p:spPr>
+        <p:style>
+          <a:lnRef idx="1">
+            <a:schemeClr val="accent1"/>
+          </a:lnRef>
+          <a:fillRef idx="0">
+            <a:schemeClr val="accent1"/>
+          </a:fillRef>
+          <a:effectRef idx="0">
+            <a:schemeClr val="accent1"/>
+          </a:effectRef>
+          <a:fontRef idx="minor">
+            <a:schemeClr val="tx1"/>
+          </a:fontRef>
+        </p:style>
+      </p:cxnSp>
+      <p:cxnSp>
+        <p:nvCxnSpPr>
+          <p:cNvPr id="63" name="直接箭头连接符 62">
+            <a:extLst>
+              <a:ext uri="{FF2B5EF4-FFF2-40B4-BE49-F238E27FC236}">
+                <a16:creationId xmlns:a16="http://schemas.microsoft.com/office/drawing/2014/main" id="{DD2F0EEF-2094-0F00-1055-A6BB928FC7E8}"/>
+              </a:ext>
+            </a:extLst>
+          </p:cNvPr>
+          <p:cNvCxnSpPr>
+            <a:stCxn id="53" idx="3"/>
+            <a:endCxn id="30" idx="4"/>
+          </p:cNvCxnSpPr>
+          <p:nvPr/>
+        </p:nvCxnSpPr>
+        <p:spPr>
+          <a:xfrm flipV="1">
+            <a:off x="5016814" y="2641689"/>
+            <a:ext cx="2083681" cy="1813722"/>
+          </a:xfrm>
+          <a:prstGeom prst="straightConnector1">
+            <a:avLst/>
+          </a:prstGeom>
+          <a:ln w="12700">
+            <a:solidFill>
+              <a:schemeClr val="tx1"/>
+            </a:solidFill>
+            <a:tailEnd type="triangle"/>
+          </a:ln>
+        </p:spPr>
+        <p:style>
+          <a:lnRef idx="1">
+            <a:schemeClr val="accent1"/>
+          </a:lnRef>
+          <a:fillRef idx="0">
+            <a:schemeClr val="accent1"/>
+          </a:fillRef>
+          <a:effectRef idx="0">
+            <a:schemeClr val="accent1"/>
+          </a:effectRef>
+          <a:fontRef idx="minor">
+            <a:schemeClr val="tx1"/>
+          </a:fontRef>
+        </p:style>
+      </p:cxnSp>
+      <p:cxnSp>
+        <p:nvCxnSpPr>
+          <p:cNvPr id="65" name="直接箭头连接符 64">
+            <a:extLst>
+              <a:ext uri="{FF2B5EF4-FFF2-40B4-BE49-F238E27FC236}">
+                <a16:creationId xmlns:a16="http://schemas.microsoft.com/office/drawing/2014/main" id="{6ACAEB5F-851B-46D3-2F36-00EFB4144FA8}"/>
+              </a:ext>
+            </a:extLst>
+          </p:cNvPr>
+          <p:cNvCxnSpPr>
+            <a:stCxn id="30" idx="0"/>
+          </p:cNvCxnSpPr>
+          <p:nvPr/>
+        </p:nvCxnSpPr>
+        <p:spPr>
+          <a:xfrm flipH="1" flipV="1">
+            <a:off x="5868917" y="1158240"/>
+            <a:ext cx="1231578" cy="1064857"/>
+          </a:xfrm>
+          <a:prstGeom prst="straightConnector1">
+            <a:avLst/>
+          </a:prstGeom>
+          <a:ln w="12700">
+            <a:solidFill>
+              <a:schemeClr val="tx1"/>
+            </a:solidFill>
+            <a:tailEnd type="triangle"/>
+          </a:ln>
+        </p:spPr>
+        <p:style>
+          <a:lnRef idx="1">
+            <a:schemeClr val="accent1"/>
+          </a:lnRef>
+          <a:fillRef idx="0">
+            <a:schemeClr val="accent1"/>
+          </a:fillRef>
+          <a:effectRef idx="0">
+            <a:schemeClr val="accent1"/>
+          </a:effectRef>
+          <a:fontRef idx="minor">
+            <a:schemeClr val="tx1"/>
+          </a:fontRef>
+        </p:style>
+      </p:cxnSp>
+      <p:sp>
+        <p:nvSpPr>
+          <p:cNvPr id="66" name="文本框 65">
+            <a:extLst>
+              <a:ext uri="{FF2B5EF4-FFF2-40B4-BE49-F238E27FC236}">
+                <a16:creationId xmlns:a16="http://schemas.microsoft.com/office/drawing/2014/main" id="{3BA56218-1C5B-023C-1A1E-D1D0D4C341C3}"/>
+              </a:ext>
+            </a:extLst>
+          </p:cNvPr>
+          <p:cNvSpPr txBox="1"/>
+          <p:nvPr/>
+        </p:nvSpPr>
+        <p:spPr>
+          <a:xfrm>
+            <a:off x="1654038" y="1631717"/>
+            <a:ext cx="1107996" cy="369332"/>
+          </a:xfrm>
+          <a:prstGeom prst="rect">
+            <a:avLst/>
+          </a:prstGeom>
+          <a:noFill/>
+        </p:spPr>
+        <p:txBody>
+          <a:bodyPr wrap="none" rtlCol="0">
+            <a:spAutoFit/>
+          </a:bodyPr>
+          <a:lstStyle/>
+          <a:p>
+            <a:r>
+              <a:rPr lang="zh-CN" altLang="en-US" dirty="0"/>
+              <a:t>读取文件</a:t>
+            </a:r>
+          </a:p>
+        </p:txBody>
+      </p:sp>
+      <p:sp>
+        <p:nvSpPr>
+          <p:cNvPr id="67" name="文本框 66">
+            <a:extLst>
+              <a:ext uri="{FF2B5EF4-FFF2-40B4-BE49-F238E27FC236}">
+                <a16:creationId xmlns:a16="http://schemas.microsoft.com/office/drawing/2014/main" id="{6A953E96-9023-E51C-E056-E588A88EA593}"/>
+              </a:ext>
+            </a:extLst>
+          </p:cNvPr>
+          <p:cNvSpPr txBox="1"/>
+          <p:nvPr/>
+        </p:nvSpPr>
+        <p:spPr>
+          <a:xfrm>
+            <a:off x="4568224" y="1637587"/>
+            <a:ext cx="1148071" cy="369332"/>
+          </a:xfrm>
+          <a:prstGeom prst="rect">
+            <a:avLst/>
+          </a:prstGeom>
+          <a:noFill/>
+        </p:spPr>
+        <p:txBody>
+          <a:bodyPr wrap="none" rtlCol="0">
+            <a:spAutoFit/>
+          </a:bodyPr>
+          <a:lstStyle/>
+          <a:p>
+            <a:r>
+              <a:rPr lang="zh-CN" altLang="en-US" dirty="0"/>
+              <a:t>读写文件</a:t>
+            </a:r>
+          </a:p>
+        </p:txBody>
+      </p:sp>
+      <p:sp>
+        <p:nvSpPr>
+          <p:cNvPr id="68" name="文本框 67">
+            <a:extLst>
+              <a:ext uri="{FF2B5EF4-FFF2-40B4-BE49-F238E27FC236}">
+                <a16:creationId xmlns:a16="http://schemas.microsoft.com/office/drawing/2014/main" id="{C922D732-137A-96CB-D960-742CE239F221}"/>
+              </a:ext>
+            </a:extLst>
+          </p:cNvPr>
+          <p:cNvSpPr txBox="1"/>
+          <p:nvPr/>
+        </p:nvSpPr>
+        <p:spPr>
+          <a:xfrm>
+            <a:off x="6848471" y="1644469"/>
+            <a:ext cx="1107996" cy="369332"/>
+          </a:xfrm>
+          <a:prstGeom prst="rect">
+            <a:avLst/>
+          </a:prstGeom>
+          <a:noFill/>
+        </p:spPr>
+        <p:txBody>
+          <a:bodyPr wrap="none" rtlCol="0">
+            <a:spAutoFit/>
+          </a:bodyPr>
+          <a:lstStyle/>
+          <a:p>
+            <a:r>
+              <a:rPr lang="zh-CN" altLang="en-US" dirty="0"/>
+              <a:t>写入文件</a:t>
+            </a:r>
+          </a:p>
+        </p:txBody>
+      </p:sp>
+      <p:sp>
+        <p:nvSpPr>
+          <p:cNvPr id="69" name="文本框 68">
+            <a:extLst>
+              <a:ext uri="{FF2B5EF4-FFF2-40B4-BE49-F238E27FC236}">
+                <a16:creationId xmlns:a16="http://schemas.microsoft.com/office/drawing/2014/main" id="{0AAE081A-9549-770D-F26D-DC494039E081}"/>
+              </a:ext>
+            </a:extLst>
+          </p:cNvPr>
+          <p:cNvSpPr txBox="1"/>
+          <p:nvPr/>
+        </p:nvSpPr>
+        <p:spPr>
+          <a:xfrm>
+            <a:off x="7973445" y="1211580"/>
+            <a:ext cx="585417" cy="369332"/>
+          </a:xfrm>
+          <a:prstGeom prst="rect">
+            <a:avLst/>
+          </a:prstGeom>
+          <a:noFill/>
+        </p:spPr>
+        <p:txBody>
+          <a:bodyPr wrap="none" rtlCol="0">
+            <a:spAutoFit/>
+          </a:bodyPr>
+          <a:lstStyle/>
+          <a:p>
+            <a:r>
+              <a:rPr lang="en-US" altLang="zh-CN" dirty="0">
+                <a:latin typeface="Consolas" panose="020B0609020204030204" pitchFamily="49" charset="0"/>
+              </a:rPr>
+              <a:t>EOF</a:t>
+            </a:r>
+            <a:endParaRPr lang="zh-CN" altLang="en-US" dirty="0">
+              <a:latin typeface="Consolas" panose="020B0609020204030204" pitchFamily="49" charset="0"/>
+            </a:endParaRPr>
+          </a:p>
+        </p:txBody>
+      </p:sp>
+    </p:spTree>
+    <p:extLst>
+      <p:ext uri="{BB962C8B-B14F-4D97-AF65-F5344CB8AC3E}">
+        <p14:creationId xmlns:p14="http://schemas.microsoft.com/office/powerpoint/2010/main" val="2611473544"/>
       </p:ext>
     </p:extLst>
   </p:cSld>

--- a/docs/chart.pptx
+++ b/docs/chart.pptx
@@ -7,6 +7,9 @@
   <p:sldIdLst>
     <p:sldId id="256" r:id="rId2"/>
     <p:sldId id="257" r:id="rId3"/>
+    <p:sldId id="258" r:id="rId4"/>
+    <p:sldId id="259" r:id="rId5"/>
+    <p:sldId id="260" r:id="rId6"/>
   </p:sldIdLst>
   <p:sldSz cx="12192000" cy="6858000"/>
   <p:notesSz cx="6858000" cy="9144000"/>
@@ -260,7 +263,7 @@
           <a:p>
             <a:fld id="{23FCA02A-BFAF-4B71-9783-6B3BBB321A04}" type="datetimeFigureOut">
               <a:rPr lang="zh-CN" altLang="en-US" smtClean="0"/>
-              <a:t>2023/5/22</a:t>
+              <a:t>2023/5/23</a:t>
             </a:fld>
             <a:endParaRPr lang="zh-CN" altLang="en-US"/>
           </a:p>
@@ -458,7 +461,7 @@
           <a:p>
             <a:fld id="{23FCA02A-BFAF-4B71-9783-6B3BBB321A04}" type="datetimeFigureOut">
               <a:rPr lang="zh-CN" altLang="en-US" smtClean="0"/>
-              <a:t>2023/5/22</a:t>
+              <a:t>2023/5/23</a:t>
             </a:fld>
             <a:endParaRPr lang="zh-CN" altLang="en-US"/>
           </a:p>
@@ -666,7 +669,7 @@
           <a:p>
             <a:fld id="{23FCA02A-BFAF-4B71-9783-6B3BBB321A04}" type="datetimeFigureOut">
               <a:rPr lang="zh-CN" altLang="en-US" smtClean="0"/>
-              <a:t>2023/5/22</a:t>
+              <a:t>2023/5/23</a:t>
             </a:fld>
             <a:endParaRPr lang="zh-CN" altLang="en-US"/>
           </a:p>
@@ -864,7 +867,7 @@
           <a:p>
             <a:fld id="{23FCA02A-BFAF-4B71-9783-6B3BBB321A04}" type="datetimeFigureOut">
               <a:rPr lang="zh-CN" altLang="en-US" smtClean="0"/>
-              <a:t>2023/5/22</a:t>
+              <a:t>2023/5/23</a:t>
             </a:fld>
             <a:endParaRPr lang="zh-CN" altLang="en-US"/>
           </a:p>
@@ -1139,7 +1142,7 @@
           <a:p>
             <a:fld id="{23FCA02A-BFAF-4B71-9783-6B3BBB321A04}" type="datetimeFigureOut">
               <a:rPr lang="zh-CN" altLang="en-US" smtClean="0"/>
-              <a:t>2023/5/22</a:t>
+              <a:t>2023/5/23</a:t>
             </a:fld>
             <a:endParaRPr lang="zh-CN" altLang="en-US"/>
           </a:p>
@@ -1404,7 +1407,7 @@
           <a:p>
             <a:fld id="{23FCA02A-BFAF-4B71-9783-6B3BBB321A04}" type="datetimeFigureOut">
               <a:rPr lang="zh-CN" altLang="en-US" smtClean="0"/>
-              <a:t>2023/5/22</a:t>
+              <a:t>2023/5/23</a:t>
             </a:fld>
             <a:endParaRPr lang="zh-CN" altLang="en-US"/>
           </a:p>
@@ -1816,7 +1819,7 @@
           <a:p>
             <a:fld id="{23FCA02A-BFAF-4B71-9783-6B3BBB321A04}" type="datetimeFigureOut">
               <a:rPr lang="zh-CN" altLang="en-US" smtClean="0"/>
-              <a:t>2023/5/22</a:t>
+              <a:t>2023/5/23</a:t>
             </a:fld>
             <a:endParaRPr lang="zh-CN" altLang="en-US"/>
           </a:p>
@@ -1957,7 +1960,7 @@
           <a:p>
             <a:fld id="{23FCA02A-BFAF-4B71-9783-6B3BBB321A04}" type="datetimeFigureOut">
               <a:rPr lang="zh-CN" altLang="en-US" smtClean="0"/>
-              <a:t>2023/5/22</a:t>
+              <a:t>2023/5/23</a:t>
             </a:fld>
             <a:endParaRPr lang="zh-CN" altLang="en-US"/>
           </a:p>
@@ -2070,7 +2073,7 @@
           <a:p>
             <a:fld id="{23FCA02A-BFAF-4B71-9783-6B3BBB321A04}" type="datetimeFigureOut">
               <a:rPr lang="zh-CN" altLang="en-US" smtClean="0"/>
-              <a:t>2023/5/22</a:t>
+              <a:t>2023/5/23</a:t>
             </a:fld>
             <a:endParaRPr lang="zh-CN" altLang="en-US"/>
           </a:p>
@@ -2381,7 +2384,7 @@
           <a:p>
             <a:fld id="{23FCA02A-BFAF-4B71-9783-6B3BBB321A04}" type="datetimeFigureOut">
               <a:rPr lang="zh-CN" altLang="en-US" smtClean="0"/>
-              <a:t>2023/5/22</a:t>
+              <a:t>2023/5/23</a:t>
             </a:fld>
             <a:endParaRPr lang="zh-CN" altLang="en-US"/>
           </a:p>
@@ -2669,7 +2672,7 @@
           <a:p>
             <a:fld id="{23FCA02A-BFAF-4B71-9783-6B3BBB321A04}" type="datetimeFigureOut">
               <a:rPr lang="zh-CN" altLang="en-US" smtClean="0"/>
-              <a:t>2023/5/22</a:t>
+              <a:t>2023/5/23</a:t>
             </a:fld>
             <a:endParaRPr lang="zh-CN" altLang="en-US"/>
           </a:p>
@@ -2910,7 +2913,7 @@
           <a:p>
             <a:fld id="{23FCA02A-BFAF-4B71-9783-6B3BBB321A04}" type="datetimeFigureOut">
               <a:rPr lang="zh-CN" altLang="en-US" smtClean="0"/>
-              <a:t>2023/5/22</a:t>
+              <a:t>2023/5/23</a:t>
             </a:fld>
             <a:endParaRPr lang="zh-CN" altLang="en-US"/>
           </a:p>
@@ -7360,6 +7363,3122 @@
 </p:sld>
 </file>
 
+<file path=ppt/slides/slide3.xml><?xml version="1.0" encoding="utf-8"?>
+<p:sld xmlns:a="http://schemas.openxmlformats.org/drawingml/2006/main" xmlns:r="http://schemas.openxmlformats.org/officeDocument/2006/relationships" xmlns:p="http://schemas.openxmlformats.org/presentationml/2006/main">
+  <p:cSld>
+    <p:spTree>
+      <p:nvGrpSpPr>
+        <p:cNvPr id="1" name=""/>
+        <p:cNvGrpSpPr/>
+        <p:nvPr/>
+      </p:nvGrpSpPr>
+      <p:grpSpPr>
+        <a:xfrm>
+          <a:off x="0" y="0"/>
+          <a:ext cx="0" cy="0"/>
+          <a:chOff x="0" y="0"/>
+          <a:chExt cx="0" cy="0"/>
+        </a:xfrm>
+      </p:grpSpPr>
+      <p:sp>
+        <p:nvSpPr>
+          <p:cNvPr id="6" name="矩形 5">
+            <a:extLst>
+              <a:ext uri="{FF2B5EF4-FFF2-40B4-BE49-F238E27FC236}">
+                <a16:creationId xmlns:a16="http://schemas.microsoft.com/office/drawing/2014/main" id="{FC844EC7-15D1-9D6B-9BCE-1FE7D19B5044}"/>
+              </a:ext>
+            </a:extLst>
+          </p:cNvPr>
+          <p:cNvSpPr/>
+          <p:nvPr/>
+        </p:nvSpPr>
+        <p:spPr>
+          <a:xfrm>
+            <a:off x="3606933" y="768096"/>
+            <a:ext cx="1428363" cy="707135"/>
+          </a:xfrm>
+          <a:prstGeom prst="rect">
+            <a:avLst/>
+          </a:prstGeom>
+          <a:solidFill>
+            <a:schemeClr val="bg1"/>
+          </a:solidFill>
+          <a:ln>
+            <a:solidFill>
+              <a:schemeClr val="tx1"/>
+            </a:solidFill>
+          </a:ln>
+        </p:spPr>
+        <p:style>
+          <a:lnRef idx="2">
+            <a:schemeClr val="accent1">
+              <a:shade val="50000"/>
+            </a:schemeClr>
+          </a:lnRef>
+          <a:fillRef idx="1">
+            <a:schemeClr val="accent1"/>
+          </a:fillRef>
+          <a:effectRef idx="0">
+            <a:schemeClr val="accent1"/>
+          </a:effectRef>
+          <a:fontRef idx="minor">
+            <a:schemeClr val="lt1"/>
+          </a:fontRef>
+        </p:style>
+        <p:txBody>
+          <a:bodyPr rtlCol="0" anchor="ctr"/>
+          <a:lstStyle/>
+          <a:p>
+            <a:pPr algn="ctr"/>
+            <a:endParaRPr lang="zh-CN" altLang="en-US" sz="1400" dirty="0">
+              <a:solidFill>
+                <a:sysClr val="windowText" lastClr="000000"/>
+              </a:solidFill>
+            </a:endParaRPr>
+          </a:p>
+        </p:txBody>
+      </p:sp>
+      <p:sp>
+        <p:nvSpPr>
+          <p:cNvPr id="4" name="矩形 3">
+            <a:extLst>
+              <a:ext uri="{FF2B5EF4-FFF2-40B4-BE49-F238E27FC236}">
+                <a16:creationId xmlns:a16="http://schemas.microsoft.com/office/drawing/2014/main" id="{6C472F1C-8B6C-E4A0-C256-3882985A5232}"/>
+              </a:ext>
+            </a:extLst>
+          </p:cNvPr>
+          <p:cNvSpPr/>
+          <p:nvPr/>
+        </p:nvSpPr>
+        <p:spPr>
+          <a:xfrm>
+            <a:off x="1394085" y="1154243"/>
+            <a:ext cx="562731" cy="320989"/>
+          </a:xfrm>
+          <a:prstGeom prst="rect">
+            <a:avLst/>
+          </a:prstGeom>
+          <a:solidFill>
+            <a:schemeClr val="bg1"/>
+          </a:solidFill>
+          <a:ln>
+            <a:solidFill>
+              <a:schemeClr val="tx1"/>
+            </a:solidFill>
+          </a:ln>
+        </p:spPr>
+        <p:style>
+          <a:lnRef idx="2">
+            <a:schemeClr val="accent1">
+              <a:shade val="50000"/>
+            </a:schemeClr>
+          </a:lnRef>
+          <a:fillRef idx="1">
+            <a:schemeClr val="accent1"/>
+          </a:fillRef>
+          <a:effectRef idx="0">
+            <a:schemeClr val="accent1"/>
+          </a:effectRef>
+          <a:fontRef idx="minor">
+            <a:schemeClr val="lt1"/>
+          </a:fontRef>
+        </p:style>
+        <p:txBody>
+          <a:bodyPr rtlCol="0" anchor="ctr"/>
+          <a:lstStyle/>
+          <a:p>
+            <a:pPr algn="ctr"/>
+            <a:r>
+              <a:rPr lang="zh-CN" altLang="en-US" sz="1400" dirty="0">
+                <a:solidFill>
+                  <a:sysClr val="windowText" lastClr="000000"/>
+                </a:solidFill>
+              </a:rPr>
+              <a:t>基类</a:t>
+            </a:r>
+          </a:p>
+        </p:txBody>
+      </p:sp>
+      <p:sp>
+        <p:nvSpPr>
+          <p:cNvPr id="5" name="矩形 4">
+            <a:extLst>
+              <a:ext uri="{FF2B5EF4-FFF2-40B4-BE49-F238E27FC236}">
+                <a16:creationId xmlns:a16="http://schemas.microsoft.com/office/drawing/2014/main" id="{BE2E8231-CFB1-DAFB-E482-481D9FF183E6}"/>
+              </a:ext>
+            </a:extLst>
+          </p:cNvPr>
+          <p:cNvSpPr/>
+          <p:nvPr/>
+        </p:nvSpPr>
+        <p:spPr>
+          <a:xfrm>
+            <a:off x="3606933" y="1154243"/>
+            <a:ext cx="562731" cy="320989"/>
+          </a:xfrm>
+          <a:prstGeom prst="rect">
+            <a:avLst/>
+          </a:prstGeom>
+          <a:solidFill>
+            <a:schemeClr val="bg1"/>
+          </a:solidFill>
+          <a:ln>
+            <a:solidFill>
+              <a:schemeClr val="tx1"/>
+            </a:solidFill>
+          </a:ln>
+        </p:spPr>
+        <p:style>
+          <a:lnRef idx="2">
+            <a:schemeClr val="accent1">
+              <a:shade val="50000"/>
+            </a:schemeClr>
+          </a:lnRef>
+          <a:fillRef idx="1">
+            <a:schemeClr val="accent1"/>
+          </a:fillRef>
+          <a:effectRef idx="0">
+            <a:schemeClr val="accent1"/>
+          </a:effectRef>
+          <a:fontRef idx="minor">
+            <a:schemeClr val="lt1"/>
+          </a:fontRef>
+        </p:style>
+        <p:txBody>
+          <a:bodyPr rtlCol="0" anchor="ctr"/>
+          <a:lstStyle/>
+          <a:p>
+            <a:pPr algn="ctr"/>
+            <a:r>
+              <a:rPr lang="zh-CN" altLang="en-US" sz="1400" dirty="0">
+                <a:solidFill>
+                  <a:sysClr val="windowText" lastClr="000000"/>
+                </a:solidFill>
+              </a:rPr>
+              <a:t>基类</a:t>
+            </a:r>
+          </a:p>
+        </p:txBody>
+      </p:sp>
+      <p:sp>
+        <p:nvSpPr>
+          <p:cNvPr id="7" name="文本框 6">
+            <a:extLst>
+              <a:ext uri="{FF2B5EF4-FFF2-40B4-BE49-F238E27FC236}">
+                <a16:creationId xmlns:a16="http://schemas.microsoft.com/office/drawing/2014/main" id="{31CDA0B4-7874-A4AF-7B25-DA24840B5D2B}"/>
+              </a:ext>
+            </a:extLst>
+          </p:cNvPr>
+          <p:cNvSpPr txBox="1"/>
+          <p:nvPr/>
+        </p:nvSpPr>
+        <p:spPr>
+          <a:xfrm>
+            <a:off x="4274495" y="846466"/>
+            <a:ext cx="723275" cy="307777"/>
+          </a:xfrm>
+          <a:prstGeom prst="rect">
+            <a:avLst/>
+          </a:prstGeom>
+          <a:noFill/>
+        </p:spPr>
+        <p:txBody>
+          <a:bodyPr wrap="none" rtlCol="0">
+            <a:spAutoFit/>
+          </a:bodyPr>
+          <a:lstStyle/>
+          <a:p>
+            <a:r>
+              <a:rPr lang="zh-CN" altLang="en-US" sz="1400" dirty="0"/>
+              <a:t>派生类</a:t>
+            </a:r>
+          </a:p>
+        </p:txBody>
+      </p:sp>
+      <p:sp>
+        <p:nvSpPr>
+          <p:cNvPr id="8" name="箭头: 右 7">
+            <a:extLst>
+              <a:ext uri="{FF2B5EF4-FFF2-40B4-BE49-F238E27FC236}">
+                <a16:creationId xmlns:a16="http://schemas.microsoft.com/office/drawing/2014/main" id="{D76EDDAB-1762-F0F6-2DD9-8E2EAF6E2AA7}"/>
+              </a:ext>
+            </a:extLst>
+          </p:cNvPr>
+          <p:cNvSpPr/>
+          <p:nvPr/>
+        </p:nvSpPr>
+        <p:spPr>
+          <a:xfrm flipH="1">
+            <a:off x="2230187" y="957072"/>
+            <a:ext cx="1103376" cy="164591"/>
+          </a:xfrm>
+          <a:prstGeom prst="rightArrow">
+            <a:avLst/>
+          </a:prstGeom>
+          <a:solidFill>
+            <a:schemeClr val="bg1"/>
+          </a:solidFill>
+          <a:ln>
+            <a:solidFill>
+              <a:schemeClr val="tx1"/>
+            </a:solidFill>
+          </a:ln>
+        </p:spPr>
+        <p:style>
+          <a:lnRef idx="2">
+            <a:schemeClr val="accent1">
+              <a:shade val="50000"/>
+            </a:schemeClr>
+          </a:lnRef>
+          <a:fillRef idx="1">
+            <a:schemeClr val="accent1"/>
+          </a:fillRef>
+          <a:effectRef idx="0">
+            <a:schemeClr val="accent1"/>
+          </a:effectRef>
+          <a:fontRef idx="minor">
+            <a:schemeClr val="lt1"/>
+          </a:fontRef>
+        </p:style>
+        <p:txBody>
+          <a:bodyPr rtlCol="0" anchor="ctr"/>
+          <a:lstStyle/>
+          <a:p>
+            <a:pPr algn="ctr"/>
+            <a:endParaRPr lang="zh-CN" altLang="en-US"/>
+          </a:p>
+        </p:txBody>
+      </p:sp>
+      <p:sp>
+        <p:nvSpPr>
+          <p:cNvPr id="9" name="箭头: 右 8">
+            <a:extLst>
+              <a:ext uri="{FF2B5EF4-FFF2-40B4-BE49-F238E27FC236}">
+                <a16:creationId xmlns:a16="http://schemas.microsoft.com/office/drawing/2014/main" id="{01D3023B-6C19-9620-FCA8-643B97E59AEE}"/>
+              </a:ext>
+            </a:extLst>
+          </p:cNvPr>
+          <p:cNvSpPr/>
+          <p:nvPr/>
+        </p:nvSpPr>
+        <p:spPr>
+          <a:xfrm>
+            <a:off x="2285050" y="1310640"/>
+            <a:ext cx="1103376" cy="164591"/>
+          </a:xfrm>
+          <a:prstGeom prst="rightArrow">
+            <a:avLst/>
+          </a:prstGeom>
+          <a:solidFill>
+            <a:schemeClr val="bg1"/>
+          </a:solidFill>
+          <a:ln>
+            <a:solidFill>
+              <a:schemeClr val="tx1"/>
+            </a:solidFill>
+          </a:ln>
+        </p:spPr>
+        <p:style>
+          <a:lnRef idx="2">
+            <a:schemeClr val="accent1">
+              <a:shade val="50000"/>
+            </a:schemeClr>
+          </a:lnRef>
+          <a:fillRef idx="1">
+            <a:schemeClr val="accent1"/>
+          </a:fillRef>
+          <a:effectRef idx="0">
+            <a:schemeClr val="accent1"/>
+          </a:effectRef>
+          <a:fontRef idx="minor">
+            <a:schemeClr val="lt1"/>
+          </a:fontRef>
+        </p:style>
+        <p:txBody>
+          <a:bodyPr rtlCol="0" anchor="ctr"/>
+          <a:lstStyle/>
+          <a:p>
+            <a:pPr algn="ctr"/>
+            <a:endParaRPr lang="zh-CN" altLang="en-US"/>
+          </a:p>
+        </p:txBody>
+      </p:sp>
+      <p:cxnSp>
+        <p:nvCxnSpPr>
+          <p:cNvPr id="11" name="直接连接符 10">
+            <a:extLst>
+              <a:ext uri="{FF2B5EF4-FFF2-40B4-BE49-F238E27FC236}">
+                <a16:creationId xmlns:a16="http://schemas.microsoft.com/office/drawing/2014/main" id="{C5990C3E-3980-8BFF-1943-9A39609D44BE}"/>
+              </a:ext>
+            </a:extLst>
+          </p:cNvPr>
+          <p:cNvCxnSpPr>
+            <a:cxnSpLocks/>
+          </p:cNvCxnSpPr>
+          <p:nvPr/>
+        </p:nvCxnSpPr>
+        <p:spPr>
+          <a:xfrm>
+            <a:off x="2685050" y="1267968"/>
+            <a:ext cx="283702" cy="262128"/>
+          </a:xfrm>
+          <a:prstGeom prst="line">
+            <a:avLst/>
+          </a:prstGeom>
+          <a:ln w="38100">
+            <a:solidFill>
+              <a:srgbClr val="FF0000"/>
+            </a:solidFill>
+          </a:ln>
+        </p:spPr>
+        <p:style>
+          <a:lnRef idx="1">
+            <a:schemeClr val="accent1"/>
+          </a:lnRef>
+          <a:fillRef idx="0">
+            <a:schemeClr val="accent1"/>
+          </a:fillRef>
+          <a:effectRef idx="0">
+            <a:schemeClr val="accent1"/>
+          </a:effectRef>
+          <a:fontRef idx="minor">
+            <a:schemeClr val="tx1"/>
+          </a:fontRef>
+        </p:style>
+      </p:cxnSp>
+      <p:cxnSp>
+        <p:nvCxnSpPr>
+          <p:cNvPr id="12" name="直接连接符 11">
+            <a:extLst>
+              <a:ext uri="{FF2B5EF4-FFF2-40B4-BE49-F238E27FC236}">
+                <a16:creationId xmlns:a16="http://schemas.microsoft.com/office/drawing/2014/main" id="{FBC16953-8734-CDC8-7A72-7F77B8369D60}"/>
+              </a:ext>
+            </a:extLst>
+          </p:cNvPr>
+          <p:cNvCxnSpPr>
+            <a:cxnSpLocks/>
+          </p:cNvCxnSpPr>
+          <p:nvPr/>
+        </p:nvCxnSpPr>
+        <p:spPr>
+          <a:xfrm flipV="1">
+            <a:off x="2685050" y="1267968"/>
+            <a:ext cx="283702" cy="262128"/>
+          </a:xfrm>
+          <a:prstGeom prst="line">
+            <a:avLst/>
+          </a:prstGeom>
+          <a:ln w="38100">
+            <a:solidFill>
+              <a:srgbClr val="FF0000"/>
+            </a:solidFill>
+          </a:ln>
+        </p:spPr>
+        <p:style>
+          <a:lnRef idx="1">
+            <a:schemeClr val="accent1"/>
+          </a:lnRef>
+          <a:fillRef idx="0">
+            <a:schemeClr val="accent1"/>
+          </a:fillRef>
+          <a:effectRef idx="0">
+            <a:schemeClr val="accent1"/>
+          </a:effectRef>
+          <a:fontRef idx="minor">
+            <a:schemeClr val="tx1"/>
+          </a:fontRef>
+        </p:style>
+      </p:cxnSp>
+      <p:sp>
+        <p:nvSpPr>
+          <p:cNvPr id="17" name="文本框 16">
+            <a:extLst>
+              <a:ext uri="{FF2B5EF4-FFF2-40B4-BE49-F238E27FC236}">
+                <a16:creationId xmlns:a16="http://schemas.microsoft.com/office/drawing/2014/main" id="{A95BC439-1D9B-82EC-52CB-3111C9F42E17}"/>
+              </a:ext>
+            </a:extLst>
+          </p:cNvPr>
+          <p:cNvSpPr txBox="1"/>
+          <p:nvPr/>
+        </p:nvSpPr>
+        <p:spPr>
+          <a:xfrm>
+            <a:off x="2330469" y="705717"/>
+            <a:ext cx="902811" cy="307777"/>
+          </a:xfrm>
+          <a:prstGeom prst="rect">
+            <a:avLst/>
+          </a:prstGeom>
+          <a:noFill/>
+        </p:spPr>
+        <p:txBody>
+          <a:bodyPr wrap="none" rtlCol="0">
+            <a:spAutoFit/>
+          </a:bodyPr>
+          <a:lstStyle/>
+          <a:p>
+            <a:r>
+              <a:rPr lang="zh-CN" altLang="en-US" sz="1400" dirty="0"/>
+              <a:t>对象赋值</a:t>
+            </a:r>
+          </a:p>
+        </p:txBody>
+      </p:sp>
+      <p:sp>
+        <p:nvSpPr>
+          <p:cNvPr id="18" name="矩形 17">
+            <a:extLst>
+              <a:ext uri="{FF2B5EF4-FFF2-40B4-BE49-F238E27FC236}">
+                <a16:creationId xmlns:a16="http://schemas.microsoft.com/office/drawing/2014/main" id="{6E2B50ED-3170-E745-5F07-04A19B08B350}"/>
+              </a:ext>
+            </a:extLst>
+          </p:cNvPr>
+          <p:cNvSpPr/>
+          <p:nvPr/>
+        </p:nvSpPr>
+        <p:spPr>
+          <a:xfrm>
+            <a:off x="1286021" y="2147891"/>
+            <a:ext cx="1103376" cy="320989"/>
+          </a:xfrm>
+          <a:prstGeom prst="rect">
+            <a:avLst/>
+          </a:prstGeom>
+          <a:solidFill>
+            <a:schemeClr val="bg1"/>
+          </a:solidFill>
+          <a:ln>
+            <a:solidFill>
+              <a:schemeClr val="tx1"/>
+            </a:solidFill>
+          </a:ln>
+        </p:spPr>
+        <p:style>
+          <a:lnRef idx="2">
+            <a:schemeClr val="accent1">
+              <a:shade val="50000"/>
+            </a:schemeClr>
+          </a:lnRef>
+          <a:fillRef idx="1">
+            <a:schemeClr val="accent1"/>
+          </a:fillRef>
+          <a:effectRef idx="0">
+            <a:schemeClr val="accent1"/>
+          </a:effectRef>
+          <a:fontRef idx="minor">
+            <a:schemeClr val="lt1"/>
+          </a:fontRef>
+        </p:style>
+        <p:txBody>
+          <a:bodyPr rtlCol="0" anchor="ctr"/>
+          <a:lstStyle/>
+          <a:p>
+            <a:pPr algn="ctr"/>
+            <a:r>
+              <a:rPr lang="zh-CN" altLang="en-US" sz="1400" dirty="0">
+                <a:solidFill>
+                  <a:sysClr val="windowText" lastClr="000000"/>
+                </a:solidFill>
+              </a:rPr>
+              <a:t>基类指针</a:t>
+            </a:r>
+          </a:p>
+        </p:txBody>
+      </p:sp>
+      <p:sp>
+        <p:nvSpPr>
+          <p:cNvPr id="19" name="矩形 18">
+            <a:extLst>
+              <a:ext uri="{FF2B5EF4-FFF2-40B4-BE49-F238E27FC236}">
+                <a16:creationId xmlns:a16="http://schemas.microsoft.com/office/drawing/2014/main" id="{2C6C79B3-547A-ADED-4396-ED859D427171}"/>
+              </a:ext>
+            </a:extLst>
+          </p:cNvPr>
+          <p:cNvSpPr/>
+          <p:nvPr/>
+        </p:nvSpPr>
+        <p:spPr>
+          <a:xfrm>
+            <a:off x="3431813" y="2147891"/>
+            <a:ext cx="1103373" cy="320989"/>
+          </a:xfrm>
+          <a:prstGeom prst="rect">
+            <a:avLst/>
+          </a:prstGeom>
+          <a:solidFill>
+            <a:schemeClr val="bg1"/>
+          </a:solidFill>
+          <a:ln>
+            <a:solidFill>
+              <a:schemeClr val="tx1"/>
+            </a:solidFill>
+          </a:ln>
+        </p:spPr>
+        <p:style>
+          <a:lnRef idx="2">
+            <a:schemeClr val="accent1">
+              <a:shade val="50000"/>
+            </a:schemeClr>
+          </a:lnRef>
+          <a:fillRef idx="1">
+            <a:schemeClr val="accent1"/>
+          </a:fillRef>
+          <a:effectRef idx="0">
+            <a:schemeClr val="accent1"/>
+          </a:effectRef>
+          <a:fontRef idx="minor">
+            <a:schemeClr val="lt1"/>
+          </a:fontRef>
+        </p:style>
+        <p:txBody>
+          <a:bodyPr rtlCol="0" anchor="ctr"/>
+          <a:lstStyle/>
+          <a:p>
+            <a:pPr algn="ctr"/>
+            <a:r>
+              <a:rPr lang="zh-CN" altLang="en-US" sz="1400" dirty="0">
+                <a:solidFill>
+                  <a:sysClr val="windowText" lastClr="000000"/>
+                </a:solidFill>
+              </a:rPr>
+              <a:t>基类对象</a:t>
+            </a:r>
+          </a:p>
+        </p:txBody>
+      </p:sp>
+      <p:sp>
+        <p:nvSpPr>
+          <p:cNvPr id="20" name="矩形 19">
+            <a:extLst>
+              <a:ext uri="{FF2B5EF4-FFF2-40B4-BE49-F238E27FC236}">
+                <a16:creationId xmlns:a16="http://schemas.microsoft.com/office/drawing/2014/main" id="{0166085E-0512-D5E0-D158-76349A8525FA}"/>
+              </a:ext>
+            </a:extLst>
+          </p:cNvPr>
+          <p:cNvSpPr/>
+          <p:nvPr/>
+        </p:nvSpPr>
+        <p:spPr>
+          <a:xfrm>
+            <a:off x="1286022" y="3108011"/>
+            <a:ext cx="1103375" cy="320989"/>
+          </a:xfrm>
+          <a:prstGeom prst="rect">
+            <a:avLst/>
+          </a:prstGeom>
+          <a:solidFill>
+            <a:schemeClr val="bg1"/>
+          </a:solidFill>
+          <a:ln>
+            <a:solidFill>
+              <a:schemeClr val="tx1"/>
+            </a:solidFill>
+          </a:ln>
+        </p:spPr>
+        <p:style>
+          <a:lnRef idx="2">
+            <a:schemeClr val="accent1">
+              <a:shade val="50000"/>
+            </a:schemeClr>
+          </a:lnRef>
+          <a:fillRef idx="1">
+            <a:schemeClr val="accent1"/>
+          </a:fillRef>
+          <a:effectRef idx="0">
+            <a:schemeClr val="accent1"/>
+          </a:effectRef>
+          <a:fontRef idx="minor">
+            <a:schemeClr val="lt1"/>
+          </a:fontRef>
+        </p:style>
+        <p:txBody>
+          <a:bodyPr rtlCol="0" anchor="ctr"/>
+          <a:lstStyle/>
+          <a:p>
+            <a:pPr algn="ctr"/>
+            <a:r>
+              <a:rPr lang="zh-CN" altLang="en-US" sz="1400" dirty="0">
+                <a:solidFill>
+                  <a:sysClr val="windowText" lastClr="000000"/>
+                </a:solidFill>
+              </a:rPr>
+              <a:t>派生类指针</a:t>
+            </a:r>
+          </a:p>
+        </p:txBody>
+      </p:sp>
+      <p:sp>
+        <p:nvSpPr>
+          <p:cNvPr id="21" name="矩形 20">
+            <a:extLst>
+              <a:ext uri="{FF2B5EF4-FFF2-40B4-BE49-F238E27FC236}">
+                <a16:creationId xmlns:a16="http://schemas.microsoft.com/office/drawing/2014/main" id="{8394510F-3198-FADB-11C5-F71FC2339264}"/>
+              </a:ext>
+            </a:extLst>
+          </p:cNvPr>
+          <p:cNvSpPr/>
+          <p:nvPr/>
+        </p:nvSpPr>
+        <p:spPr>
+          <a:xfrm>
+            <a:off x="3431812" y="3108011"/>
+            <a:ext cx="1103375" cy="320989"/>
+          </a:xfrm>
+          <a:prstGeom prst="rect">
+            <a:avLst/>
+          </a:prstGeom>
+          <a:solidFill>
+            <a:schemeClr val="bg1"/>
+          </a:solidFill>
+          <a:ln>
+            <a:solidFill>
+              <a:schemeClr val="tx1"/>
+            </a:solidFill>
+          </a:ln>
+        </p:spPr>
+        <p:style>
+          <a:lnRef idx="2">
+            <a:schemeClr val="accent1">
+              <a:shade val="50000"/>
+            </a:schemeClr>
+          </a:lnRef>
+          <a:fillRef idx="1">
+            <a:schemeClr val="accent1"/>
+          </a:fillRef>
+          <a:effectRef idx="0">
+            <a:schemeClr val="accent1"/>
+          </a:effectRef>
+          <a:fontRef idx="minor">
+            <a:schemeClr val="lt1"/>
+          </a:fontRef>
+        </p:style>
+        <p:txBody>
+          <a:bodyPr rtlCol="0" anchor="ctr"/>
+          <a:lstStyle/>
+          <a:p>
+            <a:pPr algn="ctr"/>
+            <a:r>
+              <a:rPr lang="zh-CN" altLang="en-US" sz="1400" dirty="0">
+                <a:solidFill>
+                  <a:sysClr val="windowText" lastClr="000000"/>
+                </a:solidFill>
+              </a:rPr>
+              <a:t>派生类对象</a:t>
+            </a:r>
+          </a:p>
+        </p:txBody>
+      </p:sp>
+      <p:cxnSp>
+        <p:nvCxnSpPr>
+          <p:cNvPr id="23" name="直接箭头连接符 22">
+            <a:extLst>
+              <a:ext uri="{FF2B5EF4-FFF2-40B4-BE49-F238E27FC236}">
+                <a16:creationId xmlns:a16="http://schemas.microsoft.com/office/drawing/2014/main" id="{E45F51B1-9D16-A0A1-659D-5CC2D0467096}"/>
+              </a:ext>
+            </a:extLst>
+          </p:cNvPr>
+          <p:cNvCxnSpPr>
+            <a:cxnSpLocks/>
+            <a:stCxn id="18" idx="3"/>
+            <a:endCxn id="19" idx="1"/>
+          </p:cNvCxnSpPr>
+          <p:nvPr/>
+        </p:nvCxnSpPr>
+        <p:spPr>
+          <a:xfrm>
+            <a:off x="2389397" y="2308386"/>
+            <a:ext cx="1042416" cy="0"/>
+          </a:xfrm>
+          <a:prstGeom prst="straightConnector1">
+            <a:avLst/>
+          </a:prstGeom>
+          <a:ln w="12700">
+            <a:solidFill>
+              <a:schemeClr val="tx1"/>
+            </a:solidFill>
+            <a:headEnd type="none" w="med" len="med"/>
+            <a:tailEnd type="arrow" w="med" len="med"/>
+          </a:ln>
+        </p:spPr>
+        <p:style>
+          <a:lnRef idx="1">
+            <a:schemeClr val="accent1"/>
+          </a:lnRef>
+          <a:fillRef idx="0">
+            <a:schemeClr val="accent1"/>
+          </a:fillRef>
+          <a:effectRef idx="0">
+            <a:schemeClr val="accent1"/>
+          </a:effectRef>
+          <a:fontRef idx="minor">
+            <a:schemeClr val="tx1"/>
+          </a:fontRef>
+        </p:style>
+      </p:cxnSp>
+      <p:cxnSp>
+        <p:nvCxnSpPr>
+          <p:cNvPr id="25" name="直接箭头连接符 24">
+            <a:extLst>
+              <a:ext uri="{FF2B5EF4-FFF2-40B4-BE49-F238E27FC236}">
+                <a16:creationId xmlns:a16="http://schemas.microsoft.com/office/drawing/2014/main" id="{877977B9-31CA-B40E-3EA8-F04CEC7204F3}"/>
+              </a:ext>
+            </a:extLst>
+          </p:cNvPr>
+          <p:cNvCxnSpPr>
+            <a:cxnSpLocks/>
+            <a:stCxn id="18" idx="3"/>
+          </p:cNvCxnSpPr>
+          <p:nvPr/>
+        </p:nvCxnSpPr>
+        <p:spPr>
+          <a:xfrm>
+            <a:off x="2389397" y="2308386"/>
+            <a:ext cx="1042415" cy="799625"/>
+          </a:xfrm>
+          <a:prstGeom prst="straightConnector1">
+            <a:avLst/>
+          </a:prstGeom>
+          <a:ln w="12700">
+            <a:solidFill>
+              <a:schemeClr val="tx1"/>
+            </a:solidFill>
+            <a:headEnd type="none" w="med" len="med"/>
+            <a:tailEnd type="arrow" w="med" len="med"/>
+          </a:ln>
+        </p:spPr>
+        <p:style>
+          <a:lnRef idx="1">
+            <a:schemeClr val="accent1"/>
+          </a:lnRef>
+          <a:fillRef idx="0">
+            <a:schemeClr val="accent1"/>
+          </a:fillRef>
+          <a:effectRef idx="0">
+            <a:schemeClr val="accent1"/>
+          </a:effectRef>
+          <a:fontRef idx="minor">
+            <a:schemeClr val="tx1"/>
+          </a:fontRef>
+        </p:style>
+      </p:cxnSp>
+      <p:cxnSp>
+        <p:nvCxnSpPr>
+          <p:cNvPr id="27" name="直接箭头连接符 26">
+            <a:extLst>
+              <a:ext uri="{FF2B5EF4-FFF2-40B4-BE49-F238E27FC236}">
+                <a16:creationId xmlns:a16="http://schemas.microsoft.com/office/drawing/2014/main" id="{B3E4739F-D87C-71C3-4051-B920F15CB2F0}"/>
+              </a:ext>
+            </a:extLst>
+          </p:cNvPr>
+          <p:cNvCxnSpPr>
+            <a:cxnSpLocks/>
+            <a:stCxn id="20" idx="3"/>
+            <a:endCxn id="21" idx="1"/>
+          </p:cNvCxnSpPr>
+          <p:nvPr/>
+        </p:nvCxnSpPr>
+        <p:spPr>
+          <a:xfrm>
+            <a:off x="2389397" y="3268506"/>
+            <a:ext cx="1042415" cy="0"/>
+          </a:xfrm>
+          <a:prstGeom prst="straightConnector1">
+            <a:avLst/>
+          </a:prstGeom>
+          <a:ln w="12700">
+            <a:solidFill>
+              <a:schemeClr val="tx1"/>
+            </a:solidFill>
+            <a:headEnd type="none" w="med" len="med"/>
+            <a:tailEnd type="arrow" w="med" len="med"/>
+          </a:ln>
+        </p:spPr>
+        <p:style>
+          <a:lnRef idx="1">
+            <a:schemeClr val="accent1"/>
+          </a:lnRef>
+          <a:fillRef idx="0">
+            <a:schemeClr val="accent1"/>
+          </a:fillRef>
+          <a:effectRef idx="0">
+            <a:schemeClr val="accent1"/>
+          </a:effectRef>
+          <a:fontRef idx="minor">
+            <a:schemeClr val="tx1"/>
+          </a:fontRef>
+        </p:style>
+      </p:cxnSp>
+      <p:cxnSp>
+        <p:nvCxnSpPr>
+          <p:cNvPr id="29" name="直接箭头连接符 28">
+            <a:extLst>
+              <a:ext uri="{FF2B5EF4-FFF2-40B4-BE49-F238E27FC236}">
+                <a16:creationId xmlns:a16="http://schemas.microsoft.com/office/drawing/2014/main" id="{914E0DBC-AE11-DF91-D07B-E8249A3FB88A}"/>
+              </a:ext>
+            </a:extLst>
+          </p:cNvPr>
+          <p:cNvCxnSpPr>
+            <a:cxnSpLocks/>
+            <a:stCxn id="20" idx="3"/>
+          </p:cNvCxnSpPr>
+          <p:nvPr/>
+        </p:nvCxnSpPr>
+        <p:spPr>
+          <a:xfrm flipV="1">
+            <a:off x="2389397" y="2468880"/>
+            <a:ext cx="1042415" cy="799626"/>
+          </a:xfrm>
+          <a:prstGeom prst="straightConnector1">
+            <a:avLst/>
+          </a:prstGeom>
+          <a:ln w="12700">
+            <a:solidFill>
+              <a:srgbClr val="FF0000"/>
+            </a:solidFill>
+            <a:prstDash val="sysDot"/>
+            <a:headEnd type="none" w="med" len="med"/>
+            <a:tailEnd type="arrow" w="med" len="med"/>
+          </a:ln>
+        </p:spPr>
+        <p:style>
+          <a:lnRef idx="1">
+            <a:schemeClr val="accent1"/>
+          </a:lnRef>
+          <a:fillRef idx="0">
+            <a:schemeClr val="accent1"/>
+          </a:fillRef>
+          <a:effectRef idx="0">
+            <a:schemeClr val="accent1"/>
+          </a:effectRef>
+          <a:fontRef idx="minor">
+            <a:schemeClr val="tx1"/>
+          </a:fontRef>
+        </p:style>
+      </p:cxnSp>
+      <p:sp>
+        <p:nvSpPr>
+          <p:cNvPr id="41" name="文本框 40">
+            <a:extLst>
+              <a:ext uri="{FF2B5EF4-FFF2-40B4-BE49-F238E27FC236}">
+                <a16:creationId xmlns:a16="http://schemas.microsoft.com/office/drawing/2014/main" id="{F62D4EA5-4282-719F-5CE8-1EA85C89617E}"/>
+              </a:ext>
+            </a:extLst>
+          </p:cNvPr>
+          <p:cNvSpPr txBox="1"/>
+          <p:nvPr/>
+        </p:nvSpPr>
+        <p:spPr>
+          <a:xfrm>
+            <a:off x="1924090" y="2793629"/>
+            <a:ext cx="902811" cy="307777"/>
+          </a:xfrm>
+          <a:prstGeom prst="rect">
+            <a:avLst/>
+          </a:prstGeom>
+          <a:noFill/>
+        </p:spPr>
+        <p:txBody>
+          <a:bodyPr wrap="square" rtlCol="0">
+            <a:spAutoFit/>
+          </a:bodyPr>
+          <a:lstStyle/>
+          <a:p>
+            <a:r>
+              <a:rPr lang="zh-CN" altLang="en-US" sz="1400" dirty="0"/>
+              <a:t>编译错误</a:t>
+            </a:r>
+          </a:p>
+        </p:txBody>
+      </p:sp>
+      <p:sp>
+        <p:nvSpPr>
+          <p:cNvPr id="44" name="矩形 43">
+            <a:extLst>
+              <a:ext uri="{FF2B5EF4-FFF2-40B4-BE49-F238E27FC236}">
+                <a16:creationId xmlns:a16="http://schemas.microsoft.com/office/drawing/2014/main" id="{2F946572-331B-B121-FAFE-FE2C51114601}"/>
+              </a:ext>
+            </a:extLst>
+          </p:cNvPr>
+          <p:cNvSpPr/>
+          <p:nvPr/>
+        </p:nvSpPr>
+        <p:spPr>
+          <a:xfrm>
+            <a:off x="6799853" y="567572"/>
+            <a:ext cx="1103373" cy="320989"/>
+          </a:xfrm>
+          <a:prstGeom prst="rect">
+            <a:avLst/>
+          </a:prstGeom>
+          <a:solidFill>
+            <a:schemeClr val="bg1"/>
+          </a:solidFill>
+          <a:ln>
+            <a:solidFill>
+              <a:schemeClr val="tx1"/>
+            </a:solidFill>
+          </a:ln>
+        </p:spPr>
+        <p:style>
+          <a:lnRef idx="2">
+            <a:schemeClr val="accent1">
+              <a:shade val="50000"/>
+            </a:schemeClr>
+          </a:lnRef>
+          <a:fillRef idx="1">
+            <a:schemeClr val="accent1"/>
+          </a:fillRef>
+          <a:effectRef idx="0">
+            <a:schemeClr val="accent1"/>
+          </a:effectRef>
+          <a:fontRef idx="minor">
+            <a:schemeClr val="lt1"/>
+          </a:fontRef>
+        </p:style>
+        <p:txBody>
+          <a:bodyPr rtlCol="0" anchor="ctr"/>
+          <a:lstStyle/>
+          <a:p>
+            <a:pPr algn="ctr"/>
+            <a:r>
+              <a:rPr lang="en-US" altLang="zh-CN" sz="1400" dirty="0">
+                <a:solidFill>
+                  <a:sysClr val="windowText" lastClr="000000"/>
+                </a:solidFill>
+                <a:latin typeface="Consolas" panose="020B0609020204030204" pitchFamily="49" charset="0"/>
+              </a:rPr>
+              <a:t>Point</a:t>
+            </a:r>
+            <a:r>
+              <a:rPr lang="zh-CN" altLang="en-US" sz="1400" dirty="0">
+                <a:solidFill>
+                  <a:sysClr val="windowText" lastClr="000000"/>
+                </a:solidFill>
+              </a:rPr>
+              <a:t>类</a:t>
+            </a:r>
+          </a:p>
+        </p:txBody>
+      </p:sp>
+      <p:sp>
+        <p:nvSpPr>
+          <p:cNvPr id="45" name="矩形 44">
+            <a:extLst>
+              <a:ext uri="{FF2B5EF4-FFF2-40B4-BE49-F238E27FC236}">
+                <a16:creationId xmlns:a16="http://schemas.microsoft.com/office/drawing/2014/main" id="{B7A56474-C60C-F9AF-13A9-1D82D7F5E783}"/>
+              </a:ext>
+            </a:extLst>
+          </p:cNvPr>
+          <p:cNvSpPr/>
+          <p:nvPr/>
+        </p:nvSpPr>
+        <p:spPr>
+          <a:xfrm>
+            <a:off x="8421389" y="567571"/>
+            <a:ext cx="1103373" cy="320989"/>
+          </a:xfrm>
+          <a:prstGeom prst="rect">
+            <a:avLst/>
+          </a:prstGeom>
+          <a:solidFill>
+            <a:schemeClr val="bg1"/>
+          </a:solidFill>
+          <a:ln>
+            <a:solidFill>
+              <a:schemeClr val="tx1"/>
+            </a:solidFill>
+          </a:ln>
+        </p:spPr>
+        <p:style>
+          <a:lnRef idx="2">
+            <a:schemeClr val="accent1">
+              <a:shade val="50000"/>
+            </a:schemeClr>
+          </a:lnRef>
+          <a:fillRef idx="1">
+            <a:schemeClr val="accent1"/>
+          </a:fillRef>
+          <a:effectRef idx="0">
+            <a:schemeClr val="accent1"/>
+          </a:effectRef>
+          <a:fontRef idx="minor">
+            <a:schemeClr val="lt1"/>
+          </a:fontRef>
+        </p:style>
+        <p:txBody>
+          <a:bodyPr rtlCol="0" anchor="ctr"/>
+          <a:lstStyle/>
+          <a:p>
+            <a:pPr algn="ctr"/>
+            <a:r>
+              <a:rPr lang="en-US" altLang="zh-CN" sz="1400" dirty="0">
+                <a:solidFill>
+                  <a:sysClr val="windowText" lastClr="000000"/>
+                </a:solidFill>
+                <a:latin typeface="Consolas" panose="020B0609020204030204" pitchFamily="49" charset="0"/>
+              </a:rPr>
+              <a:t>Radius</a:t>
+            </a:r>
+            <a:r>
+              <a:rPr lang="zh-CN" altLang="en-US" sz="1400" dirty="0">
+                <a:solidFill>
+                  <a:sysClr val="windowText" lastClr="000000"/>
+                </a:solidFill>
+              </a:rPr>
+              <a:t>类</a:t>
+            </a:r>
+          </a:p>
+        </p:txBody>
+      </p:sp>
+      <p:sp>
+        <p:nvSpPr>
+          <p:cNvPr id="46" name="矩形 45">
+            <a:extLst>
+              <a:ext uri="{FF2B5EF4-FFF2-40B4-BE49-F238E27FC236}">
+                <a16:creationId xmlns:a16="http://schemas.microsoft.com/office/drawing/2014/main" id="{532DCCBA-33C7-3F4E-D7B7-DCDA8430DAD9}"/>
+              </a:ext>
+            </a:extLst>
+          </p:cNvPr>
+          <p:cNvSpPr/>
+          <p:nvPr/>
+        </p:nvSpPr>
+        <p:spPr>
+          <a:xfrm>
+            <a:off x="7677677" y="1731908"/>
+            <a:ext cx="1103373" cy="320989"/>
+          </a:xfrm>
+          <a:prstGeom prst="rect">
+            <a:avLst/>
+          </a:prstGeom>
+          <a:solidFill>
+            <a:schemeClr val="bg1"/>
+          </a:solidFill>
+          <a:ln>
+            <a:solidFill>
+              <a:schemeClr val="tx1"/>
+            </a:solidFill>
+          </a:ln>
+        </p:spPr>
+        <p:style>
+          <a:lnRef idx="2">
+            <a:schemeClr val="accent1">
+              <a:shade val="50000"/>
+            </a:schemeClr>
+          </a:lnRef>
+          <a:fillRef idx="1">
+            <a:schemeClr val="accent1"/>
+          </a:fillRef>
+          <a:effectRef idx="0">
+            <a:schemeClr val="accent1"/>
+          </a:effectRef>
+          <a:fontRef idx="minor">
+            <a:schemeClr val="lt1"/>
+          </a:fontRef>
+        </p:style>
+        <p:txBody>
+          <a:bodyPr rtlCol="0" anchor="ctr"/>
+          <a:lstStyle/>
+          <a:p>
+            <a:pPr algn="ctr"/>
+            <a:r>
+              <a:rPr lang="en-US" altLang="zh-CN" sz="1400" dirty="0">
+                <a:solidFill>
+                  <a:sysClr val="windowText" lastClr="000000"/>
+                </a:solidFill>
+                <a:latin typeface="Consolas" panose="020B0609020204030204" pitchFamily="49" charset="0"/>
+              </a:rPr>
+              <a:t>Circle</a:t>
+            </a:r>
+            <a:r>
+              <a:rPr lang="zh-CN" altLang="en-US" sz="1400" dirty="0">
+                <a:solidFill>
+                  <a:sysClr val="windowText" lastClr="000000"/>
+                </a:solidFill>
+              </a:rPr>
+              <a:t>类</a:t>
+            </a:r>
+          </a:p>
+        </p:txBody>
+      </p:sp>
+      <p:cxnSp>
+        <p:nvCxnSpPr>
+          <p:cNvPr id="48" name="直接箭头连接符 47">
+            <a:extLst>
+              <a:ext uri="{FF2B5EF4-FFF2-40B4-BE49-F238E27FC236}">
+                <a16:creationId xmlns:a16="http://schemas.microsoft.com/office/drawing/2014/main" id="{A9192893-DFBC-98D3-1C9C-ADBF49F2CA60}"/>
+              </a:ext>
+            </a:extLst>
+          </p:cNvPr>
+          <p:cNvCxnSpPr>
+            <a:cxnSpLocks/>
+            <a:endCxn id="44" idx="2"/>
+          </p:cNvCxnSpPr>
+          <p:nvPr/>
+        </p:nvCxnSpPr>
+        <p:spPr>
+          <a:xfrm flipH="1" flipV="1">
+            <a:off x="7351540" y="888561"/>
+            <a:ext cx="579238" cy="843347"/>
+          </a:xfrm>
+          <a:prstGeom prst="straightConnector1">
+            <a:avLst/>
+          </a:prstGeom>
+          <a:ln w="12700">
+            <a:solidFill>
+              <a:schemeClr val="tx1"/>
+            </a:solidFill>
+            <a:tailEnd type="triangle"/>
+          </a:ln>
+        </p:spPr>
+        <p:style>
+          <a:lnRef idx="1">
+            <a:schemeClr val="accent1"/>
+          </a:lnRef>
+          <a:fillRef idx="0">
+            <a:schemeClr val="accent1"/>
+          </a:fillRef>
+          <a:effectRef idx="0">
+            <a:schemeClr val="accent1"/>
+          </a:effectRef>
+          <a:fontRef idx="minor">
+            <a:schemeClr val="tx1"/>
+          </a:fontRef>
+        </p:style>
+      </p:cxnSp>
+      <p:cxnSp>
+        <p:nvCxnSpPr>
+          <p:cNvPr id="50" name="直接箭头连接符 49">
+            <a:extLst>
+              <a:ext uri="{FF2B5EF4-FFF2-40B4-BE49-F238E27FC236}">
+                <a16:creationId xmlns:a16="http://schemas.microsoft.com/office/drawing/2014/main" id="{DA050D80-C932-289A-690C-ACE1ABDFBDFA}"/>
+              </a:ext>
+            </a:extLst>
+          </p:cNvPr>
+          <p:cNvCxnSpPr>
+            <a:endCxn id="45" idx="2"/>
+          </p:cNvCxnSpPr>
+          <p:nvPr/>
+        </p:nvCxnSpPr>
+        <p:spPr>
+          <a:xfrm flipV="1">
+            <a:off x="8510016" y="888560"/>
+            <a:ext cx="463060" cy="843348"/>
+          </a:xfrm>
+          <a:prstGeom prst="straightConnector1">
+            <a:avLst/>
+          </a:prstGeom>
+          <a:ln w="12700">
+            <a:solidFill>
+              <a:schemeClr val="tx1"/>
+            </a:solidFill>
+            <a:tailEnd type="triangle"/>
+          </a:ln>
+        </p:spPr>
+        <p:style>
+          <a:lnRef idx="1">
+            <a:schemeClr val="accent1"/>
+          </a:lnRef>
+          <a:fillRef idx="0">
+            <a:schemeClr val="accent1"/>
+          </a:fillRef>
+          <a:effectRef idx="0">
+            <a:schemeClr val="accent1"/>
+          </a:effectRef>
+          <a:fontRef idx="minor">
+            <a:schemeClr val="tx1"/>
+          </a:fontRef>
+        </p:style>
+      </p:cxnSp>
+    </p:spTree>
+    <p:extLst>
+      <p:ext uri="{BB962C8B-B14F-4D97-AF65-F5344CB8AC3E}">
+        <p14:creationId xmlns:p14="http://schemas.microsoft.com/office/powerpoint/2010/main" val="4167435929"/>
+      </p:ext>
+    </p:extLst>
+  </p:cSld>
+  <p:clrMapOvr>
+    <a:masterClrMapping/>
+  </p:clrMapOvr>
+</p:sld>
+</file>
+
+<file path=ppt/slides/slide4.xml><?xml version="1.0" encoding="utf-8"?>
+<p:sld xmlns:a="http://schemas.openxmlformats.org/drawingml/2006/main" xmlns:r="http://schemas.openxmlformats.org/officeDocument/2006/relationships" xmlns:p="http://schemas.openxmlformats.org/presentationml/2006/main">
+  <p:cSld>
+    <p:spTree>
+      <p:nvGrpSpPr>
+        <p:cNvPr id="1" name=""/>
+        <p:cNvGrpSpPr/>
+        <p:nvPr/>
+      </p:nvGrpSpPr>
+      <p:grpSpPr>
+        <a:xfrm>
+          <a:off x="0" y="0"/>
+          <a:ext cx="0" cy="0"/>
+          <a:chOff x="0" y="0"/>
+          <a:chExt cx="0" cy="0"/>
+        </a:xfrm>
+      </p:grpSpPr>
+      <p:sp>
+        <p:nvSpPr>
+          <p:cNvPr id="4" name="矩形 3">
+            <a:extLst>
+              <a:ext uri="{FF2B5EF4-FFF2-40B4-BE49-F238E27FC236}">
+                <a16:creationId xmlns:a16="http://schemas.microsoft.com/office/drawing/2014/main" id="{172EDB28-A8BD-24E8-18F1-63FB23C955F5}"/>
+              </a:ext>
+            </a:extLst>
+          </p:cNvPr>
+          <p:cNvSpPr/>
+          <p:nvPr/>
+        </p:nvSpPr>
+        <p:spPr>
+          <a:xfrm>
+            <a:off x="853440" y="320040"/>
+            <a:ext cx="1412240" cy="320040"/>
+          </a:xfrm>
+          <a:prstGeom prst="rect">
+            <a:avLst/>
+          </a:prstGeom>
+          <a:solidFill>
+            <a:schemeClr val="bg1"/>
+          </a:solidFill>
+          <a:ln>
+            <a:solidFill>
+              <a:schemeClr val="tx1"/>
+            </a:solidFill>
+          </a:ln>
+        </p:spPr>
+        <p:style>
+          <a:lnRef idx="2">
+            <a:schemeClr val="accent1">
+              <a:shade val="50000"/>
+            </a:schemeClr>
+          </a:lnRef>
+          <a:fillRef idx="1">
+            <a:schemeClr val="accent1"/>
+          </a:fillRef>
+          <a:effectRef idx="0">
+            <a:schemeClr val="accent1"/>
+          </a:effectRef>
+          <a:fontRef idx="minor">
+            <a:schemeClr val="lt1"/>
+          </a:fontRef>
+        </p:style>
+        <p:txBody>
+          <a:bodyPr rtlCol="0" anchor="ctr"/>
+          <a:lstStyle/>
+          <a:p>
+            <a:pPr algn="ctr"/>
+            <a:r>
+              <a:rPr lang="en-US" altLang="zh-CN" sz="1400" dirty="0">
+                <a:solidFill>
+                  <a:sysClr val="windowText" lastClr="000000"/>
+                </a:solidFill>
+                <a:latin typeface="Consolas" panose="020B0609020204030204" pitchFamily="49" charset="0"/>
+              </a:rPr>
+              <a:t>A</a:t>
+            </a:r>
+            <a:endParaRPr lang="zh-CN" altLang="en-US" sz="1400" dirty="0">
+              <a:solidFill>
+                <a:sysClr val="windowText" lastClr="000000"/>
+              </a:solidFill>
+              <a:latin typeface="Consolas" panose="020B0609020204030204" pitchFamily="49" charset="0"/>
+            </a:endParaRPr>
+          </a:p>
+        </p:txBody>
+      </p:sp>
+      <p:sp>
+        <p:nvSpPr>
+          <p:cNvPr id="6" name="矩形 5">
+            <a:extLst>
+              <a:ext uri="{FF2B5EF4-FFF2-40B4-BE49-F238E27FC236}">
+                <a16:creationId xmlns:a16="http://schemas.microsoft.com/office/drawing/2014/main" id="{09D7365A-91D4-D65E-4D04-42E616CB4413}"/>
+              </a:ext>
+            </a:extLst>
+          </p:cNvPr>
+          <p:cNvSpPr/>
+          <p:nvPr/>
+        </p:nvSpPr>
+        <p:spPr>
+          <a:xfrm>
+            <a:off x="853440" y="640080"/>
+            <a:ext cx="1412240" cy="320040"/>
+          </a:xfrm>
+          <a:prstGeom prst="rect">
+            <a:avLst/>
+          </a:prstGeom>
+          <a:solidFill>
+            <a:schemeClr val="bg1"/>
+          </a:solidFill>
+          <a:ln>
+            <a:solidFill>
+              <a:schemeClr val="tx1"/>
+            </a:solidFill>
+          </a:ln>
+        </p:spPr>
+        <p:style>
+          <a:lnRef idx="2">
+            <a:schemeClr val="accent1">
+              <a:shade val="50000"/>
+            </a:schemeClr>
+          </a:lnRef>
+          <a:fillRef idx="1">
+            <a:schemeClr val="accent1"/>
+          </a:fillRef>
+          <a:effectRef idx="0">
+            <a:schemeClr val="accent1"/>
+          </a:effectRef>
+          <a:fontRef idx="minor">
+            <a:schemeClr val="lt1"/>
+          </a:fontRef>
+        </p:style>
+        <p:txBody>
+          <a:bodyPr rtlCol="0" anchor="ctr"/>
+          <a:lstStyle/>
+          <a:p>
+            <a:pPr algn="ctr"/>
+            <a:r>
+              <a:rPr lang="en-US" altLang="zh-CN" sz="1400" dirty="0">
+                <a:solidFill>
+                  <a:sysClr val="windowText" lastClr="000000"/>
+                </a:solidFill>
+                <a:latin typeface="Consolas" panose="020B0609020204030204" pitchFamily="49" charset="0"/>
+              </a:rPr>
+              <a:t>+ f(): void</a:t>
+            </a:r>
+            <a:endParaRPr lang="zh-CN" altLang="en-US" sz="1400" dirty="0">
+              <a:solidFill>
+                <a:sysClr val="windowText" lastClr="000000"/>
+              </a:solidFill>
+              <a:latin typeface="Consolas" panose="020B0609020204030204" pitchFamily="49" charset="0"/>
+            </a:endParaRPr>
+          </a:p>
+        </p:txBody>
+      </p:sp>
+      <p:sp>
+        <p:nvSpPr>
+          <p:cNvPr id="7" name="矩形 6">
+            <a:extLst>
+              <a:ext uri="{FF2B5EF4-FFF2-40B4-BE49-F238E27FC236}">
+                <a16:creationId xmlns:a16="http://schemas.microsoft.com/office/drawing/2014/main" id="{3CBEF9E2-B8E0-22E3-6AB3-18917AA15768}"/>
+              </a:ext>
+            </a:extLst>
+          </p:cNvPr>
+          <p:cNvSpPr/>
+          <p:nvPr/>
+        </p:nvSpPr>
+        <p:spPr>
+          <a:xfrm>
+            <a:off x="3017520" y="320040"/>
+            <a:ext cx="1412240" cy="320040"/>
+          </a:xfrm>
+          <a:prstGeom prst="rect">
+            <a:avLst/>
+          </a:prstGeom>
+          <a:solidFill>
+            <a:schemeClr val="bg1"/>
+          </a:solidFill>
+          <a:ln>
+            <a:solidFill>
+              <a:schemeClr val="tx1"/>
+            </a:solidFill>
+          </a:ln>
+        </p:spPr>
+        <p:style>
+          <a:lnRef idx="2">
+            <a:schemeClr val="accent1">
+              <a:shade val="50000"/>
+            </a:schemeClr>
+          </a:lnRef>
+          <a:fillRef idx="1">
+            <a:schemeClr val="accent1"/>
+          </a:fillRef>
+          <a:effectRef idx="0">
+            <a:schemeClr val="accent1"/>
+          </a:effectRef>
+          <a:fontRef idx="minor">
+            <a:schemeClr val="lt1"/>
+          </a:fontRef>
+        </p:style>
+        <p:txBody>
+          <a:bodyPr rtlCol="0" anchor="ctr"/>
+          <a:lstStyle/>
+          <a:p>
+            <a:pPr algn="ctr"/>
+            <a:r>
+              <a:rPr lang="en-US" altLang="zh-CN" sz="1400" dirty="0">
+                <a:solidFill>
+                  <a:sysClr val="windowText" lastClr="000000"/>
+                </a:solidFill>
+                <a:latin typeface="Consolas" panose="020B0609020204030204" pitchFamily="49" charset="0"/>
+              </a:rPr>
+              <a:t>B</a:t>
+            </a:r>
+            <a:endParaRPr lang="zh-CN" altLang="en-US" sz="1400" dirty="0">
+              <a:solidFill>
+                <a:sysClr val="windowText" lastClr="000000"/>
+              </a:solidFill>
+              <a:latin typeface="Consolas" panose="020B0609020204030204" pitchFamily="49" charset="0"/>
+            </a:endParaRPr>
+          </a:p>
+        </p:txBody>
+      </p:sp>
+      <p:sp>
+        <p:nvSpPr>
+          <p:cNvPr id="8" name="矩形 7">
+            <a:extLst>
+              <a:ext uri="{FF2B5EF4-FFF2-40B4-BE49-F238E27FC236}">
+                <a16:creationId xmlns:a16="http://schemas.microsoft.com/office/drawing/2014/main" id="{DE61BD69-DECC-F8D0-C88D-DA2FD0AFAC10}"/>
+              </a:ext>
+            </a:extLst>
+          </p:cNvPr>
+          <p:cNvSpPr/>
+          <p:nvPr/>
+        </p:nvSpPr>
+        <p:spPr>
+          <a:xfrm>
+            <a:off x="3017520" y="640080"/>
+            <a:ext cx="1412240" cy="822960"/>
+          </a:xfrm>
+          <a:prstGeom prst="rect">
+            <a:avLst/>
+          </a:prstGeom>
+          <a:solidFill>
+            <a:schemeClr val="bg1"/>
+          </a:solidFill>
+          <a:ln>
+            <a:solidFill>
+              <a:schemeClr val="tx1"/>
+            </a:solidFill>
+          </a:ln>
+        </p:spPr>
+        <p:style>
+          <a:lnRef idx="2">
+            <a:schemeClr val="accent1">
+              <a:shade val="50000"/>
+            </a:schemeClr>
+          </a:lnRef>
+          <a:fillRef idx="1">
+            <a:schemeClr val="accent1"/>
+          </a:fillRef>
+          <a:effectRef idx="0">
+            <a:schemeClr val="accent1"/>
+          </a:effectRef>
+          <a:fontRef idx="minor">
+            <a:schemeClr val="lt1"/>
+          </a:fontRef>
+        </p:style>
+        <p:txBody>
+          <a:bodyPr rtlCol="0" anchor="ctr"/>
+          <a:lstStyle/>
+          <a:p>
+            <a:pPr algn="ctr"/>
+            <a:r>
+              <a:rPr lang="en-US" altLang="zh-CN" sz="1400" dirty="0">
+                <a:solidFill>
+                  <a:sysClr val="windowText" lastClr="000000"/>
+                </a:solidFill>
+                <a:latin typeface="Consolas" panose="020B0609020204030204" pitchFamily="49" charset="0"/>
+              </a:rPr>
+              <a:t>+ f(): void</a:t>
+            </a:r>
+            <a:br>
+              <a:rPr lang="en-US" altLang="zh-CN" sz="1400" dirty="0">
+                <a:solidFill>
+                  <a:sysClr val="windowText" lastClr="000000"/>
+                </a:solidFill>
+                <a:latin typeface="Consolas" panose="020B0609020204030204" pitchFamily="49" charset="0"/>
+              </a:rPr>
+            </a:br>
+            <a:r>
+              <a:rPr lang="en-US" altLang="zh-CN" sz="1400" dirty="0">
+                <a:solidFill>
+                  <a:sysClr val="windowText" lastClr="000000"/>
+                </a:solidFill>
+                <a:latin typeface="Consolas" panose="020B0609020204030204" pitchFamily="49" charset="0"/>
+              </a:rPr>
+              <a:t>+ g(): void</a:t>
+            </a:r>
+            <a:endParaRPr lang="zh-CN" altLang="en-US" sz="1400" dirty="0">
+              <a:solidFill>
+                <a:sysClr val="windowText" lastClr="000000"/>
+              </a:solidFill>
+              <a:latin typeface="Consolas" panose="020B0609020204030204" pitchFamily="49" charset="0"/>
+            </a:endParaRPr>
+          </a:p>
+        </p:txBody>
+      </p:sp>
+      <p:sp>
+        <p:nvSpPr>
+          <p:cNvPr id="9" name="矩形 8">
+            <a:extLst>
+              <a:ext uri="{FF2B5EF4-FFF2-40B4-BE49-F238E27FC236}">
+                <a16:creationId xmlns:a16="http://schemas.microsoft.com/office/drawing/2014/main" id="{86FBAF61-61CA-D29F-2064-232BA04CA86C}"/>
+              </a:ext>
+            </a:extLst>
+          </p:cNvPr>
+          <p:cNvSpPr/>
+          <p:nvPr/>
+        </p:nvSpPr>
+        <p:spPr>
+          <a:xfrm>
+            <a:off x="1889760" y="2285999"/>
+            <a:ext cx="1714500" cy="361527"/>
+          </a:xfrm>
+          <a:prstGeom prst="rect">
+            <a:avLst/>
+          </a:prstGeom>
+          <a:solidFill>
+            <a:schemeClr val="bg1"/>
+          </a:solidFill>
+          <a:ln>
+            <a:solidFill>
+              <a:schemeClr val="tx1"/>
+            </a:solidFill>
+          </a:ln>
+        </p:spPr>
+        <p:style>
+          <a:lnRef idx="2">
+            <a:schemeClr val="accent1">
+              <a:shade val="50000"/>
+            </a:schemeClr>
+          </a:lnRef>
+          <a:fillRef idx="1">
+            <a:schemeClr val="accent1"/>
+          </a:fillRef>
+          <a:effectRef idx="0">
+            <a:schemeClr val="accent1"/>
+          </a:effectRef>
+          <a:fontRef idx="minor">
+            <a:schemeClr val="lt1"/>
+          </a:fontRef>
+        </p:style>
+        <p:txBody>
+          <a:bodyPr rtlCol="0" anchor="ctr"/>
+          <a:lstStyle/>
+          <a:p>
+            <a:pPr algn="ctr"/>
+            <a:r>
+              <a:rPr lang="en-US" altLang="zh-CN" sz="1400" dirty="0">
+                <a:solidFill>
+                  <a:sysClr val="windowText" lastClr="000000"/>
+                </a:solidFill>
+                <a:latin typeface="Consolas" panose="020B0609020204030204" pitchFamily="49" charset="0"/>
+              </a:rPr>
+              <a:t>C</a:t>
+            </a:r>
+            <a:endParaRPr lang="zh-CN" altLang="en-US" sz="1400" dirty="0">
+              <a:solidFill>
+                <a:sysClr val="windowText" lastClr="000000"/>
+              </a:solidFill>
+              <a:latin typeface="Consolas" panose="020B0609020204030204" pitchFamily="49" charset="0"/>
+            </a:endParaRPr>
+          </a:p>
+        </p:txBody>
+      </p:sp>
+      <p:sp>
+        <p:nvSpPr>
+          <p:cNvPr id="10" name="矩形 9">
+            <a:extLst>
+              <a:ext uri="{FF2B5EF4-FFF2-40B4-BE49-F238E27FC236}">
+                <a16:creationId xmlns:a16="http://schemas.microsoft.com/office/drawing/2014/main" id="{AD2BF18C-85CB-8FC5-C461-DBCC6E6D7478}"/>
+              </a:ext>
+            </a:extLst>
+          </p:cNvPr>
+          <p:cNvSpPr/>
+          <p:nvPr/>
+        </p:nvSpPr>
+        <p:spPr>
+          <a:xfrm>
+            <a:off x="1889760" y="2606040"/>
+            <a:ext cx="1714500" cy="813922"/>
+          </a:xfrm>
+          <a:prstGeom prst="rect">
+            <a:avLst/>
+          </a:prstGeom>
+          <a:solidFill>
+            <a:schemeClr val="bg1"/>
+          </a:solidFill>
+          <a:ln>
+            <a:solidFill>
+              <a:schemeClr val="tx1"/>
+            </a:solidFill>
+          </a:ln>
+        </p:spPr>
+        <p:style>
+          <a:lnRef idx="2">
+            <a:schemeClr val="accent1">
+              <a:shade val="50000"/>
+            </a:schemeClr>
+          </a:lnRef>
+          <a:fillRef idx="1">
+            <a:schemeClr val="accent1"/>
+          </a:fillRef>
+          <a:effectRef idx="0">
+            <a:schemeClr val="accent1"/>
+          </a:effectRef>
+          <a:fontRef idx="minor">
+            <a:schemeClr val="lt1"/>
+          </a:fontRef>
+        </p:style>
+        <p:txBody>
+          <a:bodyPr rtlCol="0" anchor="ctr"/>
+          <a:lstStyle/>
+          <a:p>
+            <a:pPr algn="ctr"/>
+            <a:r>
+              <a:rPr lang="en-US" altLang="zh-CN" sz="1400" dirty="0">
+                <a:solidFill>
+                  <a:schemeClr val="bg1">
+                    <a:lumMod val="50000"/>
+                  </a:schemeClr>
+                </a:solidFill>
+                <a:latin typeface="Consolas" panose="020B0609020204030204" pitchFamily="49" charset="0"/>
+              </a:rPr>
+              <a:t>+ f(): void,A</a:t>
+            </a:r>
+            <a:br>
+              <a:rPr lang="en-US" altLang="zh-CN" sz="1400" dirty="0">
+                <a:solidFill>
+                  <a:schemeClr val="bg1">
+                    <a:lumMod val="50000"/>
+                  </a:schemeClr>
+                </a:solidFill>
+                <a:latin typeface="Consolas" panose="020B0609020204030204" pitchFamily="49" charset="0"/>
+              </a:rPr>
+            </a:br>
+            <a:r>
+              <a:rPr lang="en-US" altLang="zh-CN" sz="1400" dirty="0">
+                <a:solidFill>
+                  <a:schemeClr val="bg1">
+                    <a:lumMod val="50000"/>
+                  </a:schemeClr>
+                </a:solidFill>
+                <a:latin typeface="Consolas" panose="020B0609020204030204" pitchFamily="49" charset="0"/>
+              </a:rPr>
+              <a:t>+ g(): void,B</a:t>
+            </a:r>
+          </a:p>
+          <a:p>
+            <a:pPr algn="ctr"/>
+            <a:r>
+              <a:rPr lang="en-US" altLang="zh-CN" sz="1400" dirty="0">
+                <a:solidFill>
+                  <a:schemeClr val="bg1">
+                    <a:lumMod val="50000"/>
+                  </a:schemeClr>
+                </a:solidFill>
+                <a:latin typeface="Consolas" panose="020B0609020204030204" pitchFamily="49" charset="0"/>
+              </a:rPr>
+              <a:t>+ g(): void,B</a:t>
+            </a:r>
+          </a:p>
+        </p:txBody>
+      </p:sp>
+      <p:sp>
+        <p:nvSpPr>
+          <p:cNvPr id="11" name="矩形 10">
+            <a:extLst>
+              <a:ext uri="{FF2B5EF4-FFF2-40B4-BE49-F238E27FC236}">
+                <a16:creationId xmlns:a16="http://schemas.microsoft.com/office/drawing/2014/main" id="{1A141599-FDB6-905B-2F6D-566EA3D757C8}"/>
+              </a:ext>
+            </a:extLst>
+          </p:cNvPr>
+          <p:cNvSpPr/>
+          <p:nvPr/>
+        </p:nvSpPr>
+        <p:spPr>
+          <a:xfrm>
+            <a:off x="1889760" y="3390898"/>
+            <a:ext cx="1714500" cy="441960"/>
+          </a:xfrm>
+          <a:prstGeom prst="rect">
+            <a:avLst/>
+          </a:prstGeom>
+          <a:solidFill>
+            <a:schemeClr val="bg1"/>
+          </a:solidFill>
+          <a:ln>
+            <a:solidFill>
+              <a:schemeClr val="tx1"/>
+            </a:solidFill>
+          </a:ln>
+        </p:spPr>
+        <p:style>
+          <a:lnRef idx="2">
+            <a:schemeClr val="accent1">
+              <a:shade val="50000"/>
+            </a:schemeClr>
+          </a:lnRef>
+          <a:fillRef idx="1">
+            <a:schemeClr val="accent1"/>
+          </a:fillRef>
+          <a:effectRef idx="0">
+            <a:schemeClr val="accent1"/>
+          </a:effectRef>
+          <a:fontRef idx="minor">
+            <a:schemeClr val="lt1"/>
+          </a:fontRef>
+        </p:style>
+        <p:txBody>
+          <a:bodyPr rtlCol="0" anchor="ctr"/>
+          <a:lstStyle/>
+          <a:p>
+            <a:pPr algn="ctr"/>
+            <a:r>
+              <a:rPr lang="en-US" altLang="zh-CN" sz="1400" dirty="0">
+                <a:solidFill>
+                  <a:sysClr val="windowText" lastClr="000000"/>
+                </a:solidFill>
+                <a:latin typeface="Consolas" panose="020B0609020204030204" pitchFamily="49" charset="0"/>
+              </a:rPr>
+              <a:t>+ g(): void</a:t>
+            </a:r>
+          </a:p>
+          <a:p>
+            <a:pPr algn="ctr"/>
+            <a:r>
+              <a:rPr lang="en-US" altLang="zh-CN" sz="1400" dirty="0">
+                <a:solidFill>
+                  <a:sysClr val="windowText" lastClr="000000"/>
+                </a:solidFill>
+                <a:latin typeface="Consolas" panose="020B0609020204030204" pitchFamily="49" charset="0"/>
+              </a:rPr>
+              <a:t>+ h():void</a:t>
+            </a:r>
+          </a:p>
+        </p:txBody>
+      </p:sp>
+      <p:cxnSp>
+        <p:nvCxnSpPr>
+          <p:cNvPr id="13" name="直接箭头连接符 12">
+            <a:extLst>
+              <a:ext uri="{FF2B5EF4-FFF2-40B4-BE49-F238E27FC236}">
+                <a16:creationId xmlns:a16="http://schemas.microsoft.com/office/drawing/2014/main" id="{F0DABF6F-5D33-6C6E-5910-20F8D1C8E101}"/>
+              </a:ext>
+            </a:extLst>
+          </p:cNvPr>
+          <p:cNvCxnSpPr>
+            <a:endCxn id="6" idx="2"/>
+          </p:cNvCxnSpPr>
+          <p:nvPr/>
+        </p:nvCxnSpPr>
+        <p:spPr>
+          <a:xfrm flipH="1" flipV="1">
+            <a:off x="1559560" y="960120"/>
+            <a:ext cx="528320" cy="1325879"/>
+          </a:xfrm>
+          <a:prstGeom prst="straightConnector1">
+            <a:avLst/>
+          </a:prstGeom>
+          <a:ln w="12700">
+            <a:solidFill>
+              <a:schemeClr val="tx1"/>
+            </a:solidFill>
+            <a:tailEnd type="triangle"/>
+          </a:ln>
+        </p:spPr>
+        <p:style>
+          <a:lnRef idx="1">
+            <a:schemeClr val="accent1"/>
+          </a:lnRef>
+          <a:fillRef idx="0">
+            <a:schemeClr val="accent1"/>
+          </a:fillRef>
+          <a:effectRef idx="0">
+            <a:schemeClr val="accent1"/>
+          </a:effectRef>
+          <a:fontRef idx="minor">
+            <a:schemeClr val="tx1"/>
+          </a:fontRef>
+        </p:style>
+      </p:cxnSp>
+      <p:cxnSp>
+        <p:nvCxnSpPr>
+          <p:cNvPr id="15" name="直接箭头连接符 14">
+            <a:extLst>
+              <a:ext uri="{FF2B5EF4-FFF2-40B4-BE49-F238E27FC236}">
+                <a16:creationId xmlns:a16="http://schemas.microsoft.com/office/drawing/2014/main" id="{EF618566-5F81-4A6F-A9F2-947471A87B84}"/>
+              </a:ext>
+            </a:extLst>
+          </p:cNvPr>
+          <p:cNvCxnSpPr>
+            <a:endCxn id="8" idx="2"/>
+          </p:cNvCxnSpPr>
+          <p:nvPr/>
+        </p:nvCxnSpPr>
+        <p:spPr>
+          <a:xfrm flipV="1">
+            <a:off x="3017520" y="1463040"/>
+            <a:ext cx="706120" cy="822959"/>
+          </a:xfrm>
+          <a:prstGeom prst="straightConnector1">
+            <a:avLst/>
+          </a:prstGeom>
+          <a:ln w="12700">
+            <a:solidFill>
+              <a:schemeClr val="tx1"/>
+            </a:solidFill>
+            <a:tailEnd type="triangle"/>
+          </a:ln>
+        </p:spPr>
+        <p:style>
+          <a:lnRef idx="1">
+            <a:schemeClr val="accent1"/>
+          </a:lnRef>
+          <a:fillRef idx="0">
+            <a:schemeClr val="accent1"/>
+          </a:fillRef>
+          <a:effectRef idx="0">
+            <a:schemeClr val="accent1"/>
+          </a:effectRef>
+          <a:fontRef idx="minor">
+            <a:schemeClr val="tx1"/>
+          </a:fontRef>
+        </p:style>
+      </p:cxnSp>
+      <p:sp>
+        <p:nvSpPr>
+          <p:cNvPr id="16" name="文本框 15">
+            <a:extLst>
+              <a:ext uri="{FF2B5EF4-FFF2-40B4-BE49-F238E27FC236}">
+                <a16:creationId xmlns:a16="http://schemas.microsoft.com/office/drawing/2014/main" id="{474F38D7-FEB9-DC63-576B-8F6D228F4DAC}"/>
+              </a:ext>
+            </a:extLst>
+          </p:cNvPr>
+          <p:cNvSpPr txBox="1"/>
+          <p:nvPr/>
+        </p:nvSpPr>
+        <p:spPr>
+          <a:xfrm>
+            <a:off x="910786" y="1505187"/>
+            <a:ext cx="944489" cy="369332"/>
+          </a:xfrm>
+          <a:prstGeom prst="rect">
+            <a:avLst/>
+          </a:prstGeom>
+          <a:noFill/>
+        </p:spPr>
+        <p:txBody>
+          <a:bodyPr wrap="none" rtlCol="0">
+            <a:spAutoFit/>
+          </a:bodyPr>
+          <a:lstStyle/>
+          <a:p>
+            <a:r>
+              <a:rPr lang="en-US" altLang="zh-CN" dirty="0">
+                <a:latin typeface="Consolas" panose="020B0609020204030204" pitchFamily="49" charset="0"/>
+              </a:rPr>
+              <a:t>public</a:t>
+            </a:r>
+            <a:endParaRPr lang="zh-CN" altLang="en-US" dirty="0">
+              <a:latin typeface="Consolas" panose="020B0609020204030204" pitchFamily="49" charset="0"/>
+            </a:endParaRPr>
+          </a:p>
+        </p:txBody>
+      </p:sp>
+      <p:sp>
+        <p:nvSpPr>
+          <p:cNvPr id="17" name="文本框 16">
+            <a:extLst>
+              <a:ext uri="{FF2B5EF4-FFF2-40B4-BE49-F238E27FC236}">
+                <a16:creationId xmlns:a16="http://schemas.microsoft.com/office/drawing/2014/main" id="{BD813CED-5F09-62B1-41BD-156C6432E5FC}"/>
+              </a:ext>
+            </a:extLst>
+          </p:cNvPr>
+          <p:cNvSpPr txBox="1"/>
+          <p:nvPr/>
+        </p:nvSpPr>
+        <p:spPr>
+          <a:xfrm>
+            <a:off x="6256411" y="1716760"/>
+            <a:ext cx="944489" cy="369332"/>
+          </a:xfrm>
+          <a:prstGeom prst="rect">
+            <a:avLst/>
+          </a:prstGeom>
+          <a:noFill/>
+        </p:spPr>
+        <p:txBody>
+          <a:bodyPr wrap="none" rtlCol="0">
+            <a:spAutoFit/>
+          </a:bodyPr>
+          <a:lstStyle/>
+          <a:p>
+            <a:r>
+              <a:rPr lang="en-US" altLang="zh-CN" dirty="0">
+                <a:latin typeface="Consolas" panose="020B0609020204030204" pitchFamily="49" charset="0"/>
+              </a:rPr>
+              <a:t>public</a:t>
+            </a:r>
+            <a:endParaRPr lang="zh-CN" altLang="en-US" dirty="0">
+              <a:latin typeface="Consolas" panose="020B0609020204030204" pitchFamily="49" charset="0"/>
+            </a:endParaRPr>
+          </a:p>
+        </p:txBody>
+      </p:sp>
+      <p:sp>
+        <p:nvSpPr>
+          <p:cNvPr id="18" name="矩形 17">
+            <a:extLst>
+              <a:ext uri="{FF2B5EF4-FFF2-40B4-BE49-F238E27FC236}">
+                <a16:creationId xmlns:a16="http://schemas.microsoft.com/office/drawing/2014/main" id="{BDEB67F4-862C-093E-3CC0-518AE4AF64B1}"/>
+              </a:ext>
+            </a:extLst>
+          </p:cNvPr>
+          <p:cNvSpPr/>
+          <p:nvPr/>
+        </p:nvSpPr>
+        <p:spPr>
+          <a:xfrm>
+            <a:off x="7322820" y="960120"/>
+            <a:ext cx="1412240" cy="320040"/>
+          </a:xfrm>
+          <a:prstGeom prst="rect">
+            <a:avLst/>
+          </a:prstGeom>
+          <a:solidFill>
+            <a:schemeClr val="bg1"/>
+          </a:solidFill>
+          <a:ln>
+            <a:solidFill>
+              <a:schemeClr val="tx1"/>
+            </a:solidFill>
+          </a:ln>
+        </p:spPr>
+        <p:style>
+          <a:lnRef idx="2">
+            <a:schemeClr val="accent1">
+              <a:shade val="50000"/>
+            </a:schemeClr>
+          </a:lnRef>
+          <a:fillRef idx="1">
+            <a:schemeClr val="accent1"/>
+          </a:fillRef>
+          <a:effectRef idx="0">
+            <a:schemeClr val="accent1"/>
+          </a:effectRef>
+          <a:fontRef idx="minor">
+            <a:schemeClr val="lt1"/>
+          </a:fontRef>
+        </p:style>
+        <p:txBody>
+          <a:bodyPr rtlCol="0" anchor="ctr"/>
+          <a:lstStyle/>
+          <a:p>
+            <a:pPr algn="ctr"/>
+            <a:r>
+              <a:rPr lang="en-US" altLang="zh-CN" sz="1400" dirty="0">
+                <a:solidFill>
+                  <a:sysClr val="windowText" lastClr="000000"/>
+                </a:solidFill>
+                <a:latin typeface="Consolas" panose="020B0609020204030204" pitchFamily="49" charset="0"/>
+              </a:rPr>
+              <a:t>A</a:t>
+            </a:r>
+            <a:endParaRPr lang="zh-CN" altLang="en-US" sz="1400" dirty="0">
+              <a:solidFill>
+                <a:sysClr val="windowText" lastClr="000000"/>
+              </a:solidFill>
+              <a:latin typeface="Consolas" panose="020B0609020204030204" pitchFamily="49" charset="0"/>
+            </a:endParaRPr>
+          </a:p>
+        </p:txBody>
+      </p:sp>
+      <p:sp>
+        <p:nvSpPr>
+          <p:cNvPr id="19" name="矩形 18">
+            <a:extLst>
+              <a:ext uri="{FF2B5EF4-FFF2-40B4-BE49-F238E27FC236}">
+                <a16:creationId xmlns:a16="http://schemas.microsoft.com/office/drawing/2014/main" id="{CD6D3C6A-04AC-41AE-452E-6061A26102F2}"/>
+              </a:ext>
+            </a:extLst>
+          </p:cNvPr>
+          <p:cNvSpPr/>
+          <p:nvPr/>
+        </p:nvSpPr>
+        <p:spPr>
+          <a:xfrm>
+            <a:off x="7322820" y="1280160"/>
+            <a:ext cx="1412240" cy="320040"/>
+          </a:xfrm>
+          <a:prstGeom prst="rect">
+            <a:avLst/>
+          </a:prstGeom>
+          <a:solidFill>
+            <a:schemeClr val="bg1"/>
+          </a:solidFill>
+          <a:ln>
+            <a:solidFill>
+              <a:schemeClr val="tx1"/>
+            </a:solidFill>
+          </a:ln>
+        </p:spPr>
+        <p:style>
+          <a:lnRef idx="2">
+            <a:schemeClr val="accent1">
+              <a:shade val="50000"/>
+            </a:schemeClr>
+          </a:lnRef>
+          <a:fillRef idx="1">
+            <a:schemeClr val="accent1"/>
+          </a:fillRef>
+          <a:effectRef idx="0">
+            <a:schemeClr val="accent1"/>
+          </a:effectRef>
+          <a:fontRef idx="minor">
+            <a:schemeClr val="lt1"/>
+          </a:fontRef>
+        </p:style>
+        <p:txBody>
+          <a:bodyPr rtlCol="0" anchor="ctr"/>
+          <a:lstStyle/>
+          <a:p>
+            <a:pPr algn="ctr"/>
+            <a:r>
+              <a:rPr lang="en-US" altLang="zh-CN" sz="1400" dirty="0">
+                <a:solidFill>
+                  <a:sysClr val="windowText" lastClr="000000"/>
+                </a:solidFill>
+                <a:latin typeface="Consolas" panose="020B0609020204030204" pitchFamily="49" charset="0"/>
+              </a:rPr>
+              <a:t>+ a: int</a:t>
+            </a:r>
+            <a:endParaRPr lang="zh-CN" altLang="en-US" sz="1400" dirty="0">
+              <a:solidFill>
+                <a:sysClr val="windowText" lastClr="000000"/>
+              </a:solidFill>
+              <a:latin typeface="Consolas" panose="020B0609020204030204" pitchFamily="49" charset="0"/>
+            </a:endParaRPr>
+          </a:p>
+        </p:txBody>
+      </p:sp>
+      <p:sp>
+        <p:nvSpPr>
+          <p:cNvPr id="20" name="矩形 19">
+            <a:extLst>
+              <a:ext uri="{FF2B5EF4-FFF2-40B4-BE49-F238E27FC236}">
+                <a16:creationId xmlns:a16="http://schemas.microsoft.com/office/drawing/2014/main" id="{74C9132F-567B-5B8A-D672-A4CDBF521A7E}"/>
+              </a:ext>
+            </a:extLst>
+          </p:cNvPr>
+          <p:cNvSpPr/>
+          <p:nvPr/>
+        </p:nvSpPr>
+        <p:spPr>
+          <a:xfrm>
+            <a:off x="5910580" y="2270758"/>
+            <a:ext cx="1412240" cy="320040"/>
+          </a:xfrm>
+          <a:prstGeom prst="rect">
+            <a:avLst/>
+          </a:prstGeom>
+          <a:solidFill>
+            <a:schemeClr val="bg1"/>
+          </a:solidFill>
+          <a:ln>
+            <a:solidFill>
+              <a:schemeClr val="tx1"/>
+            </a:solidFill>
+          </a:ln>
+        </p:spPr>
+        <p:style>
+          <a:lnRef idx="2">
+            <a:schemeClr val="accent1">
+              <a:shade val="50000"/>
+            </a:schemeClr>
+          </a:lnRef>
+          <a:fillRef idx="1">
+            <a:schemeClr val="accent1"/>
+          </a:fillRef>
+          <a:effectRef idx="0">
+            <a:schemeClr val="accent1"/>
+          </a:effectRef>
+          <a:fontRef idx="minor">
+            <a:schemeClr val="lt1"/>
+          </a:fontRef>
+        </p:style>
+        <p:txBody>
+          <a:bodyPr rtlCol="0" anchor="ctr"/>
+          <a:lstStyle/>
+          <a:p>
+            <a:pPr algn="ctr"/>
+            <a:r>
+              <a:rPr lang="en-US" altLang="zh-CN" sz="1400" dirty="0">
+                <a:solidFill>
+                  <a:sysClr val="windowText" lastClr="000000"/>
+                </a:solidFill>
+                <a:latin typeface="Consolas" panose="020B0609020204030204" pitchFamily="49" charset="0"/>
+              </a:rPr>
+              <a:t>B1</a:t>
+            </a:r>
+            <a:endParaRPr lang="zh-CN" altLang="en-US" sz="1400" dirty="0">
+              <a:solidFill>
+                <a:sysClr val="windowText" lastClr="000000"/>
+              </a:solidFill>
+              <a:latin typeface="Consolas" panose="020B0609020204030204" pitchFamily="49" charset="0"/>
+            </a:endParaRPr>
+          </a:p>
+        </p:txBody>
+      </p:sp>
+      <p:sp>
+        <p:nvSpPr>
+          <p:cNvPr id="21" name="矩形 20">
+            <a:extLst>
+              <a:ext uri="{FF2B5EF4-FFF2-40B4-BE49-F238E27FC236}">
+                <a16:creationId xmlns:a16="http://schemas.microsoft.com/office/drawing/2014/main" id="{F2714CA7-4285-D2B2-BE46-FD91D24B931A}"/>
+              </a:ext>
+            </a:extLst>
+          </p:cNvPr>
+          <p:cNvSpPr/>
+          <p:nvPr/>
+        </p:nvSpPr>
+        <p:spPr>
+          <a:xfrm>
+            <a:off x="5910580" y="2590798"/>
+            <a:ext cx="1412240" cy="320040"/>
+          </a:xfrm>
+          <a:prstGeom prst="rect">
+            <a:avLst/>
+          </a:prstGeom>
+          <a:solidFill>
+            <a:schemeClr val="bg1"/>
+          </a:solidFill>
+          <a:ln>
+            <a:solidFill>
+              <a:schemeClr val="tx1"/>
+            </a:solidFill>
+          </a:ln>
+        </p:spPr>
+        <p:style>
+          <a:lnRef idx="2">
+            <a:schemeClr val="accent1">
+              <a:shade val="50000"/>
+            </a:schemeClr>
+          </a:lnRef>
+          <a:fillRef idx="1">
+            <a:schemeClr val="accent1"/>
+          </a:fillRef>
+          <a:effectRef idx="0">
+            <a:schemeClr val="accent1"/>
+          </a:effectRef>
+          <a:fontRef idx="minor">
+            <a:schemeClr val="lt1"/>
+          </a:fontRef>
+        </p:style>
+        <p:txBody>
+          <a:bodyPr rtlCol="0" anchor="ctr"/>
+          <a:lstStyle/>
+          <a:p>
+            <a:pPr algn="ctr"/>
+            <a:r>
+              <a:rPr lang="en-US" altLang="zh-CN" sz="1400" dirty="0">
+                <a:solidFill>
+                  <a:sysClr val="windowText" lastClr="000000"/>
+                </a:solidFill>
+                <a:latin typeface="Consolas" panose="020B0609020204030204" pitchFamily="49" charset="0"/>
+              </a:rPr>
+              <a:t>+ a: int,A</a:t>
+            </a:r>
+            <a:endParaRPr lang="zh-CN" altLang="en-US" sz="1400" dirty="0">
+              <a:solidFill>
+                <a:sysClr val="windowText" lastClr="000000"/>
+              </a:solidFill>
+              <a:latin typeface="Consolas" panose="020B0609020204030204" pitchFamily="49" charset="0"/>
+            </a:endParaRPr>
+          </a:p>
+        </p:txBody>
+      </p:sp>
+      <p:sp>
+        <p:nvSpPr>
+          <p:cNvPr id="22" name="矩形 21">
+            <a:extLst>
+              <a:ext uri="{FF2B5EF4-FFF2-40B4-BE49-F238E27FC236}">
+                <a16:creationId xmlns:a16="http://schemas.microsoft.com/office/drawing/2014/main" id="{E326C3ED-2C1A-D181-1028-EC20501EF6BB}"/>
+              </a:ext>
+            </a:extLst>
+          </p:cNvPr>
+          <p:cNvSpPr/>
+          <p:nvPr/>
+        </p:nvSpPr>
+        <p:spPr>
+          <a:xfrm>
+            <a:off x="5910580" y="2910838"/>
+            <a:ext cx="1412240" cy="320040"/>
+          </a:xfrm>
+          <a:prstGeom prst="rect">
+            <a:avLst/>
+          </a:prstGeom>
+          <a:solidFill>
+            <a:schemeClr val="bg1"/>
+          </a:solidFill>
+          <a:ln>
+            <a:solidFill>
+              <a:schemeClr val="tx1"/>
+            </a:solidFill>
+          </a:ln>
+        </p:spPr>
+        <p:style>
+          <a:lnRef idx="2">
+            <a:schemeClr val="accent1">
+              <a:shade val="50000"/>
+            </a:schemeClr>
+          </a:lnRef>
+          <a:fillRef idx="1">
+            <a:schemeClr val="accent1"/>
+          </a:fillRef>
+          <a:effectRef idx="0">
+            <a:schemeClr val="accent1"/>
+          </a:effectRef>
+          <a:fontRef idx="minor">
+            <a:schemeClr val="lt1"/>
+          </a:fontRef>
+        </p:style>
+        <p:txBody>
+          <a:bodyPr rtlCol="0" anchor="ctr"/>
+          <a:lstStyle/>
+          <a:p>
+            <a:pPr algn="ctr"/>
+            <a:r>
+              <a:rPr lang="en-US" altLang="zh-CN" sz="1400" dirty="0">
+                <a:solidFill>
+                  <a:sysClr val="windowText" lastClr="000000"/>
+                </a:solidFill>
+                <a:latin typeface="Consolas" panose="020B0609020204030204" pitchFamily="49" charset="0"/>
+              </a:rPr>
+              <a:t>- b1: int</a:t>
+            </a:r>
+            <a:endParaRPr lang="zh-CN" altLang="en-US" sz="1400" dirty="0">
+              <a:solidFill>
+                <a:sysClr val="windowText" lastClr="000000"/>
+              </a:solidFill>
+              <a:latin typeface="Consolas" panose="020B0609020204030204" pitchFamily="49" charset="0"/>
+            </a:endParaRPr>
+          </a:p>
+        </p:txBody>
+      </p:sp>
+      <p:sp>
+        <p:nvSpPr>
+          <p:cNvPr id="23" name="矩形 22">
+            <a:extLst>
+              <a:ext uri="{FF2B5EF4-FFF2-40B4-BE49-F238E27FC236}">
+                <a16:creationId xmlns:a16="http://schemas.microsoft.com/office/drawing/2014/main" id="{E5242973-DF75-FB7B-70BC-73CF42A9BA90}"/>
+              </a:ext>
+            </a:extLst>
+          </p:cNvPr>
+          <p:cNvSpPr/>
+          <p:nvPr/>
+        </p:nvSpPr>
+        <p:spPr>
+          <a:xfrm>
+            <a:off x="8735060" y="2274145"/>
+            <a:ext cx="1412240" cy="320040"/>
+          </a:xfrm>
+          <a:prstGeom prst="rect">
+            <a:avLst/>
+          </a:prstGeom>
+          <a:solidFill>
+            <a:schemeClr val="bg1"/>
+          </a:solidFill>
+          <a:ln>
+            <a:solidFill>
+              <a:schemeClr val="tx1"/>
+            </a:solidFill>
+          </a:ln>
+        </p:spPr>
+        <p:style>
+          <a:lnRef idx="2">
+            <a:schemeClr val="accent1">
+              <a:shade val="50000"/>
+            </a:schemeClr>
+          </a:lnRef>
+          <a:fillRef idx="1">
+            <a:schemeClr val="accent1"/>
+          </a:fillRef>
+          <a:effectRef idx="0">
+            <a:schemeClr val="accent1"/>
+          </a:effectRef>
+          <a:fontRef idx="minor">
+            <a:schemeClr val="lt1"/>
+          </a:fontRef>
+        </p:style>
+        <p:txBody>
+          <a:bodyPr rtlCol="0" anchor="ctr"/>
+          <a:lstStyle/>
+          <a:p>
+            <a:pPr algn="ctr"/>
+            <a:r>
+              <a:rPr lang="en-US" altLang="zh-CN" sz="1400" dirty="0">
+                <a:solidFill>
+                  <a:sysClr val="windowText" lastClr="000000"/>
+                </a:solidFill>
+                <a:latin typeface="Consolas" panose="020B0609020204030204" pitchFamily="49" charset="0"/>
+              </a:rPr>
+              <a:t>B2</a:t>
+            </a:r>
+            <a:endParaRPr lang="zh-CN" altLang="en-US" sz="1400" dirty="0">
+              <a:solidFill>
+                <a:sysClr val="windowText" lastClr="000000"/>
+              </a:solidFill>
+              <a:latin typeface="Consolas" panose="020B0609020204030204" pitchFamily="49" charset="0"/>
+            </a:endParaRPr>
+          </a:p>
+        </p:txBody>
+      </p:sp>
+      <p:sp>
+        <p:nvSpPr>
+          <p:cNvPr id="24" name="矩形 23">
+            <a:extLst>
+              <a:ext uri="{FF2B5EF4-FFF2-40B4-BE49-F238E27FC236}">
+                <a16:creationId xmlns:a16="http://schemas.microsoft.com/office/drawing/2014/main" id="{F0D59E9D-6BDF-C803-893E-170B3E078D48}"/>
+              </a:ext>
+            </a:extLst>
+          </p:cNvPr>
+          <p:cNvSpPr/>
+          <p:nvPr/>
+        </p:nvSpPr>
+        <p:spPr>
+          <a:xfrm>
+            <a:off x="8735060" y="2594185"/>
+            <a:ext cx="1412240" cy="320040"/>
+          </a:xfrm>
+          <a:prstGeom prst="rect">
+            <a:avLst/>
+          </a:prstGeom>
+          <a:solidFill>
+            <a:schemeClr val="bg1"/>
+          </a:solidFill>
+          <a:ln>
+            <a:solidFill>
+              <a:schemeClr val="tx1"/>
+            </a:solidFill>
+          </a:ln>
+        </p:spPr>
+        <p:style>
+          <a:lnRef idx="2">
+            <a:schemeClr val="accent1">
+              <a:shade val="50000"/>
+            </a:schemeClr>
+          </a:lnRef>
+          <a:fillRef idx="1">
+            <a:schemeClr val="accent1"/>
+          </a:fillRef>
+          <a:effectRef idx="0">
+            <a:schemeClr val="accent1"/>
+          </a:effectRef>
+          <a:fontRef idx="minor">
+            <a:schemeClr val="lt1"/>
+          </a:fontRef>
+        </p:style>
+        <p:txBody>
+          <a:bodyPr rtlCol="0" anchor="ctr"/>
+          <a:lstStyle/>
+          <a:p>
+            <a:pPr algn="ctr"/>
+            <a:r>
+              <a:rPr lang="en-US" altLang="zh-CN" sz="1400" dirty="0">
+                <a:solidFill>
+                  <a:sysClr val="windowText" lastClr="000000"/>
+                </a:solidFill>
+                <a:latin typeface="Consolas" panose="020B0609020204030204" pitchFamily="49" charset="0"/>
+              </a:rPr>
+              <a:t>+ a: int,A</a:t>
+            </a:r>
+            <a:endParaRPr lang="zh-CN" altLang="en-US" sz="1400" dirty="0">
+              <a:solidFill>
+                <a:sysClr val="windowText" lastClr="000000"/>
+              </a:solidFill>
+              <a:latin typeface="Consolas" panose="020B0609020204030204" pitchFamily="49" charset="0"/>
+            </a:endParaRPr>
+          </a:p>
+        </p:txBody>
+      </p:sp>
+      <p:sp>
+        <p:nvSpPr>
+          <p:cNvPr id="25" name="矩形 24">
+            <a:extLst>
+              <a:ext uri="{FF2B5EF4-FFF2-40B4-BE49-F238E27FC236}">
+                <a16:creationId xmlns:a16="http://schemas.microsoft.com/office/drawing/2014/main" id="{15C5DE15-17A3-5C0E-0037-27AFA8FF29F5}"/>
+              </a:ext>
+            </a:extLst>
+          </p:cNvPr>
+          <p:cNvSpPr/>
+          <p:nvPr/>
+        </p:nvSpPr>
+        <p:spPr>
+          <a:xfrm>
+            <a:off x="8735060" y="2914225"/>
+            <a:ext cx="1412240" cy="320040"/>
+          </a:xfrm>
+          <a:prstGeom prst="rect">
+            <a:avLst/>
+          </a:prstGeom>
+          <a:solidFill>
+            <a:schemeClr val="bg1"/>
+          </a:solidFill>
+          <a:ln>
+            <a:solidFill>
+              <a:schemeClr val="tx1"/>
+            </a:solidFill>
+          </a:ln>
+        </p:spPr>
+        <p:style>
+          <a:lnRef idx="2">
+            <a:schemeClr val="accent1">
+              <a:shade val="50000"/>
+            </a:schemeClr>
+          </a:lnRef>
+          <a:fillRef idx="1">
+            <a:schemeClr val="accent1"/>
+          </a:fillRef>
+          <a:effectRef idx="0">
+            <a:schemeClr val="accent1"/>
+          </a:effectRef>
+          <a:fontRef idx="minor">
+            <a:schemeClr val="lt1"/>
+          </a:fontRef>
+        </p:style>
+        <p:txBody>
+          <a:bodyPr rtlCol="0" anchor="ctr"/>
+          <a:lstStyle/>
+          <a:p>
+            <a:pPr algn="ctr"/>
+            <a:r>
+              <a:rPr lang="en-US" altLang="zh-CN" sz="1400" dirty="0">
+                <a:solidFill>
+                  <a:sysClr val="windowText" lastClr="000000"/>
+                </a:solidFill>
+                <a:latin typeface="Consolas" panose="020B0609020204030204" pitchFamily="49" charset="0"/>
+              </a:rPr>
+              <a:t>- b2: int</a:t>
+            </a:r>
+            <a:endParaRPr lang="zh-CN" altLang="en-US" sz="1400" dirty="0">
+              <a:solidFill>
+                <a:sysClr val="windowText" lastClr="000000"/>
+              </a:solidFill>
+              <a:latin typeface="Consolas" panose="020B0609020204030204" pitchFamily="49" charset="0"/>
+            </a:endParaRPr>
+          </a:p>
+        </p:txBody>
+      </p:sp>
+      <p:sp>
+        <p:nvSpPr>
+          <p:cNvPr id="26" name="矩形 25">
+            <a:extLst>
+              <a:ext uri="{FF2B5EF4-FFF2-40B4-BE49-F238E27FC236}">
+                <a16:creationId xmlns:a16="http://schemas.microsoft.com/office/drawing/2014/main" id="{642F8F24-9E7B-A231-EA5F-F85CFD756DAF}"/>
+              </a:ext>
+            </a:extLst>
+          </p:cNvPr>
+          <p:cNvSpPr/>
+          <p:nvPr/>
+        </p:nvSpPr>
+        <p:spPr>
+          <a:xfrm>
+            <a:off x="7200900" y="3902289"/>
+            <a:ext cx="1714500" cy="361527"/>
+          </a:xfrm>
+          <a:prstGeom prst="rect">
+            <a:avLst/>
+          </a:prstGeom>
+          <a:solidFill>
+            <a:schemeClr val="bg1"/>
+          </a:solidFill>
+          <a:ln>
+            <a:solidFill>
+              <a:schemeClr val="tx1"/>
+            </a:solidFill>
+          </a:ln>
+        </p:spPr>
+        <p:style>
+          <a:lnRef idx="2">
+            <a:schemeClr val="accent1">
+              <a:shade val="50000"/>
+            </a:schemeClr>
+          </a:lnRef>
+          <a:fillRef idx="1">
+            <a:schemeClr val="accent1"/>
+          </a:fillRef>
+          <a:effectRef idx="0">
+            <a:schemeClr val="accent1"/>
+          </a:effectRef>
+          <a:fontRef idx="minor">
+            <a:schemeClr val="lt1"/>
+          </a:fontRef>
+        </p:style>
+        <p:txBody>
+          <a:bodyPr rtlCol="0" anchor="ctr"/>
+          <a:lstStyle/>
+          <a:p>
+            <a:pPr algn="ctr"/>
+            <a:r>
+              <a:rPr lang="en-US" altLang="zh-CN" sz="1400" dirty="0">
+                <a:solidFill>
+                  <a:sysClr val="windowText" lastClr="000000"/>
+                </a:solidFill>
+                <a:latin typeface="Consolas" panose="020B0609020204030204" pitchFamily="49" charset="0"/>
+              </a:rPr>
+              <a:t>C</a:t>
+            </a:r>
+            <a:endParaRPr lang="zh-CN" altLang="en-US" sz="1400" dirty="0">
+              <a:solidFill>
+                <a:sysClr val="windowText" lastClr="000000"/>
+              </a:solidFill>
+              <a:latin typeface="Consolas" panose="020B0609020204030204" pitchFamily="49" charset="0"/>
+            </a:endParaRPr>
+          </a:p>
+        </p:txBody>
+      </p:sp>
+      <p:sp>
+        <p:nvSpPr>
+          <p:cNvPr id="27" name="矩形 26">
+            <a:extLst>
+              <a:ext uri="{FF2B5EF4-FFF2-40B4-BE49-F238E27FC236}">
+                <a16:creationId xmlns:a16="http://schemas.microsoft.com/office/drawing/2014/main" id="{832A8CB9-8924-546D-C460-273FC3092914}"/>
+              </a:ext>
+            </a:extLst>
+          </p:cNvPr>
+          <p:cNvSpPr/>
+          <p:nvPr/>
+        </p:nvSpPr>
+        <p:spPr>
+          <a:xfrm>
+            <a:off x="7200900" y="4222330"/>
+            <a:ext cx="1714500" cy="813922"/>
+          </a:xfrm>
+          <a:prstGeom prst="rect">
+            <a:avLst/>
+          </a:prstGeom>
+          <a:solidFill>
+            <a:schemeClr val="bg1"/>
+          </a:solidFill>
+          <a:ln>
+            <a:solidFill>
+              <a:schemeClr val="tx1"/>
+            </a:solidFill>
+          </a:ln>
+        </p:spPr>
+        <p:style>
+          <a:lnRef idx="2">
+            <a:schemeClr val="accent1">
+              <a:shade val="50000"/>
+            </a:schemeClr>
+          </a:lnRef>
+          <a:fillRef idx="1">
+            <a:schemeClr val="accent1"/>
+          </a:fillRef>
+          <a:effectRef idx="0">
+            <a:schemeClr val="accent1"/>
+          </a:effectRef>
+          <a:fontRef idx="minor">
+            <a:schemeClr val="lt1"/>
+          </a:fontRef>
+        </p:style>
+        <p:txBody>
+          <a:bodyPr rtlCol="0" anchor="ctr"/>
+          <a:lstStyle/>
+          <a:p>
+            <a:pPr algn="ctr"/>
+            <a:r>
+              <a:rPr lang="en-US" altLang="zh-CN" sz="1400" dirty="0">
+                <a:solidFill>
+                  <a:schemeClr val="bg1">
+                    <a:lumMod val="50000"/>
+                  </a:schemeClr>
+                </a:solidFill>
+                <a:latin typeface="Consolas" panose="020B0609020204030204" pitchFamily="49" charset="0"/>
+              </a:rPr>
+              <a:t>+ a: int,A,B1</a:t>
+            </a:r>
+            <a:br>
+              <a:rPr lang="en-US" altLang="zh-CN" sz="1400" dirty="0">
+                <a:solidFill>
+                  <a:schemeClr val="bg1">
+                    <a:lumMod val="50000"/>
+                  </a:schemeClr>
+                </a:solidFill>
+                <a:latin typeface="Consolas" panose="020B0609020204030204" pitchFamily="49" charset="0"/>
+              </a:rPr>
+            </a:br>
+            <a:r>
+              <a:rPr lang="en-US" altLang="zh-CN" sz="1400" dirty="0">
+                <a:solidFill>
+                  <a:schemeClr val="bg1">
+                    <a:lumMod val="50000"/>
+                  </a:schemeClr>
+                </a:solidFill>
+                <a:latin typeface="Consolas" panose="020B0609020204030204" pitchFamily="49" charset="0"/>
+              </a:rPr>
+              <a:t>+ a: int,A,B2</a:t>
+            </a:r>
+          </a:p>
+          <a:p>
+            <a:pPr algn="ctr"/>
+            <a:r>
+              <a:rPr lang="en-US" altLang="zh-CN" sz="1400" dirty="0">
+                <a:solidFill>
+                  <a:schemeClr val="bg1">
+                    <a:lumMod val="50000"/>
+                  </a:schemeClr>
+                </a:solidFill>
+                <a:latin typeface="Consolas" panose="020B0609020204030204" pitchFamily="49" charset="0"/>
+              </a:rPr>
+              <a:t>- c: int</a:t>
+            </a:r>
+          </a:p>
+        </p:txBody>
+      </p:sp>
+      <p:sp>
+        <p:nvSpPr>
+          <p:cNvPr id="28" name="矩形 27">
+            <a:extLst>
+              <a:ext uri="{FF2B5EF4-FFF2-40B4-BE49-F238E27FC236}">
+                <a16:creationId xmlns:a16="http://schemas.microsoft.com/office/drawing/2014/main" id="{658BCA42-625A-CABB-2262-8B882409D007}"/>
+              </a:ext>
+            </a:extLst>
+          </p:cNvPr>
+          <p:cNvSpPr/>
+          <p:nvPr/>
+        </p:nvSpPr>
+        <p:spPr>
+          <a:xfrm>
+            <a:off x="7200900" y="5007188"/>
+            <a:ext cx="1714500" cy="441960"/>
+          </a:xfrm>
+          <a:prstGeom prst="rect">
+            <a:avLst/>
+          </a:prstGeom>
+          <a:solidFill>
+            <a:schemeClr val="bg1"/>
+          </a:solidFill>
+          <a:ln>
+            <a:solidFill>
+              <a:schemeClr val="tx1"/>
+            </a:solidFill>
+          </a:ln>
+        </p:spPr>
+        <p:style>
+          <a:lnRef idx="2">
+            <a:schemeClr val="accent1">
+              <a:shade val="50000"/>
+            </a:schemeClr>
+          </a:lnRef>
+          <a:fillRef idx="1">
+            <a:schemeClr val="accent1"/>
+          </a:fillRef>
+          <a:effectRef idx="0">
+            <a:schemeClr val="accent1"/>
+          </a:effectRef>
+          <a:fontRef idx="minor">
+            <a:schemeClr val="lt1"/>
+          </a:fontRef>
+        </p:style>
+        <p:txBody>
+          <a:bodyPr rtlCol="0" anchor="ctr"/>
+          <a:lstStyle/>
+          <a:p>
+            <a:pPr algn="ctr"/>
+            <a:r>
+              <a:rPr lang="en-US" altLang="zh-CN" sz="1400" dirty="0">
+                <a:solidFill>
+                  <a:sysClr val="windowText" lastClr="000000"/>
+                </a:solidFill>
+                <a:latin typeface="Consolas" panose="020B0609020204030204" pitchFamily="49" charset="0"/>
+              </a:rPr>
+              <a:t>+ f(): void</a:t>
+            </a:r>
+          </a:p>
+        </p:txBody>
+      </p:sp>
+      <p:cxnSp>
+        <p:nvCxnSpPr>
+          <p:cNvPr id="30" name="直接箭头连接符 29">
+            <a:extLst>
+              <a:ext uri="{FF2B5EF4-FFF2-40B4-BE49-F238E27FC236}">
+                <a16:creationId xmlns:a16="http://schemas.microsoft.com/office/drawing/2014/main" id="{B6901D86-BF0E-9822-5A32-8E87DF41D6CD}"/>
+              </a:ext>
+            </a:extLst>
+          </p:cNvPr>
+          <p:cNvCxnSpPr>
+            <a:stCxn id="20" idx="0"/>
+          </p:cNvCxnSpPr>
+          <p:nvPr/>
+        </p:nvCxnSpPr>
+        <p:spPr>
+          <a:xfrm flipV="1">
+            <a:off x="6616700" y="1600200"/>
+            <a:ext cx="1117600" cy="670558"/>
+          </a:xfrm>
+          <a:prstGeom prst="straightConnector1">
+            <a:avLst/>
+          </a:prstGeom>
+          <a:ln w="12700">
+            <a:solidFill>
+              <a:schemeClr val="tx1"/>
+            </a:solidFill>
+            <a:tailEnd type="triangle"/>
+          </a:ln>
+        </p:spPr>
+        <p:style>
+          <a:lnRef idx="1">
+            <a:schemeClr val="accent1"/>
+          </a:lnRef>
+          <a:fillRef idx="0">
+            <a:schemeClr val="accent1"/>
+          </a:fillRef>
+          <a:effectRef idx="0">
+            <a:schemeClr val="accent1"/>
+          </a:effectRef>
+          <a:fontRef idx="minor">
+            <a:schemeClr val="tx1"/>
+          </a:fontRef>
+        </p:style>
+      </p:cxnSp>
+      <p:cxnSp>
+        <p:nvCxnSpPr>
+          <p:cNvPr id="32" name="直接箭头连接符 31">
+            <a:extLst>
+              <a:ext uri="{FF2B5EF4-FFF2-40B4-BE49-F238E27FC236}">
+                <a16:creationId xmlns:a16="http://schemas.microsoft.com/office/drawing/2014/main" id="{E2B7AC2B-F612-AEDD-5C9D-D2A08E2EBC42}"/>
+              </a:ext>
+            </a:extLst>
+          </p:cNvPr>
+          <p:cNvCxnSpPr>
+            <a:stCxn id="23" idx="0"/>
+          </p:cNvCxnSpPr>
+          <p:nvPr/>
+        </p:nvCxnSpPr>
+        <p:spPr>
+          <a:xfrm flipH="1" flipV="1">
+            <a:off x="8468362" y="1599346"/>
+            <a:ext cx="972818" cy="674799"/>
+          </a:xfrm>
+          <a:prstGeom prst="straightConnector1">
+            <a:avLst/>
+          </a:prstGeom>
+          <a:ln w="12700">
+            <a:solidFill>
+              <a:schemeClr val="tx1"/>
+            </a:solidFill>
+            <a:tailEnd type="triangle"/>
+          </a:ln>
+        </p:spPr>
+        <p:style>
+          <a:lnRef idx="1">
+            <a:schemeClr val="accent1"/>
+          </a:lnRef>
+          <a:fillRef idx="0">
+            <a:schemeClr val="accent1"/>
+          </a:fillRef>
+          <a:effectRef idx="0">
+            <a:schemeClr val="accent1"/>
+          </a:effectRef>
+          <a:fontRef idx="minor">
+            <a:schemeClr val="tx1"/>
+          </a:fontRef>
+        </p:style>
+      </p:cxnSp>
+      <p:cxnSp>
+        <p:nvCxnSpPr>
+          <p:cNvPr id="34" name="直接箭头连接符 33">
+            <a:extLst>
+              <a:ext uri="{FF2B5EF4-FFF2-40B4-BE49-F238E27FC236}">
+                <a16:creationId xmlns:a16="http://schemas.microsoft.com/office/drawing/2014/main" id="{8A8FE7DC-A966-28AC-6A93-1489DA0C31BF}"/>
+              </a:ext>
+            </a:extLst>
+          </p:cNvPr>
+          <p:cNvCxnSpPr>
+            <a:endCxn id="22" idx="2"/>
+          </p:cNvCxnSpPr>
+          <p:nvPr/>
+        </p:nvCxnSpPr>
+        <p:spPr>
+          <a:xfrm flipH="1" flipV="1">
+            <a:off x="6616700" y="3230878"/>
+            <a:ext cx="1131571" cy="671411"/>
+          </a:xfrm>
+          <a:prstGeom prst="straightConnector1">
+            <a:avLst/>
+          </a:prstGeom>
+          <a:ln w="12700">
+            <a:solidFill>
+              <a:schemeClr val="tx1"/>
+            </a:solidFill>
+            <a:tailEnd type="triangle"/>
+          </a:ln>
+        </p:spPr>
+        <p:style>
+          <a:lnRef idx="1">
+            <a:schemeClr val="accent1"/>
+          </a:lnRef>
+          <a:fillRef idx="0">
+            <a:schemeClr val="accent1"/>
+          </a:fillRef>
+          <a:effectRef idx="0">
+            <a:schemeClr val="accent1"/>
+          </a:effectRef>
+          <a:fontRef idx="minor">
+            <a:schemeClr val="tx1"/>
+          </a:fontRef>
+        </p:style>
+      </p:cxnSp>
+      <p:cxnSp>
+        <p:nvCxnSpPr>
+          <p:cNvPr id="36" name="直接箭头连接符 35">
+            <a:extLst>
+              <a:ext uri="{FF2B5EF4-FFF2-40B4-BE49-F238E27FC236}">
+                <a16:creationId xmlns:a16="http://schemas.microsoft.com/office/drawing/2014/main" id="{F4F5A902-2028-5960-71BC-D88F093CFBD8}"/>
+              </a:ext>
+            </a:extLst>
+          </p:cNvPr>
+          <p:cNvCxnSpPr>
+            <a:endCxn id="25" idx="2"/>
+          </p:cNvCxnSpPr>
+          <p:nvPr/>
+        </p:nvCxnSpPr>
+        <p:spPr>
+          <a:xfrm flipV="1">
+            <a:off x="8366760" y="3234265"/>
+            <a:ext cx="1074420" cy="668024"/>
+          </a:xfrm>
+          <a:prstGeom prst="straightConnector1">
+            <a:avLst/>
+          </a:prstGeom>
+          <a:ln w="12700">
+            <a:solidFill>
+              <a:schemeClr val="tx1"/>
+            </a:solidFill>
+            <a:tailEnd type="triangle"/>
+          </a:ln>
+        </p:spPr>
+        <p:style>
+          <a:lnRef idx="1">
+            <a:schemeClr val="accent1"/>
+          </a:lnRef>
+          <a:fillRef idx="0">
+            <a:schemeClr val="accent1"/>
+          </a:fillRef>
+          <a:effectRef idx="0">
+            <a:schemeClr val="accent1"/>
+          </a:effectRef>
+          <a:fontRef idx="minor">
+            <a:schemeClr val="tx1"/>
+          </a:fontRef>
+        </p:style>
+      </p:cxnSp>
+      <p:sp>
+        <p:nvSpPr>
+          <p:cNvPr id="37" name="文本框 36">
+            <a:extLst>
+              <a:ext uri="{FF2B5EF4-FFF2-40B4-BE49-F238E27FC236}">
+                <a16:creationId xmlns:a16="http://schemas.microsoft.com/office/drawing/2014/main" id="{2FDD6346-CEE5-E271-D72A-9AA454FB8ABE}"/>
+              </a:ext>
+            </a:extLst>
+          </p:cNvPr>
+          <p:cNvSpPr txBox="1"/>
+          <p:nvPr/>
+        </p:nvSpPr>
+        <p:spPr>
+          <a:xfrm>
+            <a:off x="9030091" y="1689853"/>
+            <a:ext cx="944489" cy="369332"/>
+          </a:xfrm>
+          <a:prstGeom prst="rect">
+            <a:avLst/>
+          </a:prstGeom>
+          <a:noFill/>
+        </p:spPr>
+        <p:txBody>
+          <a:bodyPr wrap="none" rtlCol="0">
+            <a:spAutoFit/>
+          </a:bodyPr>
+          <a:lstStyle/>
+          <a:p>
+            <a:r>
+              <a:rPr lang="en-US" altLang="zh-CN" dirty="0">
+                <a:latin typeface="Consolas" panose="020B0609020204030204" pitchFamily="49" charset="0"/>
+              </a:rPr>
+              <a:t>public</a:t>
+            </a:r>
+            <a:endParaRPr lang="zh-CN" altLang="en-US" dirty="0">
+              <a:latin typeface="Consolas" panose="020B0609020204030204" pitchFamily="49" charset="0"/>
+            </a:endParaRPr>
+          </a:p>
+        </p:txBody>
+      </p:sp>
+      <p:sp>
+        <p:nvSpPr>
+          <p:cNvPr id="38" name="文本框 37">
+            <a:extLst>
+              <a:ext uri="{FF2B5EF4-FFF2-40B4-BE49-F238E27FC236}">
+                <a16:creationId xmlns:a16="http://schemas.microsoft.com/office/drawing/2014/main" id="{47327CD4-3A36-B8E3-342F-4FCEE009D2FF}"/>
+              </a:ext>
+            </a:extLst>
+          </p:cNvPr>
+          <p:cNvSpPr txBox="1"/>
+          <p:nvPr/>
+        </p:nvSpPr>
+        <p:spPr>
+          <a:xfrm>
+            <a:off x="6256411" y="3443488"/>
+            <a:ext cx="944489" cy="369332"/>
+          </a:xfrm>
+          <a:prstGeom prst="rect">
+            <a:avLst/>
+          </a:prstGeom>
+          <a:noFill/>
+        </p:spPr>
+        <p:txBody>
+          <a:bodyPr wrap="none" rtlCol="0">
+            <a:spAutoFit/>
+          </a:bodyPr>
+          <a:lstStyle/>
+          <a:p>
+            <a:r>
+              <a:rPr lang="en-US" altLang="zh-CN" dirty="0">
+                <a:latin typeface="Consolas" panose="020B0609020204030204" pitchFamily="49" charset="0"/>
+              </a:rPr>
+              <a:t>public</a:t>
+            </a:r>
+            <a:endParaRPr lang="zh-CN" altLang="en-US" dirty="0">
+              <a:latin typeface="Consolas" panose="020B0609020204030204" pitchFamily="49" charset="0"/>
+            </a:endParaRPr>
+          </a:p>
+        </p:txBody>
+      </p:sp>
+      <p:sp>
+        <p:nvSpPr>
+          <p:cNvPr id="39" name="文本框 38">
+            <a:extLst>
+              <a:ext uri="{FF2B5EF4-FFF2-40B4-BE49-F238E27FC236}">
+                <a16:creationId xmlns:a16="http://schemas.microsoft.com/office/drawing/2014/main" id="{07A8E1B0-F334-9576-237F-2C756F1EAA67}"/>
+              </a:ext>
+            </a:extLst>
+          </p:cNvPr>
+          <p:cNvSpPr txBox="1"/>
+          <p:nvPr/>
+        </p:nvSpPr>
+        <p:spPr>
+          <a:xfrm>
+            <a:off x="8849751" y="3472931"/>
+            <a:ext cx="944489" cy="369332"/>
+          </a:xfrm>
+          <a:prstGeom prst="rect">
+            <a:avLst/>
+          </a:prstGeom>
+          <a:noFill/>
+        </p:spPr>
+        <p:txBody>
+          <a:bodyPr wrap="none" rtlCol="0">
+            <a:spAutoFit/>
+          </a:bodyPr>
+          <a:lstStyle/>
+          <a:p>
+            <a:r>
+              <a:rPr lang="en-US" altLang="zh-CN" dirty="0">
+                <a:latin typeface="Consolas" panose="020B0609020204030204" pitchFamily="49" charset="0"/>
+              </a:rPr>
+              <a:t>public</a:t>
+            </a:r>
+            <a:endParaRPr lang="zh-CN" altLang="en-US" dirty="0">
+              <a:latin typeface="Consolas" panose="020B0609020204030204" pitchFamily="49" charset="0"/>
+            </a:endParaRPr>
+          </a:p>
+        </p:txBody>
+      </p:sp>
+    </p:spTree>
+    <p:extLst>
+      <p:ext uri="{BB962C8B-B14F-4D97-AF65-F5344CB8AC3E}">
+        <p14:creationId xmlns:p14="http://schemas.microsoft.com/office/powerpoint/2010/main" val="3430859559"/>
+      </p:ext>
+    </p:extLst>
+  </p:cSld>
+  <p:clrMapOvr>
+    <a:masterClrMapping/>
+  </p:clrMapOvr>
+</p:sld>
+</file>
+
+<file path=ppt/slides/slide5.xml><?xml version="1.0" encoding="utf-8"?>
+<p:sld xmlns:a="http://schemas.openxmlformats.org/drawingml/2006/main" xmlns:r="http://schemas.openxmlformats.org/officeDocument/2006/relationships" xmlns:p="http://schemas.openxmlformats.org/presentationml/2006/main">
+  <p:cSld>
+    <p:spTree>
+      <p:nvGrpSpPr>
+        <p:cNvPr id="1" name=""/>
+        <p:cNvGrpSpPr/>
+        <p:nvPr/>
+      </p:nvGrpSpPr>
+      <p:grpSpPr>
+        <a:xfrm>
+          <a:off x="0" y="0"/>
+          <a:ext cx="0" cy="0"/>
+          <a:chOff x="0" y="0"/>
+          <a:chExt cx="0" cy="0"/>
+        </a:xfrm>
+      </p:grpSpPr>
+      <p:sp>
+        <p:nvSpPr>
+          <p:cNvPr id="2" name="标题 1">
+            <a:extLst>
+              <a:ext uri="{FF2B5EF4-FFF2-40B4-BE49-F238E27FC236}">
+                <a16:creationId xmlns:a16="http://schemas.microsoft.com/office/drawing/2014/main" id="{7758C5B9-8FA2-2EB5-D6AD-6D35AF0CE8D2}"/>
+              </a:ext>
+            </a:extLst>
+          </p:cNvPr>
+          <p:cNvSpPr>
+            <a:spLocks noGrp="1"/>
+          </p:cNvSpPr>
+          <p:nvPr>
+            <p:ph type="title"/>
+          </p:nvPr>
+        </p:nvSpPr>
+        <p:spPr/>
+        <p:txBody>
+          <a:bodyPr/>
+          <a:lstStyle/>
+          <a:p>
+            <a:endParaRPr lang="zh-CN" altLang="en-US"/>
+          </a:p>
+        </p:txBody>
+      </p:sp>
+      <p:sp>
+        <p:nvSpPr>
+          <p:cNvPr id="3" name="内容占位符 2">
+            <a:extLst>
+              <a:ext uri="{FF2B5EF4-FFF2-40B4-BE49-F238E27FC236}">
+                <a16:creationId xmlns:a16="http://schemas.microsoft.com/office/drawing/2014/main" id="{35C6938C-63B9-6F25-4B88-C915772F0337}"/>
+              </a:ext>
+            </a:extLst>
+          </p:cNvPr>
+          <p:cNvSpPr>
+            <a:spLocks noGrp="1"/>
+          </p:cNvSpPr>
+          <p:nvPr>
+            <p:ph idx="1"/>
+          </p:nvPr>
+        </p:nvSpPr>
+        <p:spPr/>
+        <p:txBody>
+          <a:bodyPr/>
+          <a:lstStyle/>
+          <a:p>
+            <a:endParaRPr lang="zh-CN" altLang="en-US"/>
+          </a:p>
+        </p:txBody>
+      </p:sp>
+    </p:spTree>
+    <p:extLst>
+      <p:ext uri="{BB962C8B-B14F-4D97-AF65-F5344CB8AC3E}">
+        <p14:creationId xmlns:p14="http://schemas.microsoft.com/office/powerpoint/2010/main" val="557859544"/>
+      </p:ext>
+    </p:extLst>
+  </p:cSld>
+  <p:clrMapOvr>
+    <a:masterClrMapping/>
+  </p:clrMapOvr>
+</p:sld>
+</file>
+
 <file path=ppt/theme/theme1.xml><?xml version="1.0" encoding="utf-8"?>
 <a:theme xmlns:a="http://schemas.openxmlformats.org/drawingml/2006/main" name="Office 主题​​">
   <a:themeElements>
